--- a/7월스토리보드.pptx
+++ b/7월스토리보드.pptx
@@ -5,31 +5,32 @@
     <p:sldMasterId id="2147483648" r:id="rId1"/>
   </p:sldMasterIdLst>
   <p:notesMasterIdLst>
-    <p:notesMasterId r:id="rId24"/>
+    <p:notesMasterId r:id="rId25"/>
   </p:notesMasterIdLst>
   <p:sldIdLst>
     <p:sldId id="260" r:id="rId2"/>
-    <p:sldId id="261" r:id="rId3"/>
-    <p:sldId id="283" r:id="rId4"/>
-    <p:sldId id="284" r:id="rId5"/>
-    <p:sldId id="285" r:id="rId6"/>
-    <p:sldId id="286" r:id="rId7"/>
-    <p:sldId id="287" r:id="rId8"/>
-    <p:sldId id="289" r:id="rId9"/>
-    <p:sldId id="288" r:id="rId10"/>
-    <p:sldId id="290" r:id="rId11"/>
-    <p:sldId id="291" r:id="rId12"/>
-    <p:sldId id="292" r:id="rId13"/>
-    <p:sldId id="293" r:id="rId14"/>
-    <p:sldId id="294" r:id="rId15"/>
-    <p:sldId id="295" r:id="rId16"/>
-    <p:sldId id="296" r:id="rId17"/>
-    <p:sldId id="297" r:id="rId18"/>
-    <p:sldId id="298" r:id="rId19"/>
-    <p:sldId id="299" r:id="rId20"/>
-    <p:sldId id="300" r:id="rId21"/>
-    <p:sldId id="301" r:id="rId22"/>
-    <p:sldId id="302" r:id="rId23"/>
+    <p:sldId id="303" r:id="rId3"/>
+    <p:sldId id="261" r:id="rId4"/>
+    <p:sldId id="283" r:id="rId5"/>
+    <p:sldId id="284" r:id="rId6"/>
+    <p:sldId id="285" r:id="rId7"/>
+    <p:sldId id="286" r:id="rId8"/>
+    <p:sldId id="287" r:id="rId9"/>
+    <p:sldId id="289" r:id="rId10"/>
+    <p:sldId id="288" r:id="rId11"/>
+    <p:sldId id="290" r:id="rId12"/>
+    <p:sldId id="291" r:id="rId13"/>
+    <p:sldId id="292" r:id="rId14"/>
+    <p:sldId id="293" r:id="rId15"/>
+    <p:sldId id="294" r:id="rId16"/>
+    <p:sldId id="295" r:id="rId17"/>
+    <p:sldId id="296" r:id="rId18"/>
+    <p:sldId id="297" r:id="rId19"/>
+    <p:sldId id="298" r:id="rId20"/>
+    <p:sldId id="299" r:id="rId21"/>
+    <p:sldId id="300" r:id="rId22"/>
+    <p:sldId id="301" r:id="rId23"/>
+    <p:sldId id="302" r:id="rId24"/>
   </p:sldIdLst>
   <p:sldSz cx="12192000" cy="6858000"/>
   <p:notesSz cx="6858000" cy="9144000"/>
@@ -128,6 +129,11 @@
       </a:defRPr>
     </a:lvl9pPr>
   </p:defaultTextStyle>
+  <p:extLst>
+    <p:ext uri="{EFAFB233-063F-42B5-8137-9DF3F51BA10A}">
+      <p15:sldGuideLst xmlns:p15="http://schemas.microsoft.com/office/powerpoint/2012/main"/>
+    </p:ext>
+  </p:extLst>
 </p:presentation>
 </file>
 
@@ -213,7 +219,7 @@
           <a:p>
             <a:fld id="{C8EF8B3C-C8E0-4A80-A68B-152CA4BB777C}" type="datetimeFigureOut">
               <a:rPr lang="ko-KR" altLang="en-US" smtClean="0"/>
-              <a:t>2022-07-22</a:t>
+              <a:t>2022-07-27</a:t>
             </a:fld>
             <a:endParaRPr lang="ko-KR" altLang="en-US"/>
           </a:p>
@@ -627,7 +633,7 @@
           <a:p>
             <a:fld id="{D4C6B336-8602-4C81-8EC0-E69891C04FAE}" type="datetimeFigureOut">
               <a:rPr lang="ko-KR" altLang="en-US" smtClean="0"/>
-              <a:t>2022-07-22</a:t>
+              <a:t>2022-07-27</a:t>
             </a:fld>
             <a:endParaRPr lang="ko-KR" altLang="en-US"/>
           </a:p>
@@ -825,7 +831,7 @@
           <a:p>
             <a:fld id="{D4C6B336-8602-4C81-8EC0-E69891C04FAE}" type="datetimeFigureOut">
               <a:rPr lang="ko-KR" altLang="en-US" smtClean="0"/>
-              <a:t>2022-07-22</a:t>
+              <a:t>2022-07-27</a:t>
             </a:fld>
             <a:endParaRPr lang="ko-KR" altLang="en-US"/>
           </a:p>
@@ -1033,7 +1039,7 @@
           <a:p>
             <a:fld id="{D4C6B336-8602-4C81-8EC0-E69891C04FAE}" type="datetimeFigureOut">
               <a:rPr lang="ko-KR" altLang="en-US" smtClean="0"/>
-              <a:t>2022-07-22</a:t>
+              <a:t>2022-07-27</a:t>
             </a:fld>
             <a:endParaRPr lang="ko-KR" altLang="en-US"/>
           </a:p>
@@ -1231,7 +1237,7 @@
           <a:p>
             <a:fld id="{D4C6B336-8602-4C81-8EC0-E69891C04FAE}" type="datetimeFigureOut">
               <a:rPr lang="ko-KR" altLang="en-US" smtClean="0"/>
-              <a:t>2022-07-22</a:t>
+              <a:t>2022-07-27</a:t>
             </a:fld>
             <a:endParaRPr lang="ko-KR" altLang="en-US"/>
           </a:p>
@@ -1506,7 +1512,7 @@
           <a:p>
             <a:fld id="{D4C6B336-8602-4C81-8EC0-E69891C04FAE}" type="datetimeFigureOut">
               <a:rPr lang="ko-KR" altLang="en-US" smtClean="0"/>
-              <a:t>2022-07-22</a:t>
+              <a:t>2022-07-27</a:t>
             </a:fld>
             <a:endParaRPr lang="ko-KR" altLang="en-US"/>
           </a:p>
@@ -1771,7 +1777,7 @@
           <a:p>
             <a:fld id="{D4C6B336-8602-4C81-8EC0-E69891C04FAE}" type="datetimeFigureOut">
               <a:rPr lang="ko-KR" altLang="en-US" smtClean="0"/>
-              <a:t>2022-07-22</a:t>
+              <a:t>2022-07-27</a:t>
             </a:fld>
             <a:endParaRPr lang="ko-KR" altLang="en-US"/>
           </a:p>
@@ -2183,7 +2189,7 @@
           <a:p>
             <a:fld id="{D4C6B336-8602-4C81-8EC0-E69891C04FAE}" type="datetimeFigureOut">
               <a:rPr lang="ko-KR" altLang="en-US" smtClean="0"/>
-              <a:t>2022-07-22</a:t>
+              <a:t>2022-07-27</a:t>
             </a:fld>
             <a:endParaRPr lang="ko-KR" altLang="en-US"/>
           </a:p>
@@ -2324,7 +2330,7 @@
           <a:p>
             <a:fld id="{D4C6B336-8602-4C81-8EC0-E69891C04FAE}" type="datetimeFigureOut">
               <a:rPr lang="ko-KR" altLang="en-US" smtClean="0"/>
-              <a:t>2022-07-22</a:t>
+              <a:t>2022-07-27</a:t>
             </a:fld>
             <a:endParaRPr lang="ko-KR" altLang="en-US"/>
           </a:p>
@@ -2437,7 +2443,7 @@
           <a:p>
             <a:fld id="{D4C6B336-8602-4C81-8EC0-E69891C04FAE}" type="datetimeFigureOut">
               <a:rPr lang="ko-KR" altLang="en-US" smtClean="0"/>
-              <a:t>2022-07-22</a:t>
+              <a:t>2022-07-27</a:t>
             </a:fld>
             <a:endParaRPr lang="ko-KR" altLang="en-US"/>
           </a:p>
@@ -2748,7 +2754,7 @@
           <a:p>
             <a:fld id="{D4C6B336-8602-4C81-8EC0-E69891C04FAE}" type="datetimeFigureOut">
               <a:rPr lang="ko-KR" altLang="en-US" smtClean="0"/>
-              <a:t>2022-07-22</a:t>
+              <a:t>2022-07-27</a:t>
             </a:fld>
             <a:endParaRPr lang="ko-KR" altLang="en-US"/>
           </a:p>
@@ -3036,7 +3042,7 @@
           <a:p>
             <a:fld id="{D4C6B336-8602-4C81-8EC0-E69891C04FAE}" type="datetimeFigureOut">
               <a:rPr lang="ko-KR" altLang="en-US" smtClean="0"/>
-              <a:t>2022-07-22</a:t>
+              <a:t>2022-07-27</a:t>
             </a:fld>
             <a:endParaRPr lang="ko-KR" altLang="en-US"/>
           </a:p>
@@ -3277,7 +3283,7 @@
           <a:p>
             <a:fld id="{D4C6B336-8602-4C81-8EC0-E69891C04FAE}" type="datetimeFigureOut">
               <a:rPr lang="ko-KR" altLang="en-US" smtClean="0"/>
-              <a:t>2022-07-22</a:t>
+              <a:t>2022-07-27</a:t>
             </a:fld>
             <a:endParaRPr lang="ko-KR" altLang="en-US"/>
           </a:p>
@@ -3949,7 +3955,7 @@
           <p:cNvPr id="3" name="TextBox 2">
             <a:extLst>
               <a:ext uri="{FF2B5EF4-FFF2-40B4-BE49-F238E27FC236}">
-                <a16:creationId xmlns:a16="http://schemas.microsoft.com/office/drawing/2014/main" id="{1BEB1364-2913-450D-9602-9DB20FE08B4A}"/>
+                <a16:creationId xmlns:a16="http://schemas.microsoft.com/office/drawing/2014/main" id="{EABE7436-3450-4023-99E2-37B6EE411AEB}"/>
               </a:ext>
             </a:extLst>
           </p:cNvPr>
@@ -3958,8 +3964,8 @@
         </p:nvSpPr>
         <p:spPr>
           <a:xfrm>
-            <a:off x="8661418" y="2604268"/>
-            <a:ext cx="1980029" cy="1754326"/>
+            <a:off x="8577443" y="1911770"/>
+            <a:ext cx="3446777" cy="3139321"/>
           </a:xfrm>
           <a:prstGeom prst="rect">
             <a:avLst/>
@@ -3972,6 +3978,69 @@
           </a:bodyPr>
           <a:lstStyle/>
           <a:p>
+            <a:r>
+              <a:rPr lang="en-US" altLang="ko-KR" dirty="0"/>
+              <a:t>* </a:t>
+            </a:r>
+            <a:r>
+              <a:rPr lang="ko-KR" altLang="en-US" dirty="0" err="1"/>
+              <a:t>메인화면</a:t>
+            </a:r>
+            <a:endParaRPr lang="en-US" altLang="ko-KR" dirty="0"/>
+          </a:p>
+          <a:p>
+            <a:endParaRPr lang="en-US" altLang="ko-KR" dirty="0"/>
+          </a:p>
+          <a:p>
+            <a:r>
+              <a:rPr lang="en-US" altLang="ko-KR" dirty="0"/>
+              <a:t>- </a:t>
+            </a:r>
+            <a:r>
+              <a:rPr lang="ko-KR" altLang="en-US" dirty="0"/>
+              <a:t>상단 </a:t>
+            </a:r>
+            <a:endParaRPr lang="en-US" altLang="ko-KR" dirty="0"/>
+          </a:p>
+          <a:p>
+            <a:r>
+              <a:rPr lang="ko-KR" altLang="en-US" dirty="0"/>
+              <a:t>좌측 </a:t>
+            </a:r>
+            <a:r>
+              <a:rPr lang="en-US" altLang="ko-KR" dirty="0"/>
+              <a:t>: </a:t>
+            </a:r>
+            <a:r>
+              <a:rPr lang="ko-KR" altLang="en-US" dirty="0"/>
+              <a:t>메인</a:t>
+            </a:r>
+            <a:r>
+              <a:rPr lang="en-US" altLang="ko-KR" dirty="0"/>
+              <a:t>/</a:t>
+            </a:r>
+            <a:r>
+              <a:rPr lang="ko-KR" altLang="en-US" dirty="0"/>
+              <a:t>게시판</a:t>
+            </a:r>
+            <a:endParaRPr lang="en-US" altLang="ko-KR" dirty="0"/>
+          </a:p>
+          <a:p>
+            <a:r>
+              <a:rPr lang="ko-KR" altLang="en-US" dirty="0"/>
+              <a:t>우측 </a:t>
+            </a:r>
+            <a:r>
+              <a:rPr lang="en-US" altLang="ko-KR" dirty="0"/>
+              <a:t>: </a:t>
+            </a:r>
+            <a:r>
+              <a:rPr lang="ko-KR" altLang="en-US" dirty="0"/>
+              <a:t>접속하기</a:t>
+            </a:r>
+            <a:endParaRPr lang="en-US" altLang="ko-KR" dirty="0"/>
+          </a:p>
+          <a:p>
             <a:endParaRPr lang="en-US" altLang="ko-KR" dirty="0"/>
           </a:p>
           <a:p>
@@ -3981,7 +4050,7 @@
             </a:r>
             <a:r>
               <a:rPr lang="ko-KR" altLang="en-US" dirty="0"/>
-              <a:t>회원가입</a:t>
+              <a:t>접속하기</a:t>
             </a:r>
             <a:r>
               <a:rPr lang="en-US" altLang="ko-KR" dirty="0"/>
@@ -3991,9 +4060,6 @@
               <a:rPr lang="ko-KR" altLang="en-US" dirty="0"/>
               <a:t> 선택</a:t>
             </a:r>
-            <a:endParaRPr lang="en-US" altLang="ko-KR" dirty="0"/>
-          </a:p>
-          <a:p>
             <a:endParaRPr lang="en-US" altLang="ko-KR" dirty="0"/>
           </a:p>
           <a:p>
@@ -4001,6 +4067,25 @@
               <a:buFontTx/>
               <a:buChar char="-"/>
             </a:pPr>
+            <a:r>
+              <a:rPr lang="ko-KR" altLang="en-US" dirty="0"/>
+              <a:t>로그인 </a:t>
+            </a:r>
+            <a:r>
+              <a:rPr lang="en-US" altLang="ko-KR" dirty="0"/>
+              <a:t>&amp; </a:t>
+            </a:r>
+            <a:r>
+              <a:rPr lang="ko-KR" altLang="en-US" dirty="0"/>
+              <a:t>회원가입 버튼생성</a:t>
+            </a:r>
+            <a:endParaRPr lang="en-US" altLang="ko-KR" dirty="0"/>
+          </a:p>
+          <a:p>
+            <a:pPr marL="285750" indent="-285750">
+              <a:buFontTx/>
+              <a:buChar char="-"/>
+            </a:pPr>
             <a:endParaRPr lang="en-US" altLang="ko-KR" dirty="0"/>
           </a:p>
           <a:p>
@@ -4017,7 +4102,7 @@
     </p:spTree>
     <p:extLst>
       <p:ext uri="{BB962C8B-B14F-4D97-AF65-F5344CB8AC3E}">
-        <p14:creationId xmlns:p14="http://schemas.microsoft.com/office/powerpoint/2010/main" val="623684041"/>
+        <p14:creationId xmlns:p14="http://schemas.microsoft.com/office/powerpoint/2010/main" val="864951808"/>
       </p:ext>
     </p:extLst>
   </p:cSld>
@@ -4101,7 +4186,7 @@
           <p:cNvPr id="3" name="TextBox 2">
             <a:extLst>
               <a:ext uri="{FF2B5EF4-FFF2-40B4-BE49-F238E27FC236}">
-                <a16:creationId xmlns:a16="http://schemas.microsoft.com/office/drawing/2014/main" id="{77B2B48F-816E-45E1-9811-F75154BD1C41}"/>
+                <a16:creationId xmlns:a16="http://schemas.microsoft.com/office/drawing/2014/main" id="{1BEB1364-2913-450D-9602-9DB20FE08B4A}"/>
               </a:ext>
             </a:extLst>
           </p:cNvPr>
@@ -4110,8 +4195,8 @@
         </p:nvSpPr>
         <p:spPr>
           <a:xfrm>
-            <a:off x="8661418" y="2742767"/>
-            <a:ext cx="2140330" cy="1477328"/>
+            <a:off x="8661418" y="2604268"/>
+            <a:ext cx="1980029" cy="1754326"/>
           </a:xfrm>
           <a:prstGeom prst="rect">
             <a:avLst/>
@@ -4124,28 +4209,35 @@
           </a:bodyPr>
           <a:lstStyle/>
           <a:p>
-            <a:r>
-              <a:rPr lang="en-US" altLang="ko-KR" dirty="0"/>
-              <a:t>* </a:t>
-            </a:r>
-            <a:r>
-              <a:rPr lang="ko-KR" altLang="en-US" dirty="0"/>
-              <a:t>회원가입 화면</a:t>
-            </a:r>
-            <a:endParaRPr lang="en-US" altLang="ko-KR" dirty="0"/>
-          </a:p>
-          <a:p>
-            <a:endParaRPr lang="en-US" altLang="ko-KR" dirty="0"/>
-          </a:p>
-          <a:p>
-            <a:r>
-              <a:rPr lang="en-US" altLang="ko-KR" dirty="0"/>
-              <a:t>-</a:t>
-            </a:r>
-            <a:r>
-              <a:rPr lang="ko-KR" altLang="en-US" dirty="0"/>
-              <a:t> 회원가입 폼 생성</a:t>
-            </a:r>
+            <a:endParaRPr lang="en-US" altLang="ko-KR" dirty="0"/>
+          </a:p>
+          <a:p>
+            <a:r>
+              <a:rPr lang="en-US" altLang="ko-KR" dirty="0"/>
+              <a:t>* [</a:t>
+            </a:r>
+            <a:r>
+              <a:rPr lang="ko-KR" altLang="en-US" dirty="0"/>
+              <a:t>회원가입</a:t>
+            </a:r>
+            <a:r>
+              <a:rPr lang="en-US" altLang="ko-KR" dirty="0"/>
+              <a:t>]</a:t>
+            </a:r>
+            <a:r>
+              <a:rPr lang="ko-KR" altLang="en-US" dirty="0"/>
+              <a:t> 선택</a:t>
+            </a:r>
+            <a:endParaRPr lang="en-US" altLang="ko-KR" dirty="0"/>
+          </a:p>
+          <a:p>
+            <a:endParaRPr lang="en-US" altLang="ko-KR" dirty="0"/>
+          </a:p>
+          <a:p>
+            <a:pPr marL="285750" indent="-285750">
+              <a:buFontTx/>
+              <a:buChar char="-"/>
+            </a:pPr>
             <a:endParaRPr lang="en-US" altLang="ko-KR" dirty="0"/>
           </a:p>
           <a:p>
@@ -4162,7 +4254,7 @@
     </p:spTree>
     <p:extLst>
       <p:ext uri="{BB962C8B-B14F-4D97-AF65-F5344CB8AC3E}">
-        <p14:creationId xmlns:p14="http://schemas.microsoft.com/office/powerpoint/2010/main" val="1894824553"/>
+        <p14:creationId xmlns:p14="http://schemas.microsoft.com/office/powerpoint/2010/main" val="623684041"/>
       </p:ext>
     </p:extLst>
   </p:cSld>
@@ -4246,7 +4338,7 @@
           <p:cNvPr id="3" name="TextBox 2">
             <a:extLst>
               <a:ext uri="{FF2B5EF4-FFF2-40B4-BE49-F238E27FC236}">
-                <a16:creationId xmlns:a16="http://schemas.microsoft.com/office/drawing/2014/main" id="{8CA6DDDE-B95E-4ACE-984A-B59369A12C33}"/>
+                <a16:creationId xmlns:a16="http://schemas.microsoft.com/office/drawing/2014/main" id="{77B2B48F-816E-45E1-9811-F75154BD1C41}"/>
               </a:ext>
             </a:extLst>
           </p:cNvPr>
@@ -4255,8 +4347,8 @@
         </p:nvSpPr>
         <p:spPr>
           <a:xfrm>
-            <a:off x="8577443" y="1911770"/>
-            <a:ext cx="3050835" cy="3139321"/>
+            <a:off x="8661418" y="2742767"/>
+            <a:ext cx="2140330" cy="1477328"/>
           </a:xfrm>
           <a:prstGeom prst="rect">
             <a:avLst/>
@@ -4283,91 +4375,17 @@
             <a:endParaRPr lang="en-US" altLang="ko-KR" dirty="0"/>
           </a:p>
           <a:p>
-            <a:pPr marL="285750" indent="-285750">
-              <a:buFont typeface="Arial" panose="020B0604020202020204" pitchFamily="34" charset="0"/>
-              <a:buChar char="•"/>
-            </a:pPr>
-            <a:r>
-              <a:rPr lang="ko-KR" altLang="en-US" dirty="0"/>
-              <a:t>아이디</a:t>
-            </a:r>
-            <a:endParaRPr lang="en-US" altLang="ko-KR" dirty="0"/>
-          </a:p>
-          <a:p>
-            <a:pPr marL="285750" indent="-285750">
-              <a:buFont typeface="Arial" panose="020B0604020202020204" pitchFamily="34" charset="0"/>
-              <a:buChar char="•"/>
-            </a:pPr>
-            <a:r>
-              <a:rPr lang="ko-KR" altLang="en-US" dirty="0"/>
-              <a:t>비밀번호 </a:t>
-            </a:r>
-            <a:endParaRPr lang="en-US" altLang="ko-KR" dirty="0"/>
-          </a:p>
-          <a:p>
-            <a:pPr marL="285750" indent="-285750">
-              <a:buFont typeface="Arial" panose="020B0604020202020204" pitchFamily="34" charset="0"/>
-              <a:buChar char="•"/>
-            </a:pPr>
-            <a:r>
-              <a:rPr lang="ko-KR" altLang="en-US" dirty="0"/>
-              <a:t>이름</a:t>
-            </a:r>
-            <a:endParaRPr lang="en-US" altLang="ko-KR" dirty="0"/>
-          </a:p>
-          <a:p>
-            <a:pPr marL="285750" indent="-285750">
-              <a:buFont typeface="Arial" panose="020B0604020202020204" pitchFamily="34" charset="0"/>
-              <a:buChar char="•"/>
-            </a:pPr>
-            <a:r>
-              <a:rPr lang="ko-KR" altLang="en-US" dirty="0"/>
-              <a:t>성별</a:t>
-            </a:r>
-            <a:endParaRPr lang="en-US" altLang="ko-KR" dirty="0"/>
-          </a:p>
-          <a:p>
-            <a:pPr marL="285750" indent="-285750">
-              <a:buFont typeface="Arial" panose="020B0604020202020204" pitchFamily="34" charset="0"/>
-              <a:buChar char="•"/>
-            </a:pPr>
-            <a:r>
-              <a:rPr lang="ko-KR" altLang="en-US" dirty="0"/>
-              <a:t>이메일</a:t>
-            </a:r>
-            <a:endParaRPr lang="en-US" altLang="ko-KR" dirty="0"/>
-          </a:p>
-          <a:p>
-            <a:pPr marL="285750" indent="-285750">
-              <a:buFont typeface="Arial" panose="020B0604020202020204" pitchFamily="34" charset="0"/>
-              <a:buChar char="•"/>
-            </a:pPr>
-            <a:endParaRPr lang="en-US" altLang="ko-KR" dirty="0"/>
-          </a:p>
-          <a:p>
-            <a:r>
-              <a:rPr lang="ko-KR" altLang="en-US" dirty="0"/>
-              <a:t>생성된 폼에 알맞게 입력 후</a:t>
-            </a:r>
-            <a:endParaRPr lang="en-US" altLang="ko-KR" dirty="0"/>
-          </a:p>
-          <a:p>
-            <a:r>
-              <a:rPr lang="en-US" altLang="ko-KR" dirty="0"/>
-              <a:t>      [</a:t>
-            </a:r>
-            <a:r>
-              <a:rPr lang="ko-KR" altLang="en-US" dirty="0"/>
-              <a:t>회원가입</a:t>
-            </a:r>
-            <a:r>
-              <a:rPr lang="en-US" altLang="ko-KR" dirty="0"/>
-              <a:t>] </a:t>
-            </a:r>
-            <a:r>
-              <a:rPr lang="ko-KR" altLang="en-US" dirty="0"/>
-              <a:t>버튼 클릭</a:t>
-            </a:r>
+            <a:r>
+              <a:rPr lang="en-US" altLang="ko-KR" dirty="0"/>
+              <a:t>-</a:t>
+            </a:r>
+            <a:r>
+              <a:rPr lang="ko-KR" altLang="en-US" dirty="0"/>
+              <a:t> 회원가입 폼 생성</a:t>
+            </a:r>
+            <a:endParaRPr lang="en-US" altLang="ko-KR" dirty="0"/>
+          </a:p>
+          <a:p>
             <a:r>
               <a:rPr lang="en-US" altLang="ko-KR" dirty="0"/>
               <a:t> </a:t>
@@ -4381,7 +4399,7 @@
     </p:spTree>
     <p:extLst>
       <p:ext uri="{BB962C8B-B14F-4D97-AF65-F5344CB8AC3E}">
-        <p14:creationId xmlns:p14="http://schemas.microsoft.com/office/powerpoint/2010/main" val="1110393032"/>
+        <p14:creationId xmlns:p14="http://schemas.microsoft.com/office/powerpoint/2010/main" val="1894824553"/>
       </p:ext>
     </p:extLst>
   </p:cSld>
@@ -4462,10 +4480,10 @@
       </p:sp>
       <p:sp>
         <p:nvSpPr>
-          <p:cNvPr id="7" name="TextBox 6">
-            <a:extLst>
-              <a:ext uri="{FF2B5EF4-FFF2-40B4-BE49-F238E27FC236}">
-                <a16:creationId xmlns:a16="http://schemas.microsoft.com/office/drawing/2014/main" id="{1FC6586B-7E23-4CED-A0B8-A8A9BE62B989}"/>
+          <p:cNvPr id="3" name="TextBox 2">
+            <a:extLst>
+              <a:ext uri="{FF2B5EF4-FFF2-40B4-BE49-F238E27FC236}">
+                <a16:creationId xmlns:a16="http://schemas.microsoft.com/office/drawing/2014/main" id="{8CA6DDDE-B95E-4ACE-984A-B59369A12C33}"/>
               </a:ext>
             </a:extLst>
           </p:cNvPr>
@@ -4474,8 +4492,8 @@
         </p:nvSpPr>
         <p:spPr>
           <a:xfrm>
-            <a:off x="8828954" y="2188769"/>
-            <a:ext cx="2401619" cy="2585323"/>
+            <a:off x="8577443" y="1911770"/>
+            <a:ext cx="3050835" cy="3139321"/>
           </a:xfrm>
           <a:prstGeom prst="rect">
             <a:avLst/>
@@ -4494,57 +4512,99 @@
             </a:r>
             <a:r>
               <a:rPr lang="ko-KR" altLang="en-US" dirty="0"/>
+              <a:t>회원가입 화면</a:t>
+            </a:r>
+            <a:endParaRPr lang="en-US" altLang="ko-KR" dirty="0"/>
+          </a:p>
+          <a:p>
+            <a:endParaRPr lang="en-US" altLang="ko-KR" dirty="0"/>
+          </a:p>
+          <a:p>
+            <a:pPr marL="285750" indent="-285750">
+              <a:buFont typeface="Arial" panose="020B0604020202020204" pitchFamily="34" charset="0"/>
+              <a:buChar char="•"/>
+            </a:pPr>
+            <a:r>
+              <a:rPr lang="ko-KR" altLang="en-US" dirty="0"/>
+              <a:t>아이디</a:t>
+            </a:r>
+            <a:endParaRPr lang="en-US" altLang="ko-KR" dirty="0"/>
+          </a:p>
+          <a:p>
+            <a:pPr marL="285750" indent="-285750">
+              <a:buFont typeface="Arial" panose="020B0604020202020204" pitchFamily="34" charset="0"/>
+              <a:buChar char="•"/>
+            </a:pPr>
+            <a:r>
+              <a:rPr lang="ko-KR" altLang="en-US" dirty="0"/>
+              <a:t>비밀번호 </a:t>
+            </a:r>
+            <a:endParaRPr lang="en-US" altLang="ko-KR" dirty="0"/>
+          </a:p>
+          <a:p>
+            <a:pPr marL="285750" indent="-285750">
+              <a:buFont typeface="Arial" panose="020B0604020202020204" pitchFamily="34" charset="0"/>
+              <a:buChar char="•"/>
+            </a:pPr>
+            <a:r>
+              <a:rPr lang="ko-KR" altLang="en-US" dirty="0"/>
+              <a:t>이름</a:t>
+            </a:r>
+            <a:endParaRPr lang="en-US" altLang="ko-KR" dirty="0"/>
+          </a:p>
+          <a:p>
+            <a:pPr marL="285750" indent="-285750">
+              <a:buFont typeface="Arial" panose="020B0604020202020204" pitchFamily="34" charset="0"/>
+              <a:buChar char="•"/>
+            </a:pPr>
+            <a:r>
+              <a:rPr lang="ko-KR" altLang="en-US" dirty="0"/>
+              <a:t>성별</a:t>
+            </a:r>
+            <a:endParaRPr lang="en-US" altLang="ko-KR" dirty="0"/>
+          </a:p>
+          <a:p>
+            <a:pPr marL="285750" indent="-285750">
+              <a:buFont typeface="Arial" panose="020B0604020202020204" pitchFamily="34" charset="0"/>
+              <a:buChar char="•"/>
+            </a:pPr>
+            <a:r>
+              <a:rPr lang="ko-KR" altLang="en-US" dirty="0"/>
+              <a:t>이메일</a:t>
+            </a:r>
+            <a:endParaRPr lang="en-US" altLang="ko-KR" dirty="0"/>
+          </a:p>
+          <a:p>
+            <a:pPr marL="285750" indent="-285750">
+              <a:buFont typeface="Arial" panose="020B0604020202020204" pitchFamily="34" charset="0"/>
+              <a:buChar char="•"/>
+            </a:pPr>
+            <a:endParaRPr lang="en-US" altLang="ko-KR" dirty="0"/>
+          </a:p>
+          <a:p>
+            <a:r>
+              <a:rPr lang="ko-KR" altLang="en-US" dirty="0"/>
+              <a:t>생성된 폼에 알맞게 입력 후</a:t>
+            </a:r>
+            <a:endParaRPr lang="en-US" altLang="ko-KR" dirty="0"/>
+          </a:p>
+          <a:p>
+            <a:r>
+              <a:rPr lang="en-US" altLang="ko-KR" dirty="0"/>
+              <a:t>      [</a:t>
+            </a:r>
+            <a:r>
+              <a:rPr lang="ko-KR" altLang="en-US" dirty="0"/>
               <a:t>회원가입</a:t>
             </a:r>
-            <a:endParaRPr lang="en-US" altLang="ko-KR" dirty="0"/>
-          </a:p>
-          <a:p>
-            <a:endParaRPr lang="en-US" altLang="ko-KR" dirty="0"/>
-          </a:p>
-          <a:p>
-            <a:pPr marL="285750" indent="-285750">
-              <a:buFontTx/>
-              <a:buChar char="-"/>
-            </a:pPr>
-            <a:r>
-              <a:rPr lang="ko-KR" altLang="en-US" dirty="0"/>
-              <a:t>회원가입 선택 시 </a:t>
-            </a:r>
-            <a:br>
-              <a:rPr lang="en-US" altLang="ko-KR" dirty="0"/>
-            </a:br>
-            <a:r>
-              <a:rPr lang="ko-KR" altLang="en-US" dirty="0" err="1"/>
-              <a:t>메인화면으로</a:t>
-            </a:r>
-            <a:r>
-              <a:rPr lang="ko-KR" altLang="en-US" dirty="0"/>
-              <a:t> 전환</a:t>
-            </a:r>
-            <a:endParaRPr lang="en-US" altLang="ko-KR" dirty="0"/>
-          </a:p>
-          <a:p>
-            <a:pPr marL="285750" indent="-285750">
-              <a:buFontTx/>
-              <a:buChar char="-"/>
-            </a:pPr>
-            <a:endParaRPr lang="en-US" altLang="ko-KR" dirty="0"/>
-          </a:p>
-          <a:p>
-            <a:pPr marL="285750" indent="-285750">
-              <a:buFontTx/>
-              <a:buChar char="-"/>
-            </a:pPr>
-            <a:endParaRPr lang="en-US" altLang="ko-KR" dirty="0"/>
-          </a:p>
-          <a:p>
-            <a:pPr marL="285750" indent="-285750">
-              <a:buFontTx/>
-              <a:buChar char="-"/>
-            </a:pPr>
-            <a:endParaRPr lang="en-US" altLang="ko-KR" dirty="0"/>
-          </a:p>
-          <a:p>
+            <a:r>
+              <a:rPr lang="en-US" altLang="ko-KR" dirty="0"/>
+              <a:t>] </a:t>
+            </a:r>
+            <a:r>
+              <a:rPr lang="ko-KR" altLang="en-US" dirty="0"/>
+              <a:t>버튼 클릭</a:t>
+            </a:r>
             <a:r>
               <a:rPr lang="en-US" altLang="ko-KR" dirty="0"/>
               <a:t> </a:t>
@@ -4558,7 +4618,7 @@
     </p:spTree>
     <p:extLst>
       <p:ext uri="{BB962C8B-B14F-4D97-AF65-F5344CB8AC3E}">
-        <p14:creationId xmlns:p14="http://schemas.microsoft.com/office/powerpoint/2010/main" val="1146485215"/>
+        <p14:creationId xmlns:p14="http://schemas.microsoft.com/office/powerpoint/2010/main" val="1110393032"/>
       </p:ext>
     </p:extLst>
   </p:cSld>
@@ -4639,10 +4699,10 @@
       </p:sp>
       <p:sp>
         <p:nvSpPr>
-          <p:cNvPr id="3" name="TextBox 2">
-            <a:extLst>
-              <a:ext uri="{FF2B5EF4-FFF2-40B4-BE49-F238E27FC236}">
-                <a16:creationId xmlns:a16="http://schemas.microsoft.com/office/drawing/2014/main" id="{AA2A2830-8B48-4523-A680-B21D3785F02F}"/>
+          <p:cNvPr id="7" name="TextBox 6">
+            <a:extLst>
+              <a:ext uri="{FF2B5EF4-FFF2-40B4-BE49-F238E27FC236}">
+                <a16:creationId xmlns:a16="http://schemas.microsoft.com/office/drawing/2014/main" id="{1FC6586B-7E23-4CED-A0B8-A8A9BE62B989}"/>
               </a:ext>
             </a:extLst>
           </p:cNvPr>
@@ -4651,8 +4711,8 @@
         </p:nvSpPr>
         <p:spPr>
           <a:xfrm>
-            <a:off x="8791632" y="2188769"/>
-            <a:ext cx="2855269" cy="2862322"/>
+            <a:off x="8828954" y="2188769"/>
+            <a:ext cx="2401619" cy="2585323"/>
           </a:xfrm>
           <a:prstGeom prst="rect">
             <a:avLst/>
@@ -4670,8 +4730,8 @@
               <a:t>* </a:t>
             </a:r>
             <a:r>
-              <a:rPr lang="ko-KR" altLang="en-US" dirty="0" err="1"/>
-              <a:t>메인화면</a:t>
+              <a:rPr lang="ko-KR" altLang="en-US" dirty="0"/>
+              <a:t>회원가입</a:t>
             </a:r>
             <a:endParaRPr lang="en-US" altLang="ko-KR" dirty="0"/>
           </a:p>
@@ -4685,27 +4745,19 @@
             </a:pPr>
             <a:r>
               <a:rPr lang="ko-KR" altLang="en-US" dirty="0"/>
-              <a:t>좌측상단 </a:t>
-            </a:r>
-            <a:r>
-              <a:rPr lang="en-US" altLang="ko-KR" dirty="0"/>
-              <a:t>[</a:t>
-            </a:r>
-            <a:r>
-              <a:rPr lang="ko-KR" altLang="en-US" dirty="0"/>
-              <a:t>게시판</a:t>
-            </a:r>
-            <a:r>
-              <a:rPr lang="en-US" altLang="ko-KR" dirty="0"/>
-              <a:t>] </a:t>
-            </a:r>
-            <a:r>
-              <a:rPr lang="ko-KR" altLang="en-US" dirty="0"/>
-              <a:t>선택</a:t>
+              <a:t>회원가입 선택 시 </a:t>
             </a:r>
             <a:br>
               <a:rPr lang="en-US" altLang="ko-KR" dirty="0"/>
             </a:br>
+            <a:r>
+              <a:rPr lang="ko-KR" altLang="en-US" dirty="0" err="1"/>
+              <a:t>메인화면으로</a:t>
+            </a:r>
+            <a:r>
+              <a:rPr lang="ko-KR" altLang="en-US" dirty="0"/>
+              <a:t> 전환</a:t>
+            </a:r>
             <a:endParaRPr lang="en-US" altLang="ko-KR" dirty="0"/>
           </a:p>
           <a:p>
@@ -4713,10 +4765,6 @@
               <a:buFontTx/>
               <a:buChar char="-"/>
             </a:pPr>
-            <a:r>
-              <a:rPr lang="ko-KR" altLang="en-US" dirty="0"/>
-              <a:t>게시판화면으로 전환</a:t>
-            </a:r>
             <a:endParaRPr lang="en-US" altLang="ko-KR" dirty="0"/>
           </a:p>
           <a:p>
@@ -4734,13 +4782,6 @@
             <a:endParaRPr lang="en-US" altLang="ko-KR" dirty="0"/>
           </a:p>
           <a:p>
-            <a:pPr marL="285750" indent="-285750">
-              <a:buFontTx/>
-              <a:buChar char="-"/>
-            </a:pPr>
-            <a:endParaRPr lang="en-US" altLang="ko-KR" dirty="0"/>
-          </a:p>
-          <a:p>
             <a:r>
               <a:rPr lang="en-US" altLang="ko-KR" dirty="0"/>
               <a:t> </a:t>
@@ -4754,7 +4795,7 @@
     </p:spTree>
     <p:extLst>
       <p:ext uri="{BB962C8B-B14F-4D97-AF65-F5344CB8AC3E}">
-        <p14:creationId xmlns:p14="http://schemas.microsoft.com/office/powerpoint/2010/main" val="39642569"/>
+        <p14:creationId xmlns:p14="http://schemas.microsoft.com/office/powerpoint/2010/main" val="1146485215"/>
       </p:ext>
     </p:extLst>
   </p:cSld>
@@ -4838,7 +4879,7 @@
           <p:cNvPr id="3" name="TextBox 2">
             <a:extLst>
               <a:ext uri="{FF2B5EF4-FFF2-40B4-BE49-F238E27FC236}">
-                <a16:creationId xmlns:a16="http://schemas.microsoft.com/office/drawing/2014/main" id="{FD4C0B9B-BB54-4802-B215-2A7B7D809FC4}"/>
+                <a16:creationId xmlns:a16="http://schemas.microsoft.com/office/drawing/2014/main" id="{AA2A2830-8B48-4523-A680-B21D3785F02F}"/>
               </a:ext>
             </a:extLst>
           </p:cNvPr>
@@ -4848,7 +4889,7 @@
         <p:spPr>
           <a:xfrm>
             <a:off x="8791632" y="2188769"/>
-            <a:ext cx="3336170" cy="2862322"/>
+            <a:ext cx="2855269" cy="2862322"/>
           </a:xfrm>
           <a:prstGeom prst="rect">
             <a:avLst/>
@@ -4866,8 +4907,8 @@
               <a:t>* </a:t>
             </a:r>
             <a:r>
-              <a:rPr lang="ko-KR" altLang="en-US" dirty="0"/>
-              <a:t>게시판 화면</a:t>
+              <a:rPr lang="ko-KR" altLang="en-US" dirty="0" err="1"/>
+              <a:t>메인화면</a:t>
             </a:r>
             <a:endParaRPr lang="en-US" altLang="ko-KR" dirty="0"/>
           </a:p>
@@ -4881,8 +4922,27 @@
             </a:pPr>
             <a:r>
               <a:rPr lang="ko-KR" altLang="en-US" dirty="0"/>
-              <a:t>게시판 목록 화면으로 전환</a:t>
-            </a:r>
+              <a:t>좌측상단 </a:t>
+            </a:r>
+            <a:r>
+              <a:rPr lang="en-US" altLang="ko-KR" dirty="0"/>
+              <a:t>[</a:t>
+            </a:r>
+            <a:r>
+              <a:rPr lang="ko-KR" altLang="en-US" dirty="0"/>
+              <a:t>게시판</a:t>
+            </a:r>
+            <a:r>
+              <a:rPr lang="en-US" altLang="ko-KR" dirty="0"/>
+              <a:t>] </a:t>
+            </a:r>
+            <a:r>
+              <a:rPr lang="ko-KR" altLang="en-US" dirty="0"/>
+              <a:t>선택</a:t>
+            </a:r>
+            <a:br>
+              <a:rPr lang="en-US" altLang="ko-KR" dirty="0"/>
+            </a:br>
             <a:endParaRPr lang="en-US" altLang="ko-KR" dirty="0"/>
           </a:p>
           <a:p>
@@ -4890,6 +4950,10 @@
               <a:buFontTx/>
               <a:buChar char="-"/>
             </a:pPr>
+            <a:r>
+              <a:rPr lang="ko-KR" altLang="en-US" dirty="0"/>
+              <a:t>게시판화면으로 전환</a:t>
+            </a:r>
             <a:endParaRPr lang="en-US" altLang="ko-KR" dirty="0"/>
           </a:p>
           <a:p>
@@ -4897,25 +4961,6 @@
               <a:buFontTx/>
               <a:buChar char="-"/>
             </a:pPr>
-            <a:r>
-              <a:rPr lang="en-US" altLang="ko-KR" dirty="0"/>
-              <a:t>[home] &amp; [next] &amp; [</a:t>
-            </a:r>
-            <a:r>
-              <a:rPr lang="ko-KR" altLang="en-US" dirty="0"/>
-              <a:t>글쓰기</a:t>
-            </a:r>
-            <a:r>
-              <a:rPr lang="en-US" altLang="ko-KR" dirty="0"/>
-              <a:t>]</a:t>
-            </a:r>
-            <a:br>
-              <a:rPr lang="en-US" altLang="ko-KR" dirty="0"/>
-            </a:br>
-            <a:r>
-              <a:rPr lang="ko-KR" altLang="en-US" dirty="0"/>
-              <a:t>버튼으로 구성</a:t>
-            </a:r>
             <a:endParaRPr lang="en-US" altLang="ko-KR" dirty="0"/>
           </a:p>
           <a:p>
@@ -4946,7 +4991,7 @@
     </p:spTree>
     <p:extLst>
       <p:ext uri="{BB962C8B-B14F-4D97-AF65-F5344CB8AC3E}">
-        <p14:creationId xmlns:p14="http://schemas.microsoft.com/office/powerpoint/2010/main" val="3315081659"/>
+        <p14:creationId xmlns:p14="http://schemas.microsoft.com/office/powerpoint/2010/main" val="39642569"/>
       </p:ext>
     </p:extLst>
   </p:cSld>
@@ -5030,7 +5075,7 @@
           <p:cNvPr id="3" name="TextBox 2">
             <a:extLst>
               <a:ext uri="{FF2B5EF4-FFF2-40B4-BE49-F238E27FC236}">
-                <a16:creationId xmlns:a16="http://schemas.microsoft.com/office/drawing/2014/main" id="{800EB24D-107A-4906-98DF-038AEC198F4C}"/>
+                <a16:creationId xmlns:a16="http://schemas.microsoft.com/office/drawing/2014/main" id="{FD4C0B9B-BB54-4802-B215-2A7B7D809FC4}"/>
               </a:ext>
             </a:extLst>
           </p:cNvPr>
@@ -5040,7 +5085,7 @@
         <p:spPr>
           <a:xfrm>
             <a:off x="8791632" y="2188769"/>
-            <a:ext cx="3001143" cy="2585323"/>
+            <a:ext cx="3336170" cy="2862322"/>
           </a:xfrm>
           <a:prstGeom prst="rect">
             <a:avLst/>
@@ -5072,20 +5117,8 @@
               <a:buChar char="-"/>
             </a:pPr>
             <a:r>
-              <a:rPr lang="en-US" altLang="ko-KR" dirty="0"/>
-              <a:t>[next </a:t>
-            </a:r>
-            <a:r>
-              <a:rPr lang="ko-KR" altLang="en-US" dirty="0"/>
-              <a:t>넘버</a:t>
-            </a:r>
-            <a:r>
-              <a:rPr lang="en-US" altLang="ko-KR" dirty="0"/>
-              <a:t>]</a:t>
-            </a:r>
-            <a:r>
-              <a:rPr lang="ko-KR" altLang="en-US" dirty="0"/>
-              <a:t>버튼 선택 시 </a:t>
+              <a:rPr lang="ko-KR" altLang="en-US" dirty="0"/>
+              <a:t>게시판 목록 화면으로 전환</a:t>
             </a:r>
             <a:endParaRPr lang="en-US" altLang="ko-KR" dirty="0"/>
           </a:p>
@@ -5101,6 +5134,25 @@
               <a:buFontTx/>
               <a:buChar char="-"/>
             </a:pPr>
+            <a:r>
+              <a:rPr lang="en-US" altLang="ko-KR" dirty="0"/>
+              <a:t>[home] &amp; [next] &amp; [</a:t>
+            </a:r>
+            <a:r>
+              <a:rPr lang="ko-KR" altLang="en-US" dirty="0"/>
+              <a:t>글쓰기</a:t>
+            </a:r>
+            <a:r>
+              <a:rPr lang="en-US" altLang="ko-KR" dirty="0"/>
+              <a:t>]</a:t>
+            </a:r>
+            <a:br>
+              <a:rPr lang="en-US" altLang="ko-KR" dirty="0"/>
+            </a:br>
+            <a:r>
+              <a:rPr lang="ko-KR" altLang="en-US" dirty="0"/>
+              <a:t>버튼으로 구성</a:t>
+            </a:r>
             <a:endParaRPr lang="en-US" altLang="ko-KR" dirty="0"/>
           </a:p>
           <a:p>
@@ -5131,7 +5183,7 @@
     </p:spTree>
     <p:extLst>
       <p:ext uri="{BB962C8B-B14F-4D97-AF65-F5344CB8AC3E}">
-        <p14:creationId xmlns:p14="http://schemas.microsoft.com/office/powerpoint/2010/main" val="1541747289"/>
+        <p14:creationId xmlns:p14="http://schemas.microsoft.com/office/powerpoint/2010/main" val="3315081659"/>
       </p:ext>
     </p:extLst>
   </p:cSld>
@@ -5215,7 +5267,7 @@
           <p:cNvPr id="3" name="TextBox 2">
             <a:extLst>
               <a:ext uri="{FF2B5EF4-FFF2-40B4-BE49-F238E27FC236}">
-                <a16:creationId xmlns:a16="http://schemas.microsoft.com/office/drawing/2014/main" id="{1FA4BB70-ADD3-4952-9F17-4D08B42DCF38}"/>
+                <a16:creationId xmlns:a16="http://schemas.microsoft.com/office/drawing/2014/main" id="{800EB24D-107A-4906-98DF-038AEC198F4C}"/>
               </a:ext>
             </a:extLst>
           </p:cNvPr>
@@ -5225,7 +5277,7 @@
         <p:spPr>
           <a:xfrm>
             <a:off x="8791632" y="2188769"/>
-            <a:ext cx="2919389" cy="3693319"/>
+            <a:ext cx="3001143" cy="2585323"/>
           </a:xfrm>
           <a:prstGeom prst="rect">
             <a:avLst/>
@@ -5270,7 +5322,7 @@
             </a:r>
             <a:r>
               <a:rPr lang="ko-KR" altLang="en-US" dirty="0"/>
-              <a:t>버튼 선택 시</a:t>
+              <a:t>버튼 선택 시 </a:t>
             </a:r>
             <a:endParaRPr lang="en-US" altLang="ko-KR" dirty="0"/>
           </a:p>
@@ -5286,10 +5338,6 @@
               <a:buFontTx/>
               <a:buChar char="-"/>
             </a:pPr>
-            <a:r>
-              <a:rPr lang="ko-KR" altLang="en-US" dirty="0"/>
-              <a:t> 다음 페이지로 전환</a:t>
-            </a:r>
             <a:endParaRPr lang="en-US" altLang="ko-KR" dirty="0"/>
           </a:p>
           <a:p>
@@ -5304,50 +5352,6 @@
               <a:buFontTx/>
               <a:buChar char="-"/>
             </a:pPr>
-            <a:r>
-              <a:rPr lang="en-US" altLang="ko-KR" dirty="0"/>
-              <a:t>[</a:t>
-            </a:r>
-            <a:r>
-              <a:rPr lang="ko-KR" altLang="en-US" dirty="0"/>
-              <a:t>글쓰기</a:t>
-            </a:r>
-            <a:r>
-              <a:rPr lang="en-US" altLang="ko-KR" dirty="0"/>
-              <a:t>] </a:t>
-            </a:r>
-            <a:r>
-              <a:rPr lang="ko-KR" altLang="en-US" dirty="0"/>
-              <a:t>선택</a:t>
-            </a:r>
-            <a:endParaRPr lang="en-US" altLang="ko-KR" dirty="0"/>
-          </a:p>
-          <a:p>
-            <a:pPr marL="285750" indent="-285750">
-              <a:buFontTx/>
-              <a:buChar char="-"/>
-            </a:pPr>
-            <a:endParaRPr lang="en-US" altLang="ko-KR" dirty="0"/>
-          </a:p>
-          <a:p>
-            <a:pPr marL="285750" indent="-285750">
-              <a:buFontTx/>
-              <a:buChar char="-"/>
-            </a:pPr>
-            <a:endParaRPr lang="en-US" altLang="ko-KR" dirty="0"/>
-          </a:p>
-          <a:p>
-            <a:pPr marL="285750" indent="-285750">
-              <a:buFontTx/>
-              <a:buChar char="-"/>
-            </a:pPr>
-            <a:endParaRPr lang="en-US" altLang="ko-KR" dirty="0"/>
-          </a:p>
-          <a:p>
-            <a:pPr marL="285750" indent="-285750">
-              <a:buFontTx/>
-              <a:buChar char="-"/>
-            </a:pPr>
             <a:endParaRPr lang="en-US" altLang="ko-KR" dirty="0"/>
           </a:p>
           <a:p>
@@ -5364,7 +5368,7 @@
     </p:spTree>
     <p:extLst>
       <p:ext uri="{BB962C8B-B14F-4D97-AF65-F5344CB8AC3E}">
-        <p14:creationId xmlns:p14="http://schemas.microsoft.com/office/powerpoint/2010/main" val="1327049686"/>
+        <p14:creationId xmlns:p14="http://schemas.microsoft.com/office/powerpoint/2010/main" val="1541747289"/>
       </p:ext>
     </p:extLst>
   </p:cSld>
@@ -5448,7 +5452,7 @@
           <p:cNvPr id="3" name="TextBox 2">
             <a:extLst>
               <a:ext uri="{FF2B5EF4-FFF2-40B4-BE49-F238E27FC236}">
-                <a16:creationId xmlns:a16="http://schemas.microsoft.com/office/drawing/2014/main" id="{A3F1BAE4-D90C-4677-A55F-5080F4DE24BA}"/>
+                <a16:creationId xmlns:a16="http://schemas.microsoft.com/office/drawing/2014/main" id="{1FA4BB70-ADD3-4952-9F17-4D08B42DCF38}"/>
               </a:ext>
             </a:extLst>
           </p:cNvPr>
@@ -5457,8 +5461,8 @@
         </p:nvSpPr>
         <p:spPr>
           <a:xfrm>
-            <a:off x="9043559" y="1911770"/>
-            <a:ext cx="2714205" cy="3139321"/>
+            <a:off x="8791632" y="2188769"/>
+            <a:ext cx="2919389" cy="3693319"/>
           </a:xfrm>
           <a:prstGeom prst="rect">
             <a:avLst/>
@@ -5477,7 +5481,7 @@
             </a:r>
             <a:r>
               <a:rPr lang="ko-KR" altLang="en-US" dirty="0"/>
-              <a:t>글쓰기 화면</a:t>
+              <a:t>게시판 화면</a:t>
             </a:r>
             <a:endParaRPr lang="en-US" altLang="ko-KR" dirty="0"/>
           </a:p>
@@ -5491,15 +5495,15 @@
             </a:pPr>
             <a:r>
               <a:rPr lang="en-US" altLang="ko-KR" dirty="0"/>
-              <a:t>[</a:t>
-            </a:r>
-            <a:r>
-              <a:rPr lang="ko-KR" altLang="en-US" dirty="0"/>
-              <a:t>글쓰기</a:t>
-            </a:r>
-            <a:r>
-              <a:rPr lang="en-US" altLang="ko-KR" dirty="0"/>
-              <a:t>] </a:t>
+              <a:t>[next </a:t>
+            </a:r>
+            <a:r>
+              <a:rPr lang="ko-KR" altLang="en-US" dirty="0"/>
+              <a:t>넘버</a:t>
+            </a:r>
+            <a:r>
+              <a:rPr lang="en-US" altLang="ko-KR" dirty="0"/>
+              <a:t>]</a:t>
             </a:r>
             <a:r>
               <a:rPr lang="ko-KR" altLang="en-US" dirty="0"/>
@@ -5521,11 +5525,8 @@
             </a:pPr>
             <a:r>
               <a:rPr lang="ko-KR" altLang="en-US" dirty="0"/>
-              <a:t>글쓰기 화면으로 전환</a:t>
-            </a:r>
-            <a:endParaRPr lang="en-US" altLang="ko-KR" dirty="0"/>
-          </a:p>
-          <a:p>
+              <a:t> 다음 페이지로 전환</a:t>
+            </a:r>
             <a:endParaRPr lang="en-US" altLang="ko-KR" dirty="0"/>
           </a:p>
           <a:p>
@@ -5540,6 +5541,22 @@
               <a:buFontTx/>
               <a:buChar char="-"/>
             </a:pPr>
+            <a:r>
+              <a:rPr lang="en-US" altLang="ko-KR" dirty="0"/>
+              <a:t>[</a:t>
+            </a:r>
+            <a:r>
+              <a:rPr lang="ko-KR" altLang="en-US" dirty="0"/>
+              <a:t>글쓰기</a:t>
+            </a:r>
+            <a:r>
+              <a:rPr lang="en-US" altLang="ko-KR" dirty="0"/>
+              <a:t>] </a:t>
+            </a:r>
+            <a:r>
+              <a:rPr lang="ko-KR" altLang="en-US" dirty="0"/>
+              <a:t>선택</a:t>
+            </a:r>
             <a:endParaRPr lang="en-US" altLang="ko-KR" dirty="0"/>
           </a:p>
           <a:p>
@@ -5550,6 +5567,27 @@
             <a:endParaRPr lang="en-US" altLang="ko-KR" dirty="0"/>
           </a:p>
           <a:p>
+            <a:pPr marL="285750" indent="-285750">
+              <a:buFontTx/>
+              <a:buChar char="-"/>
+            </a:pPr>
+            <a:endParaRPr lang="en-US" altLang="ko-KR" dirty="0"/>
+          </a:p>
+          <a:p>
+            <a:pPr marL="285750" indent="-285750">
+              <a:buFontTx/>
+              <a:buChar char="-"/>
+            </a:pPr>
+            <a:endParaRPr lang="en-US" altLang="ko-KR" dirty="0"/>
+          </a:p>
+          <a:p>
+            <a:pPr marL="285750" indent="-285750">
+              <a:buFontTx/>
+              <a:buChar char="-"/>
+            </a:pPr>
+            <a:endParaRPr lang="en-US" altLang="ko-KR" dirty="0"/>
+          </a:p>
+          <a:p>
             <a:r>
               <a:rPr lang="en-US" altLang="ko-KR" dirty="0"/>
               <a:t> </a:t>
@@ -5563,7 +5601,7 @@
     </p:spTree>
     <p:extLst>
       <p:ext uri="{BB962C8B-B14F-4D97-AF65-F5344CB8AC3E}">
-        <p14:creationId xmlns:p14="http://schemas.microsoft.com/office/powerpoint/2010/main" val="3193171553"/>
+        <p14:creationId xmlns:p14="http://schemas.microsoft.com/office/powerpoint/2010/main" val="1327049686"/>
       </p:ext>
     </p:extLst>
   </p:cSld>
@@ -5647,7 +5685,7 @@
           <p:cNvPr id="3" name="TextBox 2">
             <a:extLst>
               <a:ext uri="{FF2B5EF4-FFF2-40B4-BE49-F238E27FC236}">
-                <a16:creationId xmlns:a16="http://schemas.microsoft.com/office/drawing/2014/main" id="{CDBFCDC4-FBF2-47ED-B074-A88BD5F56657}"/>
+                <a16:creationId xmlns:a16="http://schemas.microsoft.com/office/drawing/2014/main" id="{A3F1BAE4-D90C-4677-A55F-5080F4DE24BA}"/>
               </a:ext>
             </a:extLst>
           </p:cNvPr>
@@ -5656,8 +5694,8 @@
         </p:nvSpPr>
         <p:spPr>
           <a:xfrm>
-            <a:off x="8735649" y="1634771"/>
-            <a:ext cx="2714205" cy="4247317"/>
+            <a:off x="9043559" y="1911770"/>
+            <a:ext cx="2714205" cy="3139321"/>
           </a:xfrm>
           <a:prstGeom prst="rect">
             <a:avLst/>
@@ -5689,72 +5727,20 @@
               <a:buChar char="-"/>
             </a:pPr>
             <a:r>
-              <a:rPr lang="ko-KR" altLang="en-US" dirty="0"/>
-              <a:t>글쓰기 화면으로 전환</a:t>
-            </a:r>
-            <a:endParaRPr lang="en-US" altLang="ko-KR" dirty="0"/>
-          </a:p>
-          <a:p>
-            <a:endParaRPr lang="en-US" altLang="ko-KR" dirty="0"/>
-          </a:p>
-          <a:p>
-            <a:pPr marL="285750" indent="-285750">
-              <a:buFont typeface="Arial" panose="020B0604020202020204" pitchFamily="34" charset="0"/>
-              <a:buChar char="•"/>
-            </a:pPr>
-            <a:r>
-              <a:rPr lang="ko-KR" altLang="en-US" dirty="0"/>
-              <a:t>글 제목</a:t>
-            </a:r>
-            <a:endParaRPr lang="en-US" altLang="ko-KR" dirty="0"/>
-          </a:p>
-          <a:p>
-            <a:pPr marL="285750" indent="-285750">
-              <a:buFont typeface="Arial" panose="020B0604020202020204" pitchFamily="34" charset="0"/>
-              <a:buChar char="•"/>
-            </a:pPr>
-            <a:r>
-              <a:rPr lang="ko-KR" altLang="en-US" dirty="0"/>
-              <a:t>글 내용</a:t>
-            </a:r>
-            <a:endParaRPr lang="en-US" altLang="ko-KR" dirty="0"/>
-          </a:p>
-          <a:p>
-            <a:pPr marL="285750" indent="-285750">
-              <a:buFont typeface="Arial" panose="020B0604020202020204" pitchFamily="34" charset="0"/>
-              <a:buChar char="•"/>
-            </a:pPr>
-            <a:r>
-              <a:rPr lang="ko-KR" altLang="en-US" dirty="0"/>
-              <a:t>파일첨부</a:t>
-            </a:r>
-            <a:endParaRPr lang="en-US" altLang="ko-KR" dirty="0"/>
-          </a:p>
-          <a:p>
-            <a:endParaRPr lang="en-US" altLang="ko-KR" dirty="0"/>
-          </a:p>
-          <a:p>
-            <a:r>
-              <a:rPr lang="ko-KR" altLang="en-US" dirty="0"/>
-              <a:t>내용 입력 후 </a:t>
-            </a:r>
-            <a:r>
               <a:rPr lang="en-US" altLang="ko-KR" dirty="0"/>
               <a:t>[</a:t>
             </a:r>
             <a:r>
               <a:rPr lang="ko-KR" altLang="en-US" dirty="0"/>
-              <a:t>저장하기</a:t>
-            </a:r>
-            <a:r>
-              <a:rPr lang="en-US" altLang="ko-KR" dirty="0"/>
-              <a:t>]</a:t>
-            </a:r>
-          </a:p>
-          <a:p>
-            <a:r>
-              <a:rPr lang="ko-KR" altLang="en-US" dirty="0"/>
-              <a:t>선택 </a:t>
+              <a:t>글쓰기</a:t>
+            </a:r>
+            <a:r>
+              <a:rPr lang="en-US" altLang="ko-KR" dirty="0"/>
+              <a:t>] </a:t>
+            </a:r>
+            <a:r>
+              <a:rPr lang="ko-KR" altLang="en-US" dirty="0"/>
+              <a:t>버튼 선택 시</a:t>
             </a:r>
             <a:endParaRPr lang="en-US" altLang="ko-KR" dirty="0"/>
           </a:p>
@@ -5770,6 +5756,13 @@
               <a:buFontTx/>
               <a:buChar char="-"/>
             </a:pPr>
+            <a:r>
+              <a:rPr lang="ko-KR" altLang="en-US" dirty="0"/>
+              <a:t>글쓰기 화면으로 전환</a:t>
+            </a:r>
+            <a:endParaRPr lang="en-US" altLang="ko-KR" dirty="0"/>
+          </a:p>
+          <a:p>
             <a:endParaRPr lang="en-US" altLang="ko-KR" dirty="0"/>
           </a:p>
           <a:p>
@@ -5780,6 +5773,20 @@
             <a:endParaRPr lang="en-US" altLang="ko-KR" dirty="0"/>
           </a:p>
           <a:p>
+            <a:pPr marL="285750" indent="-285750">
+              <a:buFontTx/>
+              <a:buChar char="-"/>
+            </a:pPr>
+            <a:endParaRPr lang="en-US" altLang="ko-KR" dirty="0"/>
+          </a:p>
+          <a:p>
+            <a:pPr marL="285750" indent="-285750">
+              <a:buFontTx/>
+              <a:buChar char="-"/>
+            </a:pPr>
+            <a:endParaRPr lang="en-US" altLang="ko-KR" dirty="0"/>
+          </a:p>
+          <a:p>
             <a:r>
               <a:rPr lang="en-US" altLang="ko-KR" dirty="0"/>
               <a:t> </a:t>
@@ -5793,7 +5800,7 @@
     </p:spTree>
     <p:extLst>
       <p:ext uri="{BB962C8B-B14F-4D97-AF65-F5344CB8AC3E}">
-        <p14:creationId xmlns:p14="http://schemas.microsoft.com/office/powerpoint/2010/main" val="2691626326"/>
+        <p14:creationId xmlns:p14="http://schemas.microsoft.com/office/powerpoint/2010/main" val="3193171553"/>
       </p:ext>
     </p:extLst>
   </p:cSld>
@@ -5822,10 +5829,10 @@
       </p:grpSpPr>
       <p:sp>
         <p:nvSpPr>
-          <p:cNvPr id="5" name="직사각형 4">
-            <a:extLst>
-              <a:ext uri="{FF2B5EF4-FFF2-40B4-BE49-F238E27FC236}">
-                <a16:creationId xmlns:a16="http://schemas.microsoft.com/office/drawing/2014/main" id="{17E19D0E-8108-4858-857B-9EE9AB408387}"/>
+          <p:cNvPr id="4" name="직사각형 3">
+            <a:extLst>
+              <a:ext uri="{FF2B5EF4-FFF2-40B4-BE49-F238E27FC236}">
+                <a16:creationId xmlns:a16="http://schemas.microsoft.com/office/drawing/2014/main" id="{441BB66C-3367-45FC-B8D4-DAC530078C4F}"/>
               </a:ext>
             </a:extLst>
           </p:cNvPr>
@@ -5874,10 +5881,10 @@
       </p:sp>
       <p:sp>
         <p:nvSpPr>
-          <p:cNvPr id="6" name="TextBox 5">
-            <a:extLst>
-              <a:ext uri="{FF2B5EF4-FFF2-40B4-BE49-F238E27FC236}">
-                <a16:creationId xmlns:a16="http://schemas.microsoft.com/office/drawing/2014/main" id="{80648725-0499-4438-9CA8-5E996EC8DD3D}"/>
+          <p:cNvPr id="5" name="TextBox 4">
+            <a:extLst>
+              <a:ext uri="{FF2B5EF4-FFF2-40B4-BE49-F238E27FC236}">
+                <a16:creationId xmlns:a16="http://schemas.microsoft.com/office/drawing/2014/main" id="{2E79E851-D793-4A3A-BF64-C683963B1D6F}"/>
               </a:ext>
             </a:extLst>
           </p:cNvPr>
@@ -5887,7 +5894,7 @@
         <p:spPr>
           <a:xfrm>
             <a:off x="8633012" y="2188769"/>
-            <a:ext cx="2973891" cy="2308324"/>
+            <a:ext cx="3558988" cy="2308324"/>
           </a:xfrm>
           <a:prstGeom prst="rect">
             <a:avLst/>
@@ -5920,33 +5927,61 @@
             </a:r>
             <a:r>
               <a:rPr lang="ko-KR" altLang="en-US" dirty="0"/>
-              <a:t>우측상단 </a:t>
-            </a:r>
-            <a:r>
-              <a:rPr lang="en-US" altLang="ko-KR" dirty="0"/>
-              <a:t>[</a:t>
+              <a:t>상단 </a:t>
+            </a:r>
+            <a:r>
+              <a:rPr lang="en-US" altLang="ko-KR" dirty="0"/>
+              <a:t>: </a:t>
+            </a:r>
+            <a:r>
+              <a:rPr lang="ko-KR" altLang="en-US" dirty="0"/>
+              <a:t>메인</a:t>
+            </a:r>
+            <a:r>
+              <a:rPr lang="en-US" altLang="ko-KR" dirty="0"/>
+              <a:t>/</a:t>
+            </a:r>
+            <a:r>
+              <a:rPr lang="ko-KR" altLang="en-US" dirty="0"/>
+              <a:t>게시판 </a:t>
+            </a:r>
+            <a:r>
+              <a:rPr lang="en-US" altLang="ko-KR" dirty="0"/>
+              <a:t>&amp; </a:t>
             </a:r>
             <a:r>
               <a:rPr lang="ko-KR" altLang="en-US" dirty="0"/>
               <a:t>접속하기</a:t>
             </a:r>
-            <a:r>
-              <a:rPr lang="en-US" altLang="ko-KR" dirty="0"/>
-              <a:t>]</a:t>
-            </a:r>
-            <a:r>
-              <a:rPr lang="ko-KR" altLang="en-US" dirty="0"/>
-              <a:t> 클릭</a:t>
-            </a:r>
-            <a:endParaRPr lang="en-US" altLang="ko-KR" dirty="0"/>
-          </a:p>
-          <a:p>
-            <a:endParaRPr lang="en-US" altLang="ko-KR" dirty="0"/>
-          </a:p>
-          <a:p>
-            <a:endParaRPr lang="en-US" altLang="ko-KR" dirty="0"/>
-          </a:p>
-          <a:p>
+            <a:endParaRPr lang="en-US" altLang="ko-KR" dirty="0"/>
+          </a:p>
+          <a:p>
+            <a:endParaRPr lang="en-US" altLang="ko-KR" dirty="0"/>
+          </a:p>
+          <a:p>
+            <a:r>
+              <a:rPr lang="en-US" altLang="ko-KR" dirty="0"/>
+              <a:t>- </a:t>
+            </a:r>
+            <a:r>
+              <a:rPr lang="ko-KR" altLang="en-US" dirty="0"/>
+              <a:t>메인 </a:t>
+            </a:r>
+            <a:r>
+              <a:rPr lang="en-US" altLang="ko-KR" dirty="0"/>
+              <a:t>: </a:t>
+            </a:r>
+            <a:r>
+              <a:rPr lang="ko-KR" altLang="en-US" dirty="0"/>
+              <a:t>현재화면</a:t>
+            </a:r>
+            <a:endParaRPr lang="en-US" altLang="ko-KR" dirty="0"/>
+          </a:p>
+          <a:p>
+            <a:pPr marL="285750" indent="-285750">
+              <a:buFontTx/>
+              <a:buChar char="-"/>
+            </a:pPr>
             <a:endParaRPr lang="en-US" altLang="ko-KR" dirty="0"/>
           </a:p>
           <a:p>
@@ -5963,7 +5998,7 @@
     </p:spTree>
     <p:extLst>
       <p:ext uri="{BB962C8B-B14F-4D97-AF65-F5344CB8AC3E}">
-        <p14:creationId xmlns:p14="http://schemas.microsoft.com/office/powerpoint/2010/main" val="3137931594"/>
+        <p14:creationId xmlns:p14="http://schemas.microsoft.com/office/powerpoint/2010/main" val="1259358557"/>
       </p:ext>
     </p:extLst>
   </p:cSld>
@@ -6047,7 +6082,7 @@
           <p:cNvPr id="3" name="TextBox 2">
             <a:extLst>
               <a:ext uri="{FF2B5EF4-FFF2-40B4-BE49-F238E27FC236}">
-                <a16:creationId xmlns:a16="http://schemas.microsoft.com/office/drawing/2014/main" id="{717A3023-295D-44E0-B882-694526E7609C}"/>
+                <a16:creationId xmlns:a16="http://schemas.microsoft.com/office/drawing/2014/main" id="{CDBFCDC4-FBF2-47ED-B074-A88BD5F56657}"/>
               </a:ext>
             </a:extLst>
           </p:cNvPr>
@@ -6057,7 +6092,7 @@
         <p:spPr>
           <a:xfrm>
             <a:off x="8735649" y="1634771"/>
-            <a:ext cx="3063659" cy="2862322"/>
+            <a:ext cx="2714205" cy="4247317"/>
           </a:xfrm>
           <a:prstGeom prst="rect">
             <a:avLst/>
@@ -6076,7 +6111,7 @@
             </a:r>
             <a:r>
               <a:rPr lang="ko-KR" altLang="en-US" dirty="0"/>
-              <a:t>게시판 화면</a:t>
+              <a:t>글쓰기 화면</a:t>
             </a:r>
             <a:endParaRPr lang="en-US" altLang="ko-KR" dirty="0"/>
           </a:p>
@@ -6089,6 +6124,56 @@
               <a:buChar char="-"/>
             </a:pPr>
             <a:r>
+              <a:rPr lang="ko-KR" altLang="en-US" dirty="0"/>
+              <a:t>글쓰기 화면으로 전환</a:t>
+            </a:r>
+            <a:endParaRPr lang="en-US" altLang="ko-KR" dirty="0"/>
+          </a:p>
+          <a:p>
+            <a:endParaRPr lang="en-US" altLang="ko-KR" dirty="0"/>
+          </a:p>
+          <a:p>
+            <a:pPr marL="285750" indent="-285750">
+              <a:buFont typeface="Arial" panose="020B0604020202020204" pitchFamily="34" charset="0"/>
+              <a:buChar char="•"/>
+            </a:pPr>
+            <a:r>
+              <a:rPr lang="ko-KR" altLang="en-US" dirty="0"/>
+              <a:t>글 제목</a:t>
+            </a:r>
+            <a:endParaRPr lang="en-US" altLang="ko-KR" dirty="0"/>
+          </a:p>
+          <a:p>
+            <a:pPr marL="285750" indent="-285750">
+              <a:buFont typeface="Arial" panose="020B0604020202020204" pitchFamily="34" charset="0"/>
+              <a:buChar char="•"/>
+            </a:pPr>
+            <a:r>
+              <a:rPr lang="ko-KR" altLang="en-US" dirty="0"/>
+              <a:t>글 내용</a:t>
+            </a:r>
+            <a:endParaRPr lang="en-US" altLang="ko-KR" dirty="0"/>
+          </a:p>
+          <a:p>
+            <a:pPr marL="285750" indent="-285750">
+              <a:buFont typeface="Arial" panose="020B0604020202020204" pitchFamily="34" charset="0"/>
+              <a:buChar char="•"/>
+            </a:pPr>
+            <a:r>
+              <a:rPr lang="ko-KR" altLang="en-US" dirty="0"/>
+              <a:t>파일첨부</a:t>
+            </a:r>
+            <a:endParaRPr lang="en-US" altLang="ko-KR" dirty="0"/>
+          </a:p>
+          <a:p>
+            <a:endParaRPr lang="en-US" altLang="ko-KR" dirty="0"/>
+          </a:p>
+          <a:p>
+            <a:r>
+              <a:rPr lang="ko-KR" altLang="en-US" dirty="0"/>
+              <a:t>내용 입력 후 </a:t>
+            </a:r>
+            <a:r>
               <a:rPr lang="en-US" altLang="ko-KR" dirty="0"/>
               <a:t>[</a:t>
             </a:r>
@@ -6098,11 +6183,13 @@
             </a:r>
             <a:r>
               <a:rPr lang="en-US" altLang="ko-KR" dirty="0"/>
-              <a:t>] </a:t>
-            </a:r>
-            <a:r>
-              <a:rPr lang="ko-KR" altLang="en-US" dirty="0"/>
-              <a:t>선택 시</a:t>
+              <a:t>]</a:t>
+            </a:r>
+          </a:p>
+          <a:p>
+            <a:r>
+              <a:rPr lang="ko-KR" altLang="en-US" dirty="0"/>
+              <a:t>선택 </a:t>
             </a:r>
             <a:endParaRPr lang="en-US" altLang="ko-KR" dirty="0"/>
           </a:p>
@@ -6118,10 +6205,6 @@
               <a:buFontTx/>
               <a:buChar char="-"/>
             </a:pPr>
-            <a:r>
-              <a:rPr lang="ko-KR" altLang="en-US" dirty="0"/>
-              <a:t>게시판 목록 화면으로 전환</a:t>
-            </a:r>
             <a:endParaRPr lang="en-US" altLang="ko-KR" dirty="0"/>
           </a:p>
           <a:p>
@@ -6132,20 +6215,6 @@
             <a:endParaRPr lang="en-US" altLang="ko-KR" dirty="0"/>
           </a:p>
           <a:p>
-            <a:pPr marL="285750" indent="-285750">
-              <a:buFontTx/>
-              <a:buChar char="-"/>
-            </a:pPr>
-            <a:endParaRPr lang="en-US" altLang="ko-KR" dirty="0"/>
-          </a:p>
-          <a:p>
-            <a:pPr marL="285750" indent="-285750">
-              <a:buFontTx/>
-              <a:buChar char="-"/>
-            </a:pPr>
-            <a:endParaRPr lang="en-US" altLang="ko-KR" dirty="0"/>
-          </a:p>
-          <a:p>
             <a:r>
               <a:rPr lang="en-US" altLang="ko-KR" dirty="0"/>
               <a:t> </a:t>
@@ -6159,7 +6228,7 @@
     </p:spTree>
     <p:extLst>
       <p:ext uri="{BB962C8B-B14F-4D97-AF65-F5344CB8AC3E}">
-        <p14:creationId xmlns:p14="http://schemas.microsoft.com/office/powerpoint/2010/main" val="4206537430"/>
+        <p14:creationId xmlns:p14="http://schemas.microsoft.com/office/powerpoint/2010/main" val="2691626326"/>
       </p:ext>
     </p:extLst>
   </p:cSld>
@@ -6243,7 +6312,7 @@
           <p:cNvPr id="3" name="TextBox 2">
             <a:extLst>
               <a:ext uri="{FF2B5EF4-FFF2-40B4-BE49-F238E27FC236}">
-                <a16:creationId xmlns:a16="http://schemas.microsoft.com/office/drawing/2014/main" id="{A6AB841F-BBD0-4608-8C81-46C4FB30E42D}"/>
+                <a16:creationId xmlns:a16="http://schemas.microsoft.com/office/drawing/2014/main" id="{717A3023-295D-44E0-B882-694526E7609C}"/>
               </a:ext>
             </a:extLst>
           </p:cNvPr>
@@ -6253,7 +6322,7 @@
         <p:spPr>
           <a:xfrm>
             <a:off x="8735649" y="1634771"/>
-            <a:ext cx="2401619" cy="2862322"/>
+            <a:ext cx="3063659" cy="2862322"/>
           </a:xfrm>
           <a:prstGeom prst="rect">
             <a:avLst/>
@@ -6286,7 +6355,15 @@
             </a:pPr>
             <a:r>
               <a:rPr lang="en-US" altLang="ko-KR" dirty="0"/>
-              <a:t>[home] </a:t>
+              <a:t>[</a:t>
+            </a:r>
+            <a:r>
+              <a:rPr lang="ko-KR" altLang="en-US" dirty="0"/>
+              <a:t>저장하기</a:t>
+            </a:r>
+            <a:r>
+              <a:rPr lang="en-US" altLang="ko-KR" dirty="0"/>
+              <a:t>] </a:t>
             </a:r>
             <a:r>
               <a:rPr lang="ko-KR" altLang="en-US" dirty="0"/>
@@ -6307,12 +6384,8 @@
               <a:buChar char="-"/>
             </a:pPr>
             <a:r>
-              <a:rPr lang="ko-KR" altLang="en-US" dirty="0" err="1"/>
-              <a:t>메인화면으로</a:t>
-            </a:r>
-            <a:r>
-              <a:rPr lang="ko-KR" altLang="en-US" dirty="0"/>
-              <a:t> 전환</a:t>
+              <a:rPr lang="ko-KR" altLang="en-US" dirty="0"/>
+              <a:t>게시판 목록 화면으로 전환</a:t>
             </a:r>
             <a:endParaRPr lang="en-US" altLang="ko-KR" dirty="0"/>
           </a:p>
@@ -6351,7 +6424,7 @@
     </p:spTree>
     <p:extLst>
       <p:ext uri="{BB962C8B-B14F-4D97-AF65-F5344CB8AC3E}">
-        <p14:creationId xmlns:p14="http://schemas.microsoft.com/office/powerpoint/2010/main" val="2491624029"/>
+        <p14:creationId xmlns:p14="http://schemas.microsoft.com/office/powerpoint/2010/main" val="4206537430"/>
       </p:ext>
     </p:extLst>
   </p:cSld>
@@ -6435,7 +6508,7 @@
           <p:cNvPr id="3" name="TextBox 2">
             <a:extLst>
               <a:ext uri="{FF2B5EF4-FFF2-40B4-BE49-F238E27FC236}">
-                <a16:creationId xmlns:a16="http://schemas.microsoft.com/office/drawing/2014/main" id="{238476CB-5245-48C1-AB01-461F484D4E25}"/>
+                <a16:creationId xmlns:a16="http://schemas.microsoft.com/office/drawing/2014/main" id="{A6AB841F-BBD0-4608-8C81-46C4FB30E42D}"/>
               </a:ext>
             </a:extLst>
           </p:cNvPr>
@@ -6444,8 +6517,8 @@
         </p:nvSpPr>
         <p:spPr>
           <a:xfrm>
-            <a:off x="9836661" y="2362559"/>
-            <a:ext cx="1415772" cy="2677656"/>
+            <a:off x="8735649" y="1634771"/>
+            <a:ext cx="2401619" cy="2862322"/>
           </a:xfrm>
           <a:prstGeom prst="rect">
             <a:avLst/>
@@ -6459,16 +6532,31 @@
           <a:lstStyle/>
           <a:p>
             <a:r>
-              <a:rPr lang="ko-KR" altLang="en-US" sz="9600" dirty="0"/>
-              <a:t>끝</a:t>
-            </a:r>
-            <a:endParaRPr lang="en-US" altLang="ko-KR" sz="9600" dirty="0"/>
+              <a:rPr lang="en-US" altLang="ko-KR" dirty="0"/>
+              <a:t>* </a:t>
+            </a:r>
+            <a:r>
+              <a:rPr lang="ko-KR" altLang="en-US" dirty="0"/>
+              <a:t>게시판 화면</a:t>
+            </a:r>
+            <a:endParaRPr lang="en-US" altLang="ko-KR" dirty="0"/>
+          </a:p>
+          <a:p>
+            <a:endParaRPr lang="en-US" altLang="ko-KR" dirty="0"/>
           </a:p>
           <a:p>
             <a:pPr marL="285750" indent="-285750">
               <a:buFontTx/>
               <a:buChar char="-"/>
             </a:pPr>
+            <a:r>
+              <a:rPr lang="en-US" altLang="ko-KR" dirty="0"/>
+              <a:t>[home] </a:t>
+            </a:r>
+            <a:r>
+              <a:rPr lang="ko-KR" altLang="en-US" dirty="0"/>
+              <a:t>선택 시</a:t>
+            </a:r>
             <a:endParaRPr lang="en-US" altLang="ko-KR" dirty="0"/>
           </a:p>
           <a:p>
@@ -6479,6 +6567,42 @@
             <a:endParaRPr lang="en-US" altLang="ko-KR" dirty="0"/>
           </a:p>
           <a:p>
+            <a:pPr marL="285750" indent="-285750">
+              <a:buFontTx/>
+              <a:buChar char="-"/>
+            </a:pPr>
+            <a:r>
+              <a:rPr lang="ko-KR" altLang="en-US" dirty="0" err="1"/>
+              <a:t>메인화면으로</a:t>
+            </a:r>
+            <a:r>
+              <a:rPr lang="ko-KR" altLang="en-US" dirty="0"/>
+              <a:t> 전환</a:t>
+            </a:r>
+            <a:endParaRPr lang="en-US" altLang="ko-KR" dirty="0"/>
+          </a:p>
+          <a:p>
+            <a:pPr marL="285750" indent="-285750">
+              <a:buFontTx/>
+              <a:buChar char="-"/>
+            </a:pPr>
+            <a:endParaRPr lang="en-US" altLang="ko-KR" dirty="0"/>
+          </a:p>
+          <a:p>
+            <a:pPr marL="285750" indent="-285750">
+              <a:buFontTx/>
+              <a:buChar char="-"/>
+            </a:pPr>
+            <a:endParaRPr lang="en-US" altLang="ko-KR" dirty="0"/>
+          </a:p>
+          <a:p>
+            <a:pPr marL="285750" indent="-285750">
+              <a:buFontTx/>
+              <a:buChar char="-"/>
+            </a:pPr>
+            <a:endParaRPr lang="en-US" altLang="ko-KR" dirty="0"/>
+          </a:p>
+          <a:p>
             <a:r>
               <a:rPr lang="en-US" altLang="ko-KR" dirty="0"/>
               <a:t> </a:t>
@@ -6492,7 +6616,7 @@
     </p:spTree>
     <p:extLst>
       <p:ext uri="{BB962C8B-B14F-4D97-AF65-F5344CB8AC3E}">
-        <p14:creationId xmlns:p14="http://schemas.microsoft.com/office/powerpoint/2010/main" val="507028529"/>
+        <p14:creationId xmlns:p14="http://schemas.microsoft.com/office/powerpoint/2010/main" val="2491624029"/>
       </p:ext>
     </p:extLst>
   </p:cSld>
@@ -6502,7 +6626,7 @@
 </p:sld>
 </file>
 
-<file path=ppt/slides/slide3.xml><?xml version="1.0" encoding="utf-8"?>
+<file path=ppt/slides/slide23.xml><?xml version="1.0" encoding="utf-8"?>
 <p:sld xmlns:a="http://schemas.openxmlformats.org/drawingml/2006/main" xmlns:r="http://schemas.openxmlformats.org/officeDocument/2006/relationships" xmlns:p="http://schemas.openxmlformats.org/presentationml/2006/main">
   <p:cSld>
     <p:spTree>
@@ -6576,7 +6700,7 @@
           <p:cNvPr id="3" name="TextBox 2">
             <a:extLst>
               <a:ext uri="{FF2B5EF4-FFF2-40B4-BE49-F238E27FC236}">
-                <a16:creationId xmlns:a16="http://schemas.microsoft.com/office/drawing/2014/main" id="{EC6E443B-D9F4-449A-B805-D39C383915EF}"/>
+                <a16:creationId xmlns:a16="http://schemas.microsoft.com/office/drawing/2014/main" id="{238476CB-5245-48C1-AB01-461F484D4E25}"/>
               </a:ext>
             </a:extLst>
           </p:cNvPr>
@@ -6585,8 +6709,8 @@
         </p:nvSpPr>
         <p:spPr>
           <a:xfrm>
-            <a:off x="8633012" y="2188769"/>
-            <a:ext cx="3446777" cy="3970318"/>
+            <a:off x="9836661" y="2362559"/>
+            <a:ext cx="1415772" cy="2677656"/>
           </a:xfrm>
           <a:prstGeom prst="rect">
             <a:avLst/>
@@ -6600,43 +6724,16 @@
           <a:lstStyle/>
           <a:p>
             <a:r>
-              <a:rPr lang="en-US" altLang="ko-KR" dirty="0"/>
-              <a:t>* </a:t>
-            </a:r>
-            <a:r>
-              <a:rPr lang="ko-KR" altLang="en-US" dirty="0" err="1"/>
-              <a:t>메인화면</a:t>
-            </a:r>
-            <a:endParaRPr lang="en-US" altLang="ko-KR" dirty="0"/>
-          </a:p>
-          <a:p>
-            <a:endParaRPr lang="en-US" altLang="ko-KR" dirty="0"/>
+              <a:rPr lang="ko-KR" altLang="en-US" sz="9600" dirty="0"/>
+              <a:t>끝</a:t>
+            </a:r>
+            <a:endParaRPr lang="en-US" altLang="ko-KR" sz="9600" dirty="0"/>
           </a:p>
           <a:p>
             <a:pPr marL="285750" indent="-285750">
               <a:buFontTx/>
               <a:buChar char="-"/>
             </a:pPr>
-            <a:r>
-              <a:rPr lang="ko-KR" altLang="en-US" dirty="0"/>
-              <a:t>우측상단 </a:t>
-            </a:r>
-            <a:r>
-              <a:rPr lang="en-US" altLang="ko-KR" dirty="0"/>
-              <a:t>[</a:t>
-            </a:r>
-            <a:r>
-              <a:rPr lang="ko-KR" altLang="en-US" dirty="0"/>
-              <a:t>접속하기</a:t>
-            </a:r>
-            <a:r>
-              <a:rPr lang="en-US" altLang="ko-KR" dirty="0"/>
-              <a:t>]</a:t>
-            </a:r>
-            <a:r>
-              <a:rPr lang="ko-KR" altLang="en-US" dirty="0"/>
-              <a:t> 클릭</a:t>
-            </a:r>
             <a:endParaRPr lang="en-US" altLang="ko-KR" dirty="0"/>
           </a:p>
           <a:p>
@@ -6649,62 +6746,6 @@
           <a:p>
             <a:r>
               <a:rPr lang="en-US" altLang="ko-KR" dirty="0"/>
-              <a:t>* </a:t>
-            </a:r>
-            <a:r>
-              <a:rPr lang="ko-KR" altLang="en-US" dirty="0"/>
-              <a:t>접속하기</a:t>
-            </a:r>
-            <a:endParaRPr lang="en-US" altLang="ko-KR" dirty="0"/>
-          </a:p>
-          <a:p>
-            <a:endParaRPr lang="en-US" altLang="ko-KR" dirty="0"/>
-          </a:p>
-          <a:p>
-            <a:pPr marL="285750" indent="-285750">
-              <a:buFontTx/>
-              <a:buChar char="-"/>
-            </a:pPr>
-            <a:r>
-              <a:rPr lang="ko-KR" altLang="en-US" dirty="0"/>
-              <a:t>로그인 </a:t>
-            </a:r>
-            <a:r>
-              <a:rPr lang="en-US" altLang="ko-KR" dirty="0"/>
-              <a:t>&amp; </a:t>
-            </a:r>
-            <a:r>
-              <a:rPr lang="ko-KR" altLang="en-US" dirty="0"/>
-              <a:t>회원가입 버튼생성</a:t>
-            </a:r>
-            <a:endParaRPr lang="en-US" altLang="ko-KR" dirty="0"/>
-          </a:p>
-          <a:p>
-            <a:pPr marL="285750" indent="-285750">
-              <a:buFontTx/>
-              <a:buChar char="-"/>
-            </a:pPr>
-            <a:endParaRPr lang="en-US" altLang="ko-KR" dirty="0"/>
-          </a:p>
-          <a:p>
-            <a:pPr marL="285750" indent="-285750">
-              <a:buFontTx/>
-              <a:buChar char="-"/>
-            </a:pPr>
-            <a:endParaRPr lang="en-US" altLang="ko-KR" dirty="0"/>
-          </a:p>
-          <a:p>
-            <a:endParaRPr lang="en-US" altLang="ko-KR" dirty="0"/>
-          </a:p>
-          <a:p>
-            <a:endParaRPr lang="en-US" altLang="ko-KR" dirty="0"/>
-          </a:p>
-          <a:p>
-            <a:endParaRPr lang="en-US" altLang="ko-KR" dirty="0"/>
-          </a:p>
-          <a:p>
-            <a:r>
-              <a:rPr lang="en-US" altLang="ko-KR" dirty="0"/>
               <a:t> </a:t>
             </a:r>
           </a:p>
@@ -6716,7 +6757,7 @@
     </p:spTree>
     <p:extLst>
       <p:ext uri="{BB962C8B-B14F-4D97-AF65-F5344CB8AC3E}">
-        <p14:creationId xmlns:p14="http://schemas.microsoft.com/office/powerpoint/2010/main" val="3382408489"/>
+        <p14:creationId xmlns:p14="http://schemas.microsoft.com/office/powerpoint/2010/main" val="507028529"/>
       </p:ext>
     </p:extLst>
   </p:cSld>
@@ -6726,7 +6767,7 @@
 </p:sld>
 </file>
 
-<file path=ppt/slides/slide4.xml><?xml version="1.0" encoding="utf-8"?>
+<file path=ppt/slides/slide3.xml><?xml version="1.0" encoding="utf-8"?>
 <p:sld xmlns:a="http://schemas.openxmlformats.org/drawingml/2006/main" xmlns:r="http://schemas.openxmlformats.org/officeDocument/2006/relationships" xmlns:p="http://schemas.openxmlformats.org/presentationml/2006/main">
   <p:cSld>
     <p:spTree>
@@ -6797,10 +6838,10 @@
       </p:sp>
       <p:sp>
         <p:nvSpPr>
-          <p:cNvPr id="3" name="TextBox 2">
-            <a:extLst>
-              <a:ext uri="{FF2B5EF4-FFF2-40B4-BE49-F238E27FC236}">
-                <a16:creationId xmlns:a16="http://schemas.microsoft.com/office/drawing/2014/main" id="{A251BF6D-97B6-4755-A24F-C49C2CB245D1}"/>
+          <p:cNvPr id="6" name="TextBox 5">
+            <a:extLst>
+              <a:ext uri="{FF2B5EF4-FFF2-40B4-BE49-F238E27FC236}">
+                <a16:creationId xmlns:a16="http://schemas.microsoft.com/office/drawing/2014/main" id="{80648725-0499-4438-9CA8-5E996EC8DD3D}"/>
               </a:ext>
             </a:extLst>
           </p:cNvPr>
@@ -6809,8 +6850,8 @@
         </p:nvSpPr>
         <p:spPr>
           <a:xfrm>
-            <a:off x="8745223" y="2300737"/>
-            <a:ext cx="2281394" cy="2585323"/>
+            <a:off x="8633012" y="2188769"/>
+            <a:ext cx="2973891" cy="2308324"/>
           </a:xfrm>
           <a:prstGeom prst="rect">
             <a:avLst/>
@@ -6823,34 +6864,35 @@
           </a:bodyPr>
           <a:lstStyle/>
           <a:p>
-            <a:pPr marL="285750" indent="-285750">
-              <a:buFontTx/>
-              <a:buChar char="-"/>
-            </a:pPr>
-            <a:endParaRPr lang="en-US" altLang="ko-KR" dirty="0"/>
-          </a:p>
-          <a:p>
             <a:r>
               <a:rPr lang="en-US" altLang="ko-KR" dirty="0"/>
               <a:t>* </a:t>
             </a:r>
             <a:r>
-              <a:rPr lang="ko-KR" altLang="en-US" dirty="0"/>
-              <a:t>로그인</a:t>
-            </a:r>
-            <a:endParaRPr lang="en-US" altLang="ko-KR" dirty="0"/>
-          </a:p>
-          <a:p>
-            <a:endParaRPr lang="en-US" altLang="ko-KR" dirty="0"/>
-          </a:p>
-          <a:p>
-            <a:r>
-              <a:rPr lang="en-US" altLang="ko-KR" dirty="0"/>
-              <a:t>- [</a:t>
-            </a:r>
-            <a:r>
-              <a:rPr lang="ko-KR" altLang="en-US" dirty="0"/>
-              <a:t>로그인</a:t>
+              <a:rPr lang="ko-KR" altLang="en-US" dirty="0" err="1"/>
+              <a:t>메인화면</a:t>
+            </a:r>
+            <a:endParaRPr lang="en-US" altLang="ko-KR" dirty="0"/>
+          </a:p>
+          <a:p>
+            <a:endParaRPr lang="en-US" altLang="ko-KR" dirty="0"/>
+          </a:p>
+          <a:p>
+            <a:r>
+              <a:rPr lang="en-US" altLang="ko-KR" dirty="0"/>
+              <a:t>- </a:t>
+            </a:r>
+            <a:r>
+              <a:rPr lang="ko-KR" altLang="en-US" dirty="0"/>
+              <a:t>우측상단 </a:t>
+            </a:r>
+            <a:r>
+              <a:rPr lang="en-US" altLang="ko-KR" dirty="0"/>
+              <a:t>[</a:t>
+            </a:r>
+            <a:r>
+              <a:rPr lang="ko-KR" altLang="en-US" dirty="0"/>
+              <a:t>접속하기</a:t>
             </a:r>
             <a:r>
               <a:rPr lang="en-US" altLang="ko-KR" dirty="0"/>
@@ -6858,7 +6900,7 @@
             </a:r>
             <a:r>
               <a:rPr lang="ko-KR" altLang="en-US" dirty="0"/>
-              <a:t> 버튼 클릭</a:t>
+              <a:t> 클릭</a:t>
             </a:r>
             <a:endParaRPr lang="en-US" altLang="ko-KR" dirty="0"/>
           </a:p>
@@ -6885,7 +6927,7 @@
     </p:spTree>
     <p:extLst>
       <p:ext uri="{BB962C8B-B14F-4D97-AF65-F5344CB8AC3E}">
-        <p14:creationId xmlns:p14="http://schemas.microsoft.com/office/powerpoint/2010/main" val="3318018836"/>
+        <p14:creationId xmlns:p14="http://schemas.microsoft.com/office/powerpoint/2010/main" val="3137931594"/>
       </p:ext>
     </p:extLst>
   </p:cSld>
@@ -6895,7 +6937,7 @@
 </p:sld>
 </file>
 
-<file path=ppt/slides/slide5.xml><?xml version="1.0" encoding="utf-8"?>
+<file path=ppt/slides/slide4.xml><?xml version="1.0" encoding="utf-8"?>
 <p:sld xmlns:a="http://schemas.openxmlformats.org/drawingml/2006/main" xmlns:r="http://schemas.openxmlformats.org/officeDocument/2006/relationships" xmlns:p="http://schemas.openxmlformats.org/presentationml/2006/main">
   <p:cSld>
     <p:spTree>
@@ -6969,7 +7011,7 @@
           <p:cNvPr id="3" name="TextBox 2">
             <a:extLst>
               <a:ext uri="{FF2B5EF4-FFF2-40B4-BE49-F238E27FC236}">
-                <a16:creationId xmlns:a16="http://schemas.microsoft.com/office/drawing/2014/main" id="{D2164285-DD5E-4C32-B579-83780B60B8B1}"/>
+                <a16:creationId xmlns:a16="http://schemas.microsoft.com/office/drawing/2014/main" id="{EC6E443B-D9F4-449A-B805-D39C383915EF}"/>
               </a:ext>
             </a:extLst>
           </p:cNvPr>
@@ -6978,8 +7020,8 @@
         </p:nvSpPr>
         <p:spPr>
           <a:xfrm>
-            <a:off x="8717402" y="1997839"/>
-            <a:ext cx="2605200" cy="2862322"/>
+            <a:off x="8633012" y="2188769"/>
+            <a:ext cx="3446777" cy="3970318"/>
           </a:xfrm>
           <a:prstGeom prst="rect">
             <a:avLst/>
@@ -6992,10 +7034,51 @@
           </a:bodyPr>
           <a:lstStyle/>
           <a:p>
+            <a:r>
+              <a:rPr lang="en-US" altLang="ko-KR" dirty="0"/>
+              <a:t>* </a:t>
+            </a:r>
+            <a:r>
+              <a:rPr lang="ko-KR" altLang="en-US" dirty="0" err="1"/>
+              <a:t>메인화면</a:t>
+            </a:r>
+            <a:endParaRPr lang="en-US" altLang="ko-KR" dirty="0"/>
+          </a:p>
+          <a:p>
+            <a:endParaRPr lang="en-US" altLang="ko-KR" dirty="0"/>
+          </a:p>
+          <a:p>
             <a:pPr marL="285750" indent="-285750">
               <a:buFontTx/>
               <a:buChar char="-"/>
             </a:pPr>
+            <a:r>
+              <a:rPr lang="ko-KR" altLang="en-US" dirty="0"/>
+              <a:t>우측상단 </a:t>
+            </a:r>
+            <a:r>
+              <a:rPr lang="en-US" altLang="ko-KR" dirty="0"/>
+              <a:t>[</a:t>
+            </a:r>
+            <a:r>
+              <a:rPr lang="ko-KR" altLang="en-US" dirty="0"/>
+              <a:t>접속하기</a:t>
+            </a:r>
+            <a:r>
+              <a:rPr lang="en-US" altLang="ko-KR" dirty="0"/>
+              <a:t>]</a:t>
+            </a:r>
+            <a:r>
+              <a:rPr lang="ko-KR" altLang="en-US" dirty="0"/>
+              <a:t> 클릭</a:t>
+            </a:r>
+            <a:endParaRPr lang="en-US" altLang="ko-KR" dirty="0"/>
+          </a:p>
+          <a:p>
+            <a:pPr marL="285750" indent="-285750">
+              <a:buFontTx/>
+              <a:buChar char="-"/>
+            </a:pPr>
             <a:endParaRPr lang="en-US" altLang="ko-KR" dirty="0"/>
           </a:p>
           <a:p>
@@ -7005,7 +7088,7 @@
             </a:r>
             <a:r>
               <a:rPr lang="ko-KR" altLang="en-US" dirty="0"/>
-              <a:t>로그인 화면으로 전환</a:t>
+              <a:t>접속하기</a:t>
             </a:r>
             <a:endParaRPr lang="en-US" altLang="ko-KR" dirty="0"/>
           </a:p>
@@ -7014,35 +7097,38 @@
           </a:p>
           <a:p>
             <a:pPr marL="285750" indent="-285750">
-              <a:buFont typeface="Arial" panose="020B0604020202020204" pitchFamily="34" charset="0"/>
-              <a:buChar char="•"/>
+              <a:buFontTx/>
+              <a:buChar char="-"/>
             </a:pPr>
             <a:r>
               <a:rPr lang="ko-KR" altLang="en-US" dirty="0"/>
-              <a:t>아이디</a:t>
+              <a:t>로그인 </a:t>
+            </a:r>
+            <a:r>
+              <a:rPr lang="en-US" altLang="ko-KR" dirty="0"/>
+              <a:t>&amp; </a:t>
+            </a:r>
+            <a:r>
+              <a:rPr lang="ko-KR" altLang="en-US" dirty="0"/>
+              <a:t>회원가입 버튼생성</a:t>
             </a:r>
             <a:endParaRPr lang="en-US" altLang="ko-KR" dirty="0"/>
           </a:p>
           <a:p>
             <a:pPr marL="285750" indent="-285750">
-              <a:buFont typeface="Arial" panose="020B0604020202020204" pitchFamily="34" charset="0"/>
-              <a:buChar char="•"/>
+              <a:buFontTx/>
+              <a:buChar char="-"/>
             </a:pPr>
-            <a:r>
-              <a:rPr lang="ko-KR" altLang="en-US" dirty="0"/>
-              <a:t>패스워드 </a:t>
-            </a:r>
             <a:endParaRPr lang="en-US" altLang="ko-KR" dirty="0"/>
           </a:p>
           <a:p>
             <a:pPr marL="285750" indent="-285750">
-              <a:buFont typeface="Arial" panose="020B0604020202020204" pitchFamily="34" charset="0"/>
-              <a:buChar char="•"/>
+              <a:buFontTx/>
+              <a:buChar char="-"/>
             </a:pPr>
-            <a:r>
-              <a:rPr lang="ko-KR" altLang="en-US" dirty="0"/>
-              <a:t>로그인 버튼 생성</a:t>
-            </a:r>
+            <a:endParaRPr lang="en-US" altLang="ko-KR" dirty="0"/>
+          </a:p>
+          <a:p>
             <a:endParaRPr lang="en-US" altLang="ko-KR" dirty="0"/>
           </a:p>
           <a:p>
@@ -7065,7 +7151,7 @@
     </p:spTree>
     <p:extLst>
       <p:ext uri="{BB962C8B-B14F-4D97-AF65-F5344CB8AC3E}">
-        <p14:creationId xmlns:p14="http://schemas.microsoft.com/office/powerpoint/2010/main" val="4166464130"/>
+        <p14:creationId xmlns:p14="http://schemas.microsoft.com/office/powerpoint/2010/main" val="3382408489"/>
       </p:ext>
     </p:extLst>
   </p:cSld>
@@ -7075,7 +7161,7 @@
 </p:sld>
 </file>
 
-<file path=ppt/slides/slide6.xml><?xml version="1.0" encoding="utf-8"?>
+<file path=ppt/slides/slide5.xml><?xml version="1.0" encoding="utf-8"?>
 <p:sld xmlns:a="http://schemas.openxmlformats.org/drawingml/2006/main" xmlns:r="http://schemas.openxmlformats.org/officeDocument/2006/relationships" xmlns:p="http://schemas.openxmlformats.org/presentationml/2006/main">
   <p:cSld>
     <p:spTree>
@@ -7149,7 +7235,7 @@
           <p:cNvPr id="3" name="TextBox 2">
             <a:extLst>
               <a:ext uri="{FF2B5EF4-FFF2-40B4-BE49-F238E27FC236}">
-                <a16:creationId xmlns:a16="http://schemas.microsoft.com/office/drawing/2014/main" id="{F0A4BC52-1C62-404B-AFA7-CA6A691B6B47}"/>
+                <a16:creationId xmlns:a16="http://schemas.microsoft.com/office/drawing/2014/main" id="{A251BF6D-97B6-4755-A24F-C49C2CB245D1}"/>
               </a:ext>
             </a:extLst>
           </p:cNvPr>
@@ -7158,8 +7244,8 @@
         </p:nvSpPr>
         <p:spPr>
           <a:xfrm>
-            <a:off x="8829370" y="1496272"/>
-            <a:ext cx="2605200" cy="3970318"/>
+            <a:off x="8745223" y="2300737"/>
+            <a:ext cx="2281394" cy="2585323"/>
           </a:xfrm>
           <a:prstGeom prst="rect">
             <a:avLst/>
@@ -7185,80 +7271,33 @@
             </a:r>
             <a:r>
               <a:rPr lang="ko-KR" altLang="en-US" dirty="0"/>
-              <a:t>로그인 화면으로 전환</a:t>
-            </a:r>
-            <a:endParaRPr lang="en-US" altLang="ko-KR" dirty="0"/>
-          </a:p>
-          <a:p>
-            <a:endParaRPr lang="en-US" altLang="ko-KR" dirty="0"/>
-          </a:p>
-          <a:p>
-            <a:pPr marL="285750" indent="-285750">
-              <a:buFont typeface="Arial" panose="020B0604020202020204" pitchFamily="34" charset="0"/>
-              <a:buChar char="•"/>
-            </a:pPr>
-            <a:r>
-              <a:rPr lang="ko-KR" altLang="en-US" dirty="0"/>
-              <a:t>아이디</a:t>
-            </a:r>
-            <a:endParaRPr lang="en-US" altLang="ko-KR" dirty="0"/>
-          </a:p>
-          <a:p>
-            <a:pPr marL="285750" indent="-285750">
-              <a:buFont typeface="Arial" panose="020B0604020202020204" pitchFamily="34" charset="0"/>
-              <a:buChar char="•"/>
-            </a:pPr>
-            <a:r>
-              <a:rPr lang="ko-KR" altLang="en-US" dirty="0"/>
-              <a:t>패스워드 </a:t>
-            </a:r>
-            <a:endParaRPr lang="en-US" altLang="ko-KR" dirty="0"/>
-          </a:p>
-          <a:p>
-            <a:pPr marL="285750" indent="-285750">
-              <a:buFont typeface="Arial" panose="020B0604020202020204" pitchFamily="34" charset="0"/>
-              <a:buChar char="•"/>
-            </a:pPr>
-            <a:r>
-              <a:rPr lang="ko-KR" altLang="en-US" dirty="0"/>
-              <a:t>로그인   </a:t>
-            </a:r>
-            <a:endParaRPr lang="en-US" altLang="ko-KR" dirty="0"/>
-          </a:p>
-          <a:p>
-            <a:pPr marL="285750" indent="-285750">
-              <a:buFont typeface="Arial" panose="020B0604020202020204" pitchFamily="34" charset="0"/>
-              <a:buChar char="•"/>
-            </a:pPr>
-            <a:endParaRPr lang="en-US" altLang="ko-KR" dirty="0"/>
-          </a:p>
-          <a:p>
-            <a:r>
-              <a:rPr lang="ko-KR" altLang="en-US" dirty="0"/>
-              <a:t>위 세가지 모두 입력 후</a:t>
-            </a:r>
-            <a:endParaRPr lang="en-US" altLang="ko-KR" dirty="0"/>
-          </a:p>
-          <a:p>
-            <a:endParaRPr lang="en-US" altLang="ko-KR" dirty="0"/>
-          </a:p>
-          <a:p>
-            <a:r>
-              <a:rPr lang="en-US" altLang="ko-KR" dirty="0"/>
-              <a:t>[</a:t>
-            </a:r>
-            <a:r>
-              <a:rPr lang="ko-KR" altLang="en-US" dirty="0"/>
               <a:t>로그인</a:t>
             </a:r>
-            <a:r>
-              <a:rPr lang="en-US" altLang="ko-KR" dirty="0"/>
-              <a:t>] </a:t>
-            </a:r>
-            <a:r>
-              <a:rPr lang="ko-KR" altLang="en-US" dirty="0"/>
-              <a:t>버튼 클릭</a:t>
-            </a:r>
+            <a:endParaRPr lang="en-US" altLang="ko-KR" dirty="0"/>
+          </a:p>
+          <a:p>
+            <a:endParaRPr lang="en-US" altLang="ko-KR" dirty="0"/>
+          </a:p>
+          <a:p>
+            <a:r>
+              <a:rPr lang="en-US" altLang="ko-KR" dirty="0"/>
+              <a:t>- [</a:t>
+            </a:r>
+            <a:r>
+              <a:rPr lang="ko-KR" altLang="en-US" dirty="0"/>
+              <a:t>로그인</a:t>
+            </a:r>
+            <a:r>
+              <a:rPr lang="en-US" altLang="ko-KR" dirty="0"/>
+              <a:t>]</a:t>
+            </a:r>
+            <a:r>
+              <a:rPr lang="ko-KR" altLang="en-US" dirty="0"/>
+              <a:t> 버튼 클릭</a:t>
+            </a:r>
+            <a:endParaRPr lang="en-US" altLang="ko-KR" dirty="0"/>
+          </a:p>
+          <a:p>
             <a:endParaRPr lang="en-US" altLang="ko-KR" dirty="0"/>
           </a:p>
           <a:p>
@@ -7281,7 +7320,7 @@
     </p:spTree>
     <p:extLst>
       <p:ext uri="{BB962C8B-B14F-4D97-AF65-F5344CB8AC3E}">
-        <p14:creationId xmlns:p14="http://schemas.microsoft.com/office/powerpoint/2010/main" val="207191561"/>
+        <p14:creationId xmlns:p14="http://schemas.microsoft.com/office/powerpoint/2010/main" val="3318018836"/>
       </p:ext>
     </p:extLst>
   </p:cSld>
@@ -7291,7 +7330,7 @@
 </p:sld>
 </file>
 
-<file path=ppt/slides/slide7.xml><?xml version="1.0" encoding="utf-8"?>
+<file path=ppt/slides/slide6.xml><?xml version="1.0" encoding="utf-8"?>
 <p:sld xmlns:a="http://schemas.openxmlformats.org/drawingml/2006/main" xmlns:r="http://schemas.openxmlformats.org/officeDocument/2006/relationships" xmlns:p="http://schemas.openxmlformats.org/presentationml/2006/main">
   <p:cSld>
     <p:spTree>
@@ -7365,7 +7404,7 @@
           <p:cNvPr id="3" name="TextBox 2">
             <a:extLst>
               <a:ext uri="{FF2B5EF4-FFF2-40B4-BE49-F238E27FC236}">
-                <a16:creationId xmlns:a16="http://schemas.microsoft.com/office/drawing/2014/main" id="{79209346-212C-408F-9FB0-B66ADF3A1D2A}"/>
+                <a16:creationId xmlns:a16="http://schemas.microsoft.com/office/drawing/2014/main" id="{D2164285-DD5E-4C32-B579-83780B60B8B1}"/>
               </a:ext>
             </a:extLst>
           </p:cNvPr>
@@ -7374,8 +7413,8 @@
         </p:nvSpPr>
         <p:spPr>
           <a:xfrm>
-            <a:off x="8754725" y="2274838"/>
-            <a:ext cx="3199915" cy="2308324"/>
+            <a:off x="8717402" y="1997839"/>
+            <a:ext cx="2605200" cy="2862322"/>
           </a:xfrm>
           <a:prstGeom prst="rect">
             <a:avLst/>
@@ -7400,26 +7439,44 @@
               <a:t>* </a:t>
             </a:r>
             <a:r>
-              <a:rPr lang="ko-KR" altLang="en-US" dirty="0" err="1"/>
-              <a:t>메인화면</a:t>
-            </a:r>
-            <a:endParaRPr lang="en-US" altLang="ko-KR" dirty="0"/>
-          </a:p>
-          <a:p>
-            <a:endParaRPr lang="en-US" altLang="ko-KR" dirty="0"/>
-          </a:p>
-          <a:p>
-            <a:r>
-              <a:rPr lang="ko-KR" altLang="en-US" dirty="0"/>
-              <a:t>로그인 시 </a:t>
-            </a:r>
-            <a:r>
-              <a:rPr lang="ko-KR" altLang="en-US" dirty="0" err="1"/>
-              <a:t>메인화면으로</a:t>
-            </a:r>
-            <a:r>
-              <a:rPr lang="ko-KR" altLang="en-US" dirty="0"/>
-              <a:t> 전환</a:t>
+              <a:rPr lang="ko-KR" altLang="en-US" dirty="0"/>
+              <a:t>로그인 화면으로 전환</a:t>
+            </a:r>
+            <a:endParaRPr lang="en-US" altLang="ko-KR" dirty="0"/>
+          </a:p>
+          <a:p>
+            <a:endParaRPr lang="en-US" altLang="ko-KR" dirty="0"/>
+          </a:p>
+          <a:p>
+            <a:pPr marL="285750" indent="-285750">
+              <a:buFont typeface="Arial" panose="020B0604020202020204" pitchFamily="34" charset="0"/>
+              <a:buChar char="•"/>
+            </a:pPr>
+            <a:r>
+              <a:rPr lang="ko-KR" altLang="en-US" dirty="0"/>
+              <a:t>아이디</a:t>
+            </a:r>
+            <a:endParaRPr lang="en-US" altLang="ko-KR" dirty="0"/>
+          </a:p>
+          <a:p>
+            <a:pPr marL="285750" indent="-285750">
+              <a:buFont typeface="Arial" panose="020B0604020202020204" pitchFamily="34" charset="0"/>
+              <a:buChar char="•"/>
+            </a:pPr>
+            <a:r>
+              <a:rPr lang="ko-KR" altLang="en-US" dirty="0"/>
+              <a:t>패스워드 </a:t>
+            </a:r>
+            <a:endParaRPr lang="en-US" altLang="ko-KR" dirty="0"/>
+          </a:p>
+          <a:p>
+            <a:pPr marL="285750" indent="-285750">
+              <a:buFont typeface="Arial" panose="020B0604020202020204" pitchFamily="34" charset="0"/>
+              <a:buChar char="•"/>
+            </a:pPr>
+            <a:r>
+              <a:rPr lang="ko-KR" altLang="en-US" dirty="0"/>
+              <a:t>로그인 버튼 생성</a:t>
             </a:r>
             <a:endParaRPr lang="en-US" altLang="ko-KR" dirty="0"/>
           </a:p>
@@ -7443,7 +7500,7 @@
     </p:spTree>
     <p:extLst>
       <p:ext uri="{BB962C8B-B14F-4D97-AF65-F5344CB8AC3E}">
-        <p14:creationId xmlns:p14="http://schemas.microsoft.com/office/powerpoint/2010/main" val="129202563"/>
+        <p14:creationId xmlns:p14="http://schemas.microsoft.com/office/powerpoint/2010/main" val="4166464130"/>
       </p:ext>
     </p:extLst>
   </p:cSld>
@@ -7453,7 +7510,7 @@
 </p:sld>
 </file>
 
-<file path=ppt/slides/slide8.xml><?xml version="1.0" encoding="utf-8"?>
+<file path=ppt/slides/slide7.xml><?xml version="1.0" encoding="utf-8"?>
 <p:sld xmlns:a="http://schemas.openxmlformats.org/drawingml/2006/main" xmlns:r="http://schemas.openxmlformats.org/officeDocument/2006/relationships" xmlns:p="http://schemas.openxmlformats.org/presentationml/2006/main">
   <p:cSld>
     <p:spTree>
@@ -7524,10 +7581,10 @@
       </p:sp>
       <p:sp>
         <p:nvSpPr>
-          <p:cNvPr id="4" name="TextBox 3">
-            <a:extLst>
-              <a:ext uri="{FF2B5EF4-FFF2-40B4-BE49-F238E27FC236}">
-                <a16:creationId xmlns:a16="http://schemas.microsoft.com/office/drawing/2014/main" id="{61415CF9-2635-49C6-B775-6D322D8996AD}"/>
+          <p:cNvPr id="3" name="TextBox 2">
+            <a:extLst>
+              <a:ext uri="{FF2B5EF4-FFF2-40B4-BE49-F238E27FC236}">
+                <a16:creationId xmlns:a16="http://schemas.microsoft.com/office/drawing/2014/main" id="{F0A4BC52-1C62-404B-AFA7-CA6A691B6B47}"/>
               </a:ext>
             </a:extLst>
           </p:cNvPr>
@@ -7536,8 +7593,8 @@
         </p:nvSpPr>
         <p:spPr>
           <a:xfrm>
-            <a:off x="8633012" y="2188769"/>
-            <a:ext cx="2106667" cy="2585323"/>
+            <a:off x="8829370" y="1496272"/>
+            <a:ext cx="2605200" cy="3970318"/>
           </a:xfrm>
           <a:prstGeom prst="rect">
             <a:avLst/>
@@ -7550,80 +7607,99 @@
           </a:bodyPr>
           <a:lstStyle/>
           <a:p>
-            <a:r>
-              <a:rPr lang="en-US" altLang="ko-KR" dirty="0"/>
-              <a:t>* </a:t>
-            </a:r>
-            <a:r>
-              <a:rPr lang="ko-KR" altLang="en-US" dirty="0" err="1"/>
-              <a:t>메인화면</a:t>
-            </a:r>
-            <a:endParaRPr lang="en-US" altLang="ko-KR" dirty="0"/>
-          </a:p>
-          <a:p>
-            <a:endParaRPr lang="en-US" altLang="ko-KR" dirty="0"/>
-          </a:p>
-          <a:p>
-            <a:r>
-              <a:rPr lang="en-US" altLang="ko-KR" dirty="0"/>
-              <a:t>- </a:t>
-            </a:r>
-            <a:r>
-              <a:rPr lang="ko-KR" altLang="en-US" dirty="0"/>
-              <a:t>상단 </a:t>
-            </a:r>
-            <a:endParaRPr lang="en-US" altLang="ko-KR" dirty="0"/>
-          </a:p>
-          <a:p>
-            <a:r>
-              <a:rPr lang="ko-KR" altLang="en-US" dirty="0"/>
-              <a:t>좌측 </a:t>
-            </a:r>
-            <a:r>
-              <a:rPr lang="en-US" altLang="ko-KR" dirty="0"/>
-              <a:t>: </a:t>
-            </a:r>
-            <a:r>
-              <a:rPr lang="ko-KR" altLang="en-US" dirty="0"/>
-              <a:t>메인</a:t>
-            </a:r>
-            <a:r>
-              <a:rPr lang="en-US" altLang="ko-KR" dirty="0"/>
-              <a:t>/</a:t>
-            </a:r>
-            <a:r>
-              <a:rPr lang="ko-KR" altLang="en-US" dirty="0"/>
-              <a:t>게시판</a:t>
-            </a:r>
-            <a:endParaRPr lang="en-US" altLang="ko-KR" dirty="0"/>
-          </a:p>
-          <a:p>
-            <a:r>
-              <a:rPr lang="ko-KR" altLang="en-US" dirty="0"/>
-              <a:t>우측 </a:t>
-            </a:r>
-            <a:r>
-              <a:rPr lang="en-US" altLang="ko-KR" dirty="0"/>
-              <a:t>: </a:t>
-            </a:r>
-            <a:r>
-              <a:rPr lang="ko-KR" altLang="en-US" dirty="0"/>
-              <a:t>접속하기</a:t>
-            </a:r>
-            <a:endParaRPr lang="en-US" altLang="ko-KR" dirty="0"/>
-          </a:p>
-          <a:p>
-            <a:endParaRPr lang="en-US" altLang="ko-KR" dirty="0"/>
-          </a:p>
-          <a:p>
             <a:pPr marL="285750" indent="-285750">
               <a:buFontTx/>
               <a:buChar char="-"/>
             </a:pPr>
-            <a:r>
-              <a:rPr lang="ko-KR" altLang="en-US" dirty="0"/>
-              <a:t>접속하기 선택</a:t>
-            </a:r>
+            <a:endParaRPr lang="en-US" altLang="ko-KR" dirty="0"/>
+          </a:p>
+          <a:p>
+            <a:r>
+              <a:rPr lang="en-US" altLang="ko-KR" dirty="0"/>
+              <a:t>* </a:t>
+            </a:r>
+            <a:r>
+              <a:rPr lang="ko-KR" altLang="en-US" dirty="0"/>
+              <a:t>로그인 화면으로 전환</a:t>
+            </a:r>
+            <a:endParaRPr lang="en-US" altLang="ko-KR" dirty="0"/>
+          </a:p>
+          <a:p>
+            <a:endParaRPr lang="en-US" altLang="ko-KR" dirty="0"/>
+          </a:p>
+          <a:p>
+            <a:pPr marL="285750" indent="-285750">
+              <a:buFont typeface="Arial" panose="020B0604020202020204" pitchFamily="34" charset="0"/>
+              <a:buChar char="•"/>
+            </a:pPr>
+            <a:r>
+              <a:rPr lang="ko-KR" altLang="en-US" dirty="0"/>
+              <a:t>아이디</a:t>
+            </a:r>
+            <a:endParaRPr lang="en-US" altLang="ko-KR" dirty="0"/>
+          </a:p>
+          <a:p>
+            <a:pPr marL="285750" indent="-285750">
+              <a:buFont typeface="Arial" panose="020B0604020202020204" pitchFamily="34" charset="0"/>
+              <a:buChar char="•"/>
+            </a:pPr>
+            <a:r>
+              <a:rPr lang="ko-KR" altLang="en-US" dirty="0"/>
+              <a:t>패스워드 </a:t>
+            </a:r>
+            <a:endParaRPr lang="en-US" altLang="ko-KR" dirty="0"/>
+          </a:p>
+          <a:p>
+            <a:pPr marL="285750" indent="-285750">
+              <a:buFont typeface="Arial" panose="020B0604020202020204" pitchFamily="34" charset="0"/>
+              <a:buChar char="•"/>
+            </a:pPr>
+            <a:r>
+              <a:rPr lang="ko-KR" altLang="en-US" dirty="0"/>
+              <a:t>로그인   </a:t>
+            </a:r>
+            <a:endParaRPr lang="en-US" altLang="ko-KR" dirty="0"/>
+          </a:p>
+          <a:p>
+            <a:pPr marL="285750" indent="-285750">
+              <a:buFont typeface="Arial" panose="020B0604020202020204" pitchFamily="34" charset="0"/>
+              <a:buChar char="•"/>
+            </a:pPr>
+            <a:endParaRPr lang="en-US" altLang="ko-KR" dirty="0"/>
+          </a:p>
+          <a:p>
+            <a:r>
+              <a:rPr lang="ko-KR" altLang="en-US" dirty="0"/>
+              <a:t>위 세가지 모두 입력 후</a:t>
+            </a:r>
+            <a:endParaRPr lang="en-US" altLang="ko-KR" dirty="0"/>
+          </a:p>
+          <a:p>
+            <a:endParaRPr lang="en-US" altLang="ko-KR" dirty="0"/>
+          </a:p>
+          <a:p>
+            <a:r>
+              <a:rPr lang="en-US" altLang="ko-KR" dirty="0"/>
+              <a:t>[</a:t>
+            </a:r>
+            <a:r>
+              <a:rPr lang="ko-KR" altLang="en-US" dirty="0"/>
+              <a:t>로그인</a:t>
+            </a:r>
+            <a:r>
+              <a:rPr lang="en-US" altLang="ko-KR" dirty="0"/>
+              <a:t>] </a:t>
+            </a:r>
+            <a:r>
+              <a:rPr lang="ko-KR" altLang="en-US" dirty="0"/>
+              <a:t>버튼 클릭</a:t>
+            </a:r>
+            <a:endParaRPr lang="en-US" altLang="ko-KR" dirty="0"/>
+          </a:p>
+          <a:p>
+            <a:endParaRPr lang="en-US" altLang="ko-KR" dirty="0"/>
+          </a:p>
+          <a:p>
             <a:endParaRPr lang="en-US" altLang="ko-KR" dirty="0"/>
           </a:p>
           <a:p>
@@ -7640,7 +7716,7 @@
     </p:spTree>
     <p:extLst>
       <p:ext uri="{BB962C8B-B14F-4D97-AF65-F5344CB8AC3E}">
-        <p14:creationId xmlns:p14="http://schemas.microsoft.com/office/powerpoint/2010/main" val="1686348296"/>
+        <p14:creationId xmlns:p14="http://schemas.microsoft.com/office/powerpoint/2010/main" val="207191561"/>
       </p:ext>
     </p:extLst>
   </p:cSld>
@@ -7650,7 +7726,7 @@
 </p:sld>
 </file>
 
-<file path=ppt/slides/slide9.xml><?xml version="1.0" encoding="utf-8"?>
+<file path=ppt/slides/slide8.xml><?xml version="1.0" encoding="utf-8"?>
 <p:sld xmlns:a="http://schemas.openxmlformats.org/drawingml/2006/main" xmlns:r="http://schemas.openxmlformats.org/officeDocument/2006/relationships" xmlns:p="http://schemas.openxmlformats.org/presentationml/2006/main">
   <p:cSld>
     <p:spTree>
@@ -7724,7 +7800,7 @@
           <p:cNvPr id="3" name="TextBox 2">
             <a:extLst>
               <a:ext uri="{FF2B5EF4-FFF2-40B4-BE49-F238E27FC236}">
-                <a16:creationId xmlns:a16="http://schemas.microsoft.com/office/drawing/2014/main" id="{EABE7436-3450-4023-99E2-37B6EE411AEB}"/>
+                <a16:creationId xmlns:a16="http://schemas.microsoft.com/office/drawing/2014/main" id="{79209346-212C-408F-9FB0-B66ADF3A1D2A}"/>
               </a:ext>
             </a:extLst>
           </p:cNvPr>
@@ -7733,8 +7809,8 @@
         </p:nvSpPr>
         <p:spPr>
           <a:xfrm>
-            <a:off x="8577443" y="1911770"/>
-            <a:ext cx="3446777" cy="3139321"/>
+            <a:off x="8754725" y="2274838"/>
+            <a:ext cx="3199915" cy="2308324"/>
           </a:xfrm>
           <a:prstGeom prst="rect">
             <a:avLst/>
@@ -7747,107 +7823,231 @@
           </a:bodyPr>
           <a:lstStyle/>
           <a:p>
-            <a:r>
-              <a:rPr lang="en-US" altLang="ko-KR" dirty="0"/>
-              <a:t>* </a:t>
-            </a:r>
-            <a:r>
-              <a:rPr lang="ko-KR" altLang="en-US" dirty="0" err="1"/>
-              <a:t>메인화면</a:t>
-            </a:r>
-            <a:endParaRPr lang="en-US" altLang="ko-KR" dirty="0"/>
-          </a:p>
-          <a:p>
-            <a:endParaRPr lang="en-US" altLang="ko-KR" dirty="0"/>
-          </a:p>
-          <a:p>
-            <a:r>
-              <a:rPr lang="en-US" altLang="ko-KR" dirty="0"/>
-              <a:t>- </a:t>
-            </a:r>
-            <a:r>
-              <a:rPr lang="ko-KR" altLang="en-US" dirty="0"/>
-              <a:t>상단 </a:t>
-            </a:r>
-            <a:endParaRPr lang="en-US" altLang="ko-KR" dirty="0"/>
-          </a:p>
-          <a:p>
-            <a:r>
-              <a:rPr lang="ko-KR" altLang="en-US" dirty="0"/>
-              <a:t>좌측 </a:t>
-            </a:r>
-            <a:r>
-              <a:rPr lang="en-US" altLang="ko-KR" dirty="0"/>
-              <a:t>: </a:t>
-            </a:r>
-            <a:r>
-              <a:rPr lang="ko-KR" altLang="en-US" dirty="0"/>
-              <a:t>메인</a:t>
-            </a:r>
-            <a:r>
-              <a:rPr lang="en-US" altLang="ko-KR" dirty="0"/>
-              <a:t>/</a:t>
-            </a:r>
-            <a:r>
-              <a:rPr lang="ko-KR" altLang="en-US" dirty="0"/>
-              <a:t>게시판</a:t>
-            </a:r>
-            <a:endParaRPr lang="en-US" altLang="ko-KR" dirty="0"/>
-          </a:p>
-          <a:p>
-            <a:r>
-              <a:rPr lang="ko-KR" altLang="en-US" dirty="0"/>
-              <a:t>우측 </a:t>
-            </a:r>
-            <a:r>
-              <a:rPr lang="en-US" altLang="ko-KR" dirty="0"/>
-              <a:t>: </a:t>
-            </a:r>
-            <a:r>
-              <a:rPr lang="ko-KR" altLang="en-US" dirty="0"/>
-              <a:t>접속하기</a:t>
-            </a:r>
-            <a:endParaRPr lang="en-US" altLang="ko-KR" dirty="0"/>
-          </a:p>
-          <a:p>
-            <a:endParaRPr lang="en-US" altLang="ko-KR" dirty="0"/>
-          </a:p>
-          <a:p>
-            <a:r>
-              <a:rPr lang="en-US" altLang="ko-KR" dirty="0"/>
-              <a:t>* [</a:t>
-            </a:r>
-            <a:r>
-              <a:rPr lang="ko-KR" altLang="en-US" dirty="0"/>
-              <a:t>접속하기</a:t>
-            </a:r>
-            <a:r>
-              <a:rPr lang="en-US" altLang="ko-KR" dirty="0"/>
-              <a:t>]</a:t>
-            </a:r>
-            <a:r>
-              <a:rPr lang="ko-KR" altLang="en-US" dirty="0"/>
-              <a:t> 선택</a:t>
-            </a:r>
-            <a:endParaRPr lang="en-US" altLang="ko-KR" dirty="0"/>
-          </a:p>
-          <a:p>
             <a:pPr marL="285750" indent="-285750">
               <a:buFontTx/>
               <a:buChar char="-"/>
             </a:pPr>
-            <a:r>
-              <a:rPr lang="ko-KR" altLang="en-US" dirty="0"/>
-              <a:t>로그인 </a:t>
-            </a:r>
-            <a:r>
-              <a:rPr lang="en-US" altLang="ko-KR" dirty="0"/>
-              <a:t>&amp; </a:t>
-            </a:r>
-            <a:r>
-              <a:rPr lang="ko-KR" altLang="en-US" dirty="0"/>
-              <a:t>회원가입 버튼생성</a:t>
-            </a:r>
+            <a:endParaRPr lang="en-US" altLang="ko-KR" dirty="0"/>
+          </a:p>
+          <a:p>
+            <a:r>
+              <a:rPr lang="en-US" altLang="ko-KR" dirty="0"/>
+              <a:t>* </a:t>
+            </a:r>
+            <a:r>
+              <a:rPr lang="ko-KR" altLang="en-US" dirty="0" err="1"/>
+              <a:t>메인화면</a:t>
+            </a:r>
+            <a:endParaRPr lang="en-US" altLang="ko-KR" dirty="0"/>
+          </a:p>
+          <a:p>
+            <a:endParaRPr lang="en-US" altLang="ko-KR" dirty="0"/>
+          </a:p>
+          <a:p>
+            <a:r>
+              <a:rPr lang="ko-KR" altLang="en-US" dirty="0"/>
+              <a:t>로그인 시 </a:t>
+            </a:r>
+            <a:r>
+              <a:rPr lang="ko-KR" altLang="en-US" dirty="0" err="1"/>
+              <a:t>메인화면으로</a:t>
+            </a:r>
+            <a:r>
+              <a:rPr lang="ko-KR" altLang="en-US" dirty="0"/>
+              <a:t> 전환</a:t>
+            </a:r>
+            <a:endParaRPr lang="en-US" altLang="ko-KR" dirty="0"/>
+          </a:p>
+          <a:p>
+            <a:endParaRPr lang="en-US" altLang="ko-KR" dirty="0"/>
+          </a:p>
+          <a:p>
+            <a:endParaRPr lang="en-US" altLang="ko-KR" dirty="0"/>
+          </a:p>
+          <a:p>
+            <a:r>
+              <a:rPr lang="en-US" altLang="ko-KR" dirty="0"/>
+              <a:t> </a:t>
+            </a:r>
+          </a:p>
+          <a:p>
+            <a:endParaRPr lang="ko-KR" altLang="en-US" dirty="0"/>
+          </a:p>
+        </p:txBody>
+      </p:sp>
+    </p:spTree>
+    <p:extLst>
+      <p:ext uri="{BB962C8B-B14F-4D97-AF65-F5344CB8AC3E}">
+        <p14:creationId xmlns:p14="http://schemas.microsoft.com/office/powerpoint/2010/main" val="129202563"/>
+      </p:ext>
+    </p:extLst>
+  </p:cSld>
+  <p:clrMapOvr>
+    <a:masterClrMapping/>
+  </p:clrMapOvr>
+</p:sld>
+</file>
+
+<file path=ppt/slides/slide9.xml><?xml version="1.0" encoding="utf-8"?>
+<p:sld xmlns:a="http://schemas.openxmlformats.org/drawingml/2006/main" xmlns:r="http://schemas.openxmlformats.org/officeDocument/2006/relationships" xmlns:p="http://schemas.openxmlformats.org/presentationml/2006/main">
+  <p:cSld>
+    <p:spTree>
+      <p:nvGrpSpPr>
+        <p:cNvPr id="1" name=""/>
+        <p:cNvGrpSpPr/>
+        <p:nvPr/>
+      </p:nvGrpSpPr>
+      <p:grpSpPr>
+        <a:xfrm>
+          <a:off x="0" y="0"/>
+          <a:ext cx="0" cy="0"/>
+          <a:chOff x="0" y="0"/>
+          <a:chExt cx="0" cy="0"/>
+        </a:xfrm>
+      </p:grpSpPr>
+      <p:sp>
+        <p:nvSpPr>
+          <p:cNvPr id="5" name="직사각형 4">
+            <a:extLst>
+              <a:ext uri="{FF2B5EF4-FFF2-40B4-BE49-F238E27FC236}">
+                <a16:creationId xmlns:a16="http://schemas.microsoft.com/office/drawing/2014/main" id="{17E19D0E-8108-4858-857B-9EE9AB408387}"/>
+              </a:ext>
+            </a:extLst>
+          </p:cNvPr>
+          <p:cNvSpPr/>
+          <p:nvPr/>
+        </p:nvSpPr>
+        <p:spPr>
+          <a:xfrm>
+            <a:off x="167780" y="218114"/>
+            <a:ext cx="8341738" cy="6526635"/>
+          </a:xfrm>
+          <a:prstGeom prst="rect">
+            <a:avLst/>
+          </a:prstGeom>
+          <a:blipFill>
+            <a:blip r:embed="rId2"/>
+            <a:stretch>
+              <a:fillRect/>
+            </a:stretch>
+          </a:blipFill>
+        </p:spPr>
+        <p:style>
+          <a:lnRef idx="2">
+            <a:schemeClr val="accent1">
+              <a:shade val="50000"/>
+            </a:schemeClr>
+          </a:lnRef>
+          <a:fillRef idx="1">
+            <a:schemeClr val="accent1"/>
+          </a:fillRef>
+          <a:effectRef idx="0">
+            <a:schemeClr val="accent1"/>
+          </a:effectRef>
+          <a:fontRef idx="minor">
+            <a:schemeClr val="lt1"/>
+          </a:fontRef>
+        </p:style>
+        <p:txBody>
+          <a:bodyPr rtlCol="0" anchor="ctr"/>
+          <a:lstStyle/>
+          <a:p>
+            <a:pPr algn="ctr"/>
+            <a:endParaRPr lang="ko-KR" altLang="en-US"/>
+          </a:p>
+        </p:txBody>
+      </p:sp>
+      <p:sp>
+        <p:nvSpPr>
+          <p:cNvPr id="4" name="TextBox 3">
+            <a:extLst>
+              <a:ext uri="{FF2B5EF4-FFF2-40B4-BE49-F238E27FC236}">
+                <a16:creationId xmlns:a16="http://schemas.microsoft.com/office/drawing/2014/main" id="{61415CF9-2635-49C6-B775-6D322D8996AD}"/>
+              </a:ext>
+            </a:extLst>
+          </p:cNvPr>
+          <p:cNvSpPr txBox="1"/>
+          <p:nvPr/>
+        </p:nvSpPr>
+        <p:spPr>
+          <a:xfrm>
+            <a:off x="8633012" y="2188769"/>
+            <a:ext cx="2106667" cy="2585323"/>
+          </a:xfrm>
+          <a:prstGeom prst="rect">
+            <a:avLst/>
+          </a:prstGeom>
+          <a:noFill/>
+        </p:spPr>
+        <p:txBody>
+          <a:bodyPr wrap="none" rtlCol="0">
+            <a:spAutoFit/>
+          </a:bodyPr>
+          <a:lstStyle/>
+          <a:p>
+            <a:r>
+              <a:rPr lang="en-US" altLang="ko-KR" dirty="0"/>
+              <a:t>* </a:t>
+            </a:r>
+            <a:r>
+              <a:rPr lang="ko-KR" altLang="en-US" dirty="0" err="1"/>
+              <a:t>메인화면</a:t>
+            </a:r>
+            <a:endParaRPr lang="en-US" altLang="ko-KR" dirty="0"/>
+          </a:p>
+          <a:p>
+            <a:endParaRPr lang="en-US" altLang="ko-KR" dirty="0"/>
+          </a:p>
+          <a:p>
+            <a:r>
+              <a:rPr lang="en-US" altLang="ko-KR" dirty="0"/>
+              <a:t>- </a:t>
+            </a:r>
+            <a:r>
+              <a:rPr lang="ko-KR" altLang="en-US" dirty="0"/>
+              <a:t>상단 </a:t>
+            </a:r>
+            <a:endParaRPr lang="en-US" altLang="ko-KR" dirty="0"/>
+          </a:p>
+          <a:p>
+            <a:r>
+              <a:rPr lang="ko-KR" altLang="en-US" dirty="0"/>
+              <a:t>좌측 </a:t>
+            </a:r>
+            <a:r>
+              <a:rPr lang="en-US" altLang="ko-KR" dirty="0"/>
+              <a:t>: </a:t>
+            </a:r>
+            <a:r>
+              <a:rPr lang="ko-KR" altLang="en-US" dirty="0"/>
+              <a:t>메인</a:t>
+            </a:r>
+            <a:r>
+              <a:rPr lang="en-US" altLang="ko-KR" dirty="0"/>
+              <a:t>/</a:t>
+            </a:r>
+            <a:r>
+              <a:rPr lang="ko-KR" altLang="en-US" dirty="0"/>
+              <a:t>게시판</a:t>
+            </a:r>
+            <a:endParaRPr lang="en-US" altLang="ko-KR" dirty="0"/>
+          </a:p>
+          <a:p>
+            <a:r>
+              <a:rPr lang="ko-KR" altLang="en-US" dirty="0"/>
+              <a:t>우측 </a:t>
+            </a:r>
+            <a:r>
+              <a:rPr lang="en-US" altLang="ko-KR" dirty="0"/>
+              <a:t>: </a:t>
+            </a:r>
+            <a:r>
+              <a:rPr lang="ko-KR" altLang="en-US" dirty="0"/>
+              <a:t>접속하기</a:t>
+            </a:r>
+            <a:endParaRPr lang="en-US" altLang="ko-KR" dirty="0"/>
+          </a:p>
+          <a:p>
             <a:endParaRPr lang="en-US" altLang="ko-KR" dirty="0"/>
           </a:p>
           <a:p>
@@ -7855,6 +8055,10 @@
               <a:buFontTx/>
               <a:buChar char="-"/>
             </a:pPr>
+            <a:r>
+              <a:rPr lang="ko-KR" altLang="en-US" dirty="0"/>
+              <a:t>접속하기 선택</a:t>
+            </a:r>
             <a:endParaRPr lang="en-US" altLang="ko-KR" dirty="0"/>
           </a:p>
           <a:p>
@@ -7871,7 +8075,7 @@
     </p:spTree>
     <p:extLst>
       <p:ext uri="{BB962C8B-B14F-4D97-AF65-F5344CB8AC3E}">
-        <p14:creationId xmlns:p14="http://schemas.microsoft.com/office/powerpoint/2010/main" val="864951808"/>
+        <p14:creationId xmlns:p14="http://schemas.microsoft.com/office/powerpoint/2010/main" val="1686348296"/>
       </p:ext>
     </p:extLst>
   </p:cSld>

--- a/7월스토리보드.pptx
+++ b/7월스토리보드.pptx
@@ -5,32 +5,31 @@
     <p:sldMasterId id="2147483648" r:id="rId1"/>
   </p:sldMasterIdLst>
   <p:notesMasterIdLst>
-    <p:notesMasterId r:id="rId25"/>
+    <p:notesMasterId r:id="rId24"/>
   </p:notesMasterIdLst>
   <p:sldIdLst>
     <p:sldId id="260" r:id="rId2"/>
-    <p:sldId id="303" r:id="rId3"/>
-    <p:sldId id="261" r:id="rId4"/>
-    <p:sldId id="283" r:id="rId5"/>
-    <p:sldId id="284" r:id="rId6"/>
-    <p:sldId id="285" r:id="rId7"/>
-    <p:sldId id="286" r:id="rId8"/>
-    <p:sldId id="287" r:id="rId9"/>
-    <p:sldId id="289" r:id="rId10"/>
-    <p:sldId id="288" r:id="rId11"/>
-    <p:sldId id="290" r:id="rId12"/>
-    <p:sldId id="291" r:id="rId13"/>
-    <p:sldId id="292" r:id="rId14"/>
-    <p:sldId id="293" r:id="rId15"/>
-    <p:sldId id="294" r:id="rId16"/>
-    <p:sldId id="295" r:id="rId17"/>
-    <p:sldId id="296" r:id="rId18"/>
-    <p:sldId id="297" r:id="rId19"/>
-    <p:sldId id="298" r:id="rId20"/>
-    <p:sldId id="299" r:id="rId21"/>
-    <p:sldId id="300" r:id="rId22"/>
-    <p:sldId id="301" r:id="rId23"/>
-    <p:sldId id="302" r:id="rId24"/>
+    <p:sldId id="261" r:id="rId3"/>
+    <p:sldId id="283" r:id="rId4"/>
+    <p:sldId id="284" r:id="rId5"/>
+    <p:sldId id="285" r:id="rId6"/>
+    <p:sldId id="286" r:id="rId7"/>
+    <p:sldId id="287" r:id="rId8"/>
+    <p:sldId id="289" r:id="rId9"/>
+    <p:sldId id="288" r:id="rId10"/>
+    <p:sldId id="290" r:id="rId11"/>
+    <p:sldId id="291" r:id="rId12"/>
+    <p:sldId id="292" r:id="rId13"/>
+    <p:sldId id="293" r:id="rId14"/>
+    <p:sldId id="294" r:id="rId15"/>
+    <p:sldId id="295" r:id="rId16"/>
+    <p:sldId id="296" r:id="rId17"/>
+    <p:sldId id="297" r:id="rId18"/>
+    <p:sldId id="298" r:id="rId19"/>
+    <p:sldId id="299" r:id="rId20"/>
+    <p:sldId id="300" r:id="rId21"/>
+    <p:sldId id="301" r:id="rId22"/>
+    <p:sldId id="302" r:id="rId23"/>
   </p:sldIdLst>
   <p:sldSz cx="12192000" cy="6858000"/>
   <p:notesSz cx="6858000" cy="9144000"/>
@@ -3955,7 +3954,7 @@
           <p:cNvPr id="3" name="TextBox 2">
             <a:extLst>
               <a:ext uri="{FF2B5EF4-FFF2-40B4-BE49-F238E27FC236}">
-                <a16:creationId xmlns:a16="http://schemas.microsoft.com/office/drawing/2014/main" id="{EABE7436-3450-4023-99E2-37B6EE411AEB}"/>
+                <a16:creationId xmlns:a16="http://schemas.microsoft.com/office/drawing/2014/main" id="{1BEB1364-2913-450D-9602-9DB20FE08B4A}"/>
               </a:ext>
             </a:extLst>
           </p:cNvPr>
@@ -3964,8 +3963,8 @@
         </p:nvSpPr>
         <p:spPr>
           <a:xfrm>
-            <a:off x="8577443" y="1911770"/>
-            <a:ext cx="3446777" cy="3139321"/>
+            <a:off x="8661418" y="2604268"/>
+            <a:ext cx="1980029" cy="1754326"/>
           </a:xfrm>
           <a:prstGeom prst="rect">
             <a:avLst/>
@@ -3978,69 +3977,6 @@
           </a:bodyPr>
           <a:lstStyle/>
           <a:p>
-            <a:r>
-              <a:rPr lang="en-US" altLang="ko-KR" dirty="0"/>
-              <a:t>* </a:t>
-            </a:r>
-            <a:r>
-              <a:rPr lang="ko-KR" altLang="en-US" dirty="0" err="1"/>
-              <a:t>메인화면</a:t>
-            </a:r>
-            <a:endParaRPr lang="en-US" altLang="ko-KR" dirty="0"/>
-          </a:p>
-          <a:p>
-            <a:endParaRPr lang="en-US" altLang="ko-KR" dirty="0"/>
-          </a:p>
-          <a:p>
-            <a:r>
-              <a:rPr lang="en-US" altLang="ko-KR" dirty="0"/>
-              <a:t>- </a:t>
-            </a:r>
-            <a:r>
-              <a:rPr lang="ko-KR" altLang="en-US" dirty="0"/>
-              <a:t>상단 </a:t>
-            </a:r>
-            <a:endParaRPr lang="en-US" altLang="ko-KR" dirty="0"/>
-          </a:p>
-          <a:p>
-            <a:r>
-              <a:rPr lang="ko-KR" altLang="en-US" dirty="0"/>
-              <a:t>좌측 </a:t>
-            </a:r>
-            <a:r>
-              <a:rPr lang="en-US" altLang="ko-KR" dirty="0"/>
-              <a:t>: </a:t>
-            </a:r>
-            <a:r>
-              <a:rPr lang="ko-KR" altLang="en-US" dirty="0"/>
-              <a:t>메인</a:t>
-            </a:r>
-            <a:r>
-              <a:rPr lang="en-US" altLang="ko-KR" dirty="0"/>
-              <a:t>/</a:t>
-            </a:r>
-            <a:r>
-              <a:rPr lang="ko-KR" altLang="en-US" dirty="0"/>
-              <a:t>게시판</a:t>
-            </a:r>
-            <a:endParaRPr lang="en-US" altLang="ko-KR" dirty="0"/>
-          </a:p>
-          <a:p>
-            <a:r>
-              <a:rPr lang="ko-KR" altLang="en-US" dirty="0"/>
-              <a:t>우측 </a:t>
-            </a:r>
-            <a:r>
-              <a:rPr lang="en-US" altLang="ko-KR" dirty="0"/>
-              <a:t>: </a:t>
-            </a:r>
-            <a:r>
-              <a:rPr lang="ko-KR" altLang="en-US" dirty="0"/>
-              <a:t>접속하기</a:t>
-            </a:r>
-            <a:endParaRPr lang="en-US" altLang="ko-KR" dirty="0"/>
-          </a:p>
-          <a:p>
             <a:endParaRPr lang="en-US" altLang="ko-KR" dirty="0"/>
           </a:p>
           <a:p>
@@ -4050,7 +3986,7 @@
             </a:r>
             <a:r>
               <a:rPr lang="ko-KR" altLang="en-US" dirty="0"/>
-              <a:t>접속하기</a:t>
+              <a:t>회원가입</a:t>
             </a:r>
             <a:r>
               <a:rPr lang="en-US" altLang="ko-KR" dirty="0"/>
@@ -4060,6 +3996,9 @@
               <a:rPr lang="ko-KR" altLang="en-US" dirty="0"/>
               <a:t> 선택</a:t>
             </a:r>
+            <a:endParaRPr lang="en-US" altLang="ko-KR" dirty="0"/>
+          </a:p>
+          <a:p>
             <a:endParaRPr lang="en-US" altLang="ko-KR" dirty="0"/>
           </a:p>
           <a:p>
@@ -4067,25 +4006,6 @@
               <a:buFontTx/>
               <a:buChar char="-"/>
             </a:pPr>
-            <a:r>
-              <a:rPr lang="ko-KR" altLang="en-US" dirty="0"/>
-              <a:t>로그인 </a:t>
-            </a:r>
-            <a:r>
-              <a:rPr lang="en-US" altLang="ko-KR" dirty="0"/>
-              <a:t>&amp; </a:t>
-            </a:r>
-            <a:r>
-              <a:rPr lang="ko-KR" altLang="en-US" dirty="0"/>
-              <a:t>회원가입 버튼생성</a:t>
-            </a:r>
-            <a:endParaRPr lang="en-US" altLang="ko-KR" dirty="0"/>
-          </a:p>
-          <a:p>
-            <a:pPr marL="285750" indent="-285750">
-              <a:buFontTx/>
-              <a:buChar char="-"/>
-            </a:pPr>
             <a:endParaRPr lang="en-US" altLang="ko-KR" dirty="0"/>
           </a:p>
           <a:p>
@@ -4102,7 +4022,7 @@
     </p:spTree>
     <p:extLst>
       <p:ext uri="{BB962C8B-B14F-4D97-AF65-F5344CB8AC3E}">
-        <p14:creationId xmlns:p14="http://schemas.microsoft.com/office/powerpoint/2010/main" val="864951808"/>
+        <p14:creationId xmlns:p14="http://schemas.microsoft.com/office/powerpoint/2010/main" val="623684041"/>
       </p:ext>
     </p:extLst>
   </p:cSld>
@@ -4186,7 +4106,7 @@
           <p:cNvPr id="3" name="TextBox 2">
             <a:extLst>
               <a:ext uri="{FF2B5EF4-FFF2-40B4-BE49-F238E27FC236}">
-                <a16:creationId xmlns:a16="http://schemas.microsoft.com/office/drawing/2014/main" id="{1BEB1364-2913-450D-9602-9DB20FE08B4A}"/>
+                <a16:creationId xmlns:a16="http://schemas.microsoft.com/office/drawing/2014/main" id="{77B2B48F-816E-45E1-9811-F75154BD1C41}"/>
               </a:ext>
             </a:extLst>
           </p:cNvPr>
@@ -4195,8 +4115,8 @@
         </p:nvSpPr>
         <p:spPr>
           <a:xfrm>
-            <a:off x="8661418" y="2604268"/>
-            <a:ext cx="1980029" cy="1754326"/>
+            <a:off x="8661418" y="2742767"/>
+            <a:ext cx="2140330" cy="1477328"/>
           </a:xfrm>
           <a:prstGeom prst="rect">
             <a:avLst/>
@@ -4209,35 +4129,28 @@
           </a:bodyPr>
           <a:lstStyle/>
           <a:p>
-            <a:endParaRPr lang="en-US" altLang="ko-KR" dirty="0"/>
-          </a:p>
-          <a:p>
-            <a:r>
-              <a:rPr lang="en-US" altLang="ko-KR" dirty="0"/>
-              <a:t>* [</a:t>
-            </a:r>
-            <a:r>
-              <a:rPr lang="ko-KR" altLang="en-US" dirty="0"/>
-              <a:t>회원가입</a:t>
-            </a:r>
-            <a:r>
-              <a:rPr lang="en-US" altLang="ko-KR" dirty="0"/>
-              <a:t>]</a:t>
-            </a:r>
-            <a:r>
-              <a:rPr lang="ko-KR" altLang="en-US" dirty="0"/>
-              <a:t> 선택</a:t>
-            </a:r>
-            <a:endParaRPr lang="en-US" altLang="ko-KR" dirty="0"/>
-          </a:p>
-          <a:p>
-            <a:endParaRPr lang="en-US" altLang="ko-KR" dirty="0"/>
-          </a:p>
-          <a:p>
-            <a:pPr marL="285750" indent="-285750">
-              <a:buFontTx/>
-              <a:buChar char="-"/>
-            </a:pPr>
+            <a:r>
+              <a:rPr lang="en-US" altLang="ko-KR" dirty="0"/>
+              <a:t>* </a:t>
+            </a:r>
+            <a:r>
+              <a:rPr lang="ko-KR" altLang="en-US" dirty="0"/>
+              <a:t>회원가입 화면</a:t>
+            </a:r>
+            <a:endParaRPr lang="en-US" altLang="ko-KR" dirty="0"/>
+          </a:p>
+          <a:p>
+            <a:endParaRPr lang="en-US" altLang="ko-KR" dirty="0"/>
+          </a:p>
+          <a:p>
+            <a:r>
+              <a:rPr lang="en-US" altLang="ko-KR" dirty="0"/>
+              <a:t>-</a:t>
+            </a:r>
+            <a:r>
+              <a:rPr lang="ko-KR" altLang="en-US" dirty="0"/>
+              <a:t> 회원가입 폼 생성</a:t>
+            </a:r>
             <a:endParaRPr lang="en-US" altLang="ko-KR" dirty="0"/>
           </a:p>
           <a:p>
@@ -4254,7 +4167,7 @@
     </p:spTree>
     <p:extLst>
       <p:ext uri="{BB962C8B-B14F-4D97-AF65-F5344CB8AC3E}">
-        <p14:creationId xmlns:p14="http://schemas.microsoft.com/office/powerpoint/2010/main" val="623684041"/>
+        <p14:creationId xmlns:p14="http://schemas.microsoft.com/office/powerpoint/2010/main" val="1894824553"/>
       </p:ext>
     </p:extLst>
   </p:cSld>
@@ -4338,7 +4251,7 @@
           <p:cNvPr id="3" name="TextBox 2">
             <a:extLst>
               <a:ext uri="{FF2B5EF4-FFF2-40B4-BE49-F238E27FC236}">
-                <a16:creationId xmlns:a16="http://schemas.microsoft.com/office/drawing/2014/main" id="{77B2B48F-816E-45E1-9811-F75154BD1C41}"/>
+                <a16:creationId xmlns:a16="http://schemas.microsoft.com/office/drawing/2014/main" id="{8CA6DDDE-B95E-4ACE-984A-B59369A12C33}"/>
               </a:ext>
             </a:extLst>
           </p:cNvPr>
@@ -4347,8 +4260,8 @@
         </p:nvSpPr>
         <p:spPr>
           <a:xfrm>
-            <a:off x="8661418" y="2742767"/>
-            <a:ext cx="2140330" cy="1477328"/>
+            <a:off x="8577443" y="1911770"/>
+            <a:ext cx="3050835" cy="3139321"/>
           </a:xfrm>
           <a:prstGeom prst="rect">
             <a:avLst/>
@@ -4375,17 +4288,91 @@
             <a:endParaRPr lang="en-US" altLang="ko-KR" dirty="0"/>
           </a:p>
           <a:p>
-            <a:r>
-              <a:rPr lang="en-US" altLang="ko-KR" dirty="0"/>
-              <a:t>-</a:t>
-            </a:r>
-            <a:r>
-              <a:rPr lang="ko-KR" altLang="en-US" dirty="0"/>
-              <a:t> 회원가입 폼 생성</a:t>
-            </a:r>
-            <a:endParaRPr lang="en-US" altLang="ko-KR" dirty="0"/>
-          </a:p>
-          <a:p>
+            <a:pPr marL="285750" indent="-285750">
+              <a:buFont typeface="Arial" panose="020B0604020202020204" pitchFamily="34" charset="0"/>
+              <a:buChar char="•"/>
+            </a:pPr>
+            <a:r>
+              <a:rPr lang="ko-KR" altLang="en-US" dirty="0"/>
+              <a:t>아이디</a:t>
+            </a:r>
+            <a:endParaRPr lang="en-US" altLang="ko-KR" dirty="0"/>
+          </a:p>
+          <a:p>
+            <a:pPr marL="285750" indent="-285750">
+              <a:buFont typeface="Arial" panose="020B0604020202020204" pitchFamily="34" charset="0"/>
+              <a:buChar char="•"/>
+            </a:pPr>
+            <a:r>
+              <a:rPr lang="ko-KR" altLang="en-US" dirty="0"/>
+              <a:t>비밀번호 </a:t>
+            </a:r>
+            <a:endParaRPr lang="en-US" altLang="ko-KR" dirty="0"/>
+          </a:p>
+          <a:p>
+            <a:pPr marL="285750" indent="-285750">
+              <a:buFont typeface="Arial" panose="020B0604020202020204" pitchFamily="34" charset="0"/>
+              <a:buChar char="•"/>
+            </a:pPr>
+            <a:r>
+              <a:rPr lang="ko-KR" altLang="en-US" dirty="0"/>
+              <a:t>이름</a:t>
+            </a:r>
+            <a:endParaRPr lang="en-US" altLang="ko-KR" dirty="0"/>
+          </a:p>
+          <a:p>
+            <a:pPr marL="285750" indent="-285750">
+              <a:buFont typeface="Arial" panose="020B0604020202020204" pitchFamily="34" charset="0"/>
+              <a:buChar char="•"/>
+            </a:pPr>
+            <a:r>
+              <a:rPr lang="ko-KR" altLang="en-US" dirty="0"/>
+              <a:t>성별</a:t>
+            </a:r>
+            <a:endParaRPr lang="en-US" altLang="ko-KR" dirty="0"/>
+          </a:p>
+          <a:p>
+            <a:pPr marL="285750" indent="-285750">
+              <a:buFont typeface="Arial" panose="020B0604020202020204" pitchFamily="34" charset="0"/>
+              <a:buChar char="•"/>
+            </a:pPr>
+            <a:r>
+              <a:rPr lang="ko-KR" altLang="en-US" dirty="0"/>
+              <a:t>이메일</a:t>
+            </a:r>
+            <a:endParaRPr lang="en-US" altLang="ko-KR" dirty="0"/>
+          </a:p>
+          <a:p>
+            <a:pPr marL="285750" indent="-285750">
+              <a:buFont typeface="Arial" panose="020B0604020202020204" pitchFamily="34" charset="0"/>
+              <a:buChar char="•"/>
+            </a:pPr>
+            <a:endParaRPr lang="en-US" altLang="ko-KR" dirty="0"/>
+          </a:p>
+          <a:p>
+            <a:r>
+              <a:rPr lang="ko-KR" altLang="en-US" dirty="0"/>
+              <a:t>생성된 폼에 알맞게 입력 후</a:t>
+            </a:r>
+            <a:endParaRPr lang="en-US" altLang="ko-KR" dirty="0"/>
+          </a:p>
+          <a:p>
+            <a:r>
+              <a:rPr lang="en-US" altLang="ko-KR" dirty="0"/>
+              <a:t>      [</a:t>
+            </a:r>
+            <a:r>
+              <a:rPr lang="ko-KR" altLang="en-US" dirty="0"/>
+              <a:t>회원가입</a:t>
+            </a:r>
+            <a:r>
+              <a:rPr lang="en-US" altLang="ko-KR" dirty="0"/>
+              <a:t>] </a:t>
+            </a:r>
+            <a:r>
+              <a:rPr lang="ko-KR" altLang="en-US" dirty="0"/>
+              <a:t>버튼 클릭</a:t>
+            </a:r>
             <a:r>
               <a:rPr lang="en-US" altLang="ko-KR" dirty="0"/>
               <a:t> </a:t>
@@ -4399,7 +4386,7 @@
     </p:spTree>
     <p:extLst>
       <p:ext uri="{BB962C8B-B14F-4D97-AF65-F5344CB8AC3E}">
-        <p14:creationId xmlns:p14="http://schemas.microsoft.com/office/powerpoint/2010/main" val="1894824553"/>
+        <p14:creationId xmlns:p14="http://schemas.microsoft.com/office/powerpoint/2010/main" val="1110393032"/>
       </p:ext>
     </p:extLst>
   </p:cSld>
@@ -4480,10 +4467,10 @@
       </p:sp>
       <p:sp>
         <p:nvSpPr>
-          <p:cNvPr id="3" name="TextBox 2">
-            <a:extLst>
-              <a:ext uri="{FF2B5EF4-FFF2-40B4-BE49-F238E27FC236}">
-                <a16:creationId xmlns:a16="http://schemas.microsoft.com/office/drawing/2014/main" id="{8CA6DDDE-B95E-4ACE-984A-B59369A12C33}"/>
+          <p:cNvPr id="7" name="TextBox 6">
+            <a:extLst>
+              <a:ext uri="{FF2B5EF4-FFF2-40B4-BE49-F238E27FC236}">
+                <a16:creationId xmlns:a16="http://schemas.microsoft.com/office/drawing/2014/main" id="{1FC6586B-7E23-4CED-A0B8-A8A9BE62B989}"/>
               </a:ext>
             </a:extLst>
           </p:cNvPr>
@@ -4492,8 +4479,8 @@
         </p:nvSpPr>
         <p:spPr>
           <a:xfrm>
-            <a:off x="8577443" y="1911770"/>
-            <a:ext cx="3050835" cy="3139321"/>
+            <a:off x="8828954" y="2188769"/>
+            <a:ext cx="2401619" cy="2585323"/>
           </a:xfrm>
           <a:prstGeom prst="rect">
             <a:avLst/>
@@ -4512,7 +4499,7 @@
             </a:r>
             <a:r>
               <a:rPr lang="ko-KR" altLang="en-US" dirty="0"/>
-              <a:t>회원가입 화면</a:t>
+              <a:t>회원가입</a:t>
             </a:r>
             <a:endParaRPr lang="en-US" altLang="ko-KR" dirty="0"/>
           </a:p>
@@ -4521,90 +4508,48 @@
           </a:p>
           <a:p>
             <a:pPr marL="285750" indent="-285750">
-              <a:buFont typeface="Arial" panose="020B0604020202020204" pitchFamily="34" charset="0"/>
-              <a:buChar char="•"/>
+              <a:buFontTx/>
+              <a:buChar char="-"/>
             </a:pPr>
             <a:r>
               <a:rPr lang="ko-KR" altLang="en-US" dirty="0"/>
-              <a:t>아이디</a:t>
+              <a:t>회원가입 선택 시 </a:t>
+            </a:r>
+            <a:br>
+              <a:rPr lang="en-US" altLang="ko-KR" dirty="0"/>
+            </a:br>
+            <a:r>
+              <a:rPr lang="ko-KR" altLang="en-US" dirty="0" err="1"/>
+              <a:t>메인화면으로</a:t>
+            </a:r>
+            <a:r>
+              <a:rPr lang="ko-KR" altLang="en-US" dirty="0"/>
+              <a:t> 전환</a:t>
             </a:r>
             <a:endParaRPr lang="en-US" altLang="ko-KR" dirty="0"/>
           </a:p>
           <a:p>
             <a:pPr marL="285750" indent="-285750">
-              <a:buFont typeface="Arial" panose="020B0604020202020204" pitchFamily="34" charset="0"/>
-              <a:buChar char="•"/>
+              <a:buFontTx/>
+              <a:buChar char="-"/>
             </a:pPr>
-            <a:r>
-              <a:rPr lang="ko-KR" altLang="en-US" dirty="0"/>
-              <a:t>비밀번호 </a:t>
-            </a:r>
             <a:endParaRPr lang="en-US" altLang="ko-KR" dirty="0"/>
           </a:p>
           <a:p>
             <a:pPr marL="285750" indent="-285750">
-              <a:buFont typeface="Arial" panose="020B0604020202020204" pitchFamily="34" charset="0"/>
-              <a:buChar char="•"/>
+              <a:buFontTx/>
+              <a:buChar char="-"/>
             </a:pPr>
-            <a:r>
-              <a:rPr lang="ko-KR" altLang="en-US" dirty="0"/>
-              <a:t>이름</a:t>
-            </a:r>
             <a:endParaRPr lang="en-US" altLang="ko-KR" dirty="0"/>
           </a:p>
           <a:p>
             <a:pPr marL="285750" indent="-285750">
-              <a:buFont typeface="Arial" panose="020B0604020202020204" pitchFamily="34" charset="0"/>
-              <a:buChar char="•"/>
+              <a:buFontTx/>
+              <a:buChar char="-"/>
             </a:pPr>
-            <a:r>
-              <a:rPr lang="ko-KR" altLang="en-US" dirty="0"/>
-              <a:t>성별</a:t>
-            </a:r>
-            <a:endParaRPr lang="en-US" altLang="ko-KR" dirty="0"/>
-          </a:p>
-          <a:p>
-            <a:pPr marL="285750" indent="-285750">
-              <a:buFont typeface="Arial" panose="020B0604020202020204" pitchFamily="34" charset="0"/>
-              <a:buChar char="•"/>
-            </a:pPr>
-            <a:r>
-              <a:rPr lang="ko-KR" altLang="en-US" dirty="0"/>
-              <a:t>이메일</a:t>
-            </a:r>
-            <a:endParaRPr lang="en-US" altLang="ko-KR" dirty="0"/>
-          </a:p>
-          <a:p>
-            <a:pPr marL="285750" indent="-285750">
-              <a:buFont typeface="Arial" panose="020B0604020202020204" pitchFamily="34" charset="0"/>
-              <a:buChar char="•"/>
-            </a:pPr>
-            <a:endParaRPr lang="en-US" altLang="ko-KR" dirty="0"/>
-          </a:p>
-          <a:p>
-            <a:r>
-              <a:rPr lang="ko-KR" altLang="en-US" dirty="0"/>
-              <a:t>생성된 폼에 알맞게 입력 후</a:t>
-            </a:r>
-            <a:endParaRPr lang="en-US" altLang="ko-KR" dirty="0"/>
-          </a:p>
-          <a:p>
-            <a:r>
-              <a:rPr lang="en-US" altLang="ko-KR" dirty="0"/>
-              <a:t>      [</a:t>
-            </a:r>
-            <a:r>
-              <a:rPr lang="ko-KR" altLang="en-US" dirty="0"/>
-              <a:t>회원가입</a:t>
-            </a:r>
-            <a:r>
-              <a:rPr lang="en-US" altLang="ko-KR" dirty="0"/>
-              <a:t>] </a:t>
-            </a:r>
-            <a:r>
-              <a:rPr lang="ko-KR" altLang="en-US" dirty="0"/>
-              <a:t>버튼 클릭</a:t>
-            </a:r>
+            <a:endParaRPr lang="en-US" altLang="ko-KR" dirty="0"/>
+          </a:p>
+          <a:p>
             <a:r>
               <a:rPr lang="en-US" altLang="ko-KR" dirty="0"/>
               <a:t> </a:t>
@@ -4618,7 +4563,7 @@
     </p:spTree>
     <p:extLst>
       <p:ext uri="{BB962C8B-B14F-4D97-AF65-F5344CB8AC3E}">
-        <p14:creationId xmlns:p14="http://schemas.microsoft.com/office/powerpoint/2010/main" val="1110393032"/>
+        <p14:creationId xmlns:p14="http://schemas.microsoft.com/office/powerpoint/2010/main" val="1146485215"/>
       </p:ext>
     </p:extLst>
   </p:cSld>
@@ -4699,10 +4644,10 @@
       </p:sp>
       <p:sp>
         <p:nvSpPr>
-          <p:cNvPr id="7" name="TextBox 6">
-            <a:extLst>
-              <a:ext uri="{FF2B5EF4-FFF2-40B4-BE49-F238E27FC236}">
-                <a16:creationId xmlns:a16="http://schemas.microsoft.com/office/drawing/2014/main" id="{1FC6586B-7E23-4CED-A0B8-A8A9BE62B989}"/>
+          <p:cNvPr id="3" name="TextBox 2">
+            <a:extLst>
+              <a:ext uri="{FF2B5EF4-FFF2-40B4-BE49-F238E27FC236}">
+                <a16:creationId xmlns:a16="http://schemas.microsoft.com/office/drawing/2014/main" id="{AA2A2830-8B48-4523-A680-B21D3785F02F}"/>
               </a:ext>
             </a:extLst>
           </p:cNvPr>
@@ -4711,8 +4656,8 @@
         </p:nvSpPr>
         <p:spPr>
           <a:xfrm>
-            <a:off x="8828954" y="2188769"/>
-            <a:ext cx="2401619" cy="2585323"/>
+            <a:off x="8791632" y="2188769"/>
+            <a:ext cx="2855269" cy="2862322"/>
           </a:xfrm>
           <a:prstGeom prst="rect">
             <a:avLst/>
@@ -4730,8 +4675,8 @@
               <a:t>* </a:t>
             </a:r>
             <a:r>
-              <a:rPr lang="ko-KR" altLang="en-US" dirty="0"/>
-              <a:t>회원가입</a:t>
+              <a:rPr lang="ko-KR" altLang="en-US" dirty="0" err="1"/>
+              <a:t>메인화면</a:t>
             </a:r>
             <a:endParaRPr lang="en-US" altLang="ko-KR" dirty="0"/>
           </a:p>
@@ -4745,19 +4690,27 @@
             </a:pPr>
             <a:r>
               <a:rPr lang="ko-KR" altLang="en-US" dirty="0"/>
-              <a:t>회원가입 선택 시 </a:t>
+              <a:t>좌측상단 </a:t>
+            </a:r>
+            <a:r>
+              <a:rPr lang="en-US" altLang="ko-KR" dirty="0"/>
+              <a:t>[</a:t>
+            </a:r>
+            <a:r>
+              <a:rPr lang="ko-KR" altLang="en-US" dirty="0"/>
+              <a:t>게시판</a:t>
+            </a:r>
+            <a:r>
+              <a:rPr lang="en-US" altLang="ko-KR" dirty="0"/>
+              <a:t>] </a:t>
+            </a:r>
+            <a:r>
+              <a:rPr lang="ko-KR" altLang="en-US" dirty="0"/>
+              <a:t>선택</a:t>
             </a:r>
             <a:br>
               <a:rPr lang="en-US" altLang="ko-KR" dirty="0"/>
             </a:br>
-            <a:r>
-              <a:rPr lang="ko-KR" altLang="en-US" dirty="0" err="1"/>
-              <a:t>메인화면으로</a:t>
-            </a:r>
-            <a:r>
-              <a:rPr lang="ko-KR" altLang="en-US" dirty="0"/>
-              <a:t> 전환</a:t>
-            </a:r>
             <a:endParaRPr lang="en-US" altLang="ko-KR" dirty="0"/>
           </a:p>
           <a:p>
@@ -4765,6 +4718,10 @@
               <a:buFontTx/>
               <a:buChar char="-"/>
             </a:pPr>
+            <a:r>
+              <a:rPr lang="ko-KR" altLang="en-US" dirty="0"/>
+              <a:t>게시판화면으로 전환</a:t>
+            </a:r>
             <a:endParaRPr lang="en-US" altLang="ko-KR" dirty="0"/>
           </a:p>
           <a:p>
@@ -4782,6 +4739,13 @@
             <a:endParaRPr lang="en-US" altLang="ko-KR" dirty="0"/>
           </a:p>
           <a:p>
+            <a:pPr marL="285750" indent="-285750">
+              <a:buFontTx/>
+              <a:buChar char="-"/>
+            </a:pPr>
+            <a:endParaRPr lang="en-US" altLang="ko-KR" dirty="0"/>
+          </a:p>
+          <a:p>
             <a:r>
               <a:rPr lang="en-US" altLang="ko-KR" dirty="0"/>
               <a:t> </a:t>
@@ -4795,7 +4759,7 @@
     </p:spTree>
     <p:extLst>
       <p:ext uri="{BB962C8B-B14F-4D97-AF65-F5344CB8AC3E}">
-        <p14:creationId xmlns:p14="http://schemas.microsoft.com/office/powerpoint/2010/main" val="1146485215"/>
+        <p14:creationId xmlns:p14="http://schemas.microsoft.com/office/powerpoint/2010/main" val="39642569"/>
       </p:ext>
     </p:extLst>
   </p:cSld>
@@ -4879,7 +4843,7 @@
           <p:cNvPr id="3" name="TextBox 2">
             <a:extLst>
               <a:ext uri="{FF2B5EF4-FFF2-40B4-BE49-F238E27FC236}">
-                <a16:creationId xmlns:a16="http://schemas.microsoft.com/office/drawing/2014/main" id="{AA2A2830-8B48-4523-A680-B21D3785F02F}"/>
+                <a16:creationId xmlns:a16="http://schemas.microsoft.com/office/drawing/2014/main" id="{FD4C0B9B-BB54-4802-B215-2A7B7D809FC4}"/>
               </a:ext>
             </a:extLst>
           </p:cNvPr>
@@ -4889,7 +4853,7 @@
         <p:spPr>
           <a:xfrm>
             <a:off x="8791632" y="2188769"/>
-            <a:ext cx="2855269" cy="2862322"/>
+            <a:ext cx="3336170" cy="2862322"/>
           </a:xfrm>
           <a:prstGeom prst="rect">
             <a:avLst/>
@@ -4907,8 +4871,8 @@
               <a:t>* </a:t>
             </a:r>
             <a:r>
-              <a:rPr lang="ko-KR" altLang="en-US" dirty="0" err="1"/>
-              <a:t>메인화면</a:t>
+              <a:rPr lang="ko-KR" altLang="en-US" dirty="0"/>
+              <a:t>게시판 화면</a:t>
             </a:r>
             <a:endParaRPr lang="en-US" altLang="ko-KR" dirty="0"/>
           </a:p>
@@ -4922,27 +4886,8 @@
             </a:pPr>
             <a:r>
               <a:rPr lang="ko-KR" altLang="en-US" dirty="0"/>
-              <a:t>좌측상단 </a:t>
-            </a:r>
-            <a:r>
-              <a:rPr lang="en-US" altLang="ko-KR" dirty="0"/>
-              <a:t>[</a:t>
-            </a:r>
-            <a:r>
-              <a:rPr lang="ko-KR" altLang="en-US" dirty="0"/>
-              <a:t>게시판</a:t>
-            </a:r>
-            <a:r>
-              <a:rPr lang="en-US" altLang="ko-KR" dirty="0"/>
-              <a:t>] </a:t>
-            </a:r>
-            <a:r>
-              <a:rPr lang="ko-KR" altLang="en-US" dirty="0"/>
-              <a:t>선택</a:t>
-            </a:r>
-            <a:br>
-              <a:rPr lang="en-US" altLang="ko-KR" dirty="0"/>
-            </a:br>
+              <a:t>게시판 목록 화면으로 전환</a:t>
+            </a:r>
             <a:endParaRPr lang="en-US" altLang="ko-KR" dirty="0"/>
           </a:p>
           <a:p>
@@ -4950,10 +4895,6 @@
               <a:buFontTx/>
               <a:buChar char="-"/>
             </a:pPr>
-            <a:r>
-              <a:rPr lang="ko-KR" altLang="en-US" dirty="0"/>
-              <a:t>게시판화면으로 전환</a:t>
-            </a:r>
             <a:endParaRPr lang="en-US" altLang="ko-KR" dirty="0"/>
           </a:p>
           <a:p>
@@ -4961,6 +4902,25 @@
               <a:buFontTx/>
               <a:buChar char="-"/>
             </a:pPr>
+            <a:r>
+              <a:rPr lang="en-US" altLang="ko-KR" dirty="0"/>
+              <a:t>[home] &amp; [next] &amp; [</a:t>
+            </a:r>
+            <a:r>
+              <a:rPr lang="ko-KR" altLang="en-US" dirty="0"/>
+              <a:t>글쓰기</a:t>
+            </a:r>
+            <a:r>
+              <a:rPr lang="en-US" altLang="ko-KR" dirty="0"/>
+              <a:t>]</a:t>
+            </a:r>
+            <a:br>
+              <a:rPr lang="en-US" altLang="ko-KR" dirty="0"/>
+            </a:br>
+            <a:r>
+              <a:rPr lang="ko-KR" altLang="en-US" dirty="0"/>
+              <a:t>버튼으로 구성</a:t>
+            </a:r>
             <a:endParaRPr lang="en-US" altLang="ko-KR" dirty="0"/>
           </a:p>
           <a:p>
@@ -4991,7 +4951,7 @@
     </p:spTree>
     <p:extLst>
       <p:ext uri="{BB962C8B-B14F-4D97-AF65-F5344CB8AC3E}">
-        <p14:creationId xmlns:p14="http://schemas.microsoft.com/office/powerpoint/2010/main" val="39642569"/>
+        <p14:creationId xmlns:p14="http://schemas.microsoft.com/office/powerpoint/2010/main" val="3315081659"/>
       </p:ext>
     </p:extLst>
   </p:cSld>
@@ -5075,7 +5035,7 @@
           <p:cNvPr id="3" name="TextBox 2">
             <a:extLst>
               <a:ext uri="{FF2B5EF4-FFF2-40B4-BE49-F238E27FC236}">
-                <a16:creationId xmlns:a16="http://schemas.microsoft.com/office/drawing/2014/main" id="{FD4C0B9B-BB54-4802-B215-2A7B7D809FC4}"/>
+                <a16:creationId xmlns:a16="http://schemas.microsoft.com/office/drawing/2014/main" id="{800EB24D-107A-4906-98DF-038AEC198F4C}"/>
               </a:ext>
             </a:extLst>
           </p:cNvPr>
@@ -5085,7 +5045,7 @@
         <p:spPr>
           <a:xfrm>
             <a:off x="8791632" y="2188769"/>
-            <a:ext cx="3336170" cy="2862322"/>
+            <a:ext cx="3001143" cy="2585323"/>
           </a:xfrm>
           <a:prstGeom prst="rect">
             <a:avLst/>
@@ -5117,8 +5077,20 @@
               <a:buChar char="-"/>
             </a:pPr>
             <a:r>
-              <a:rPr lang="ko-KR" altLang="en-US" dirty="0"/>
-              <a:t>게시판 목록 화면으로 전환</a:t>
+              <a:rPr lang="en-US" altLang="ko-KR" dirty="0"/>
+              <a:t>[next </a:t>
+            </a:r>
+            <a:r>
+              <a:rPr lang="ko-KR" altLang="en-US" dirty="0"/>
+              <a:t>넘버</a:t>
+            </a:r>
+            <a:r>
+              <a:rPr lang="en-US" altLang="ko-KR" dirty="0"/>
+              <a:t>]</a:t>
+            </a:r>
+            <a:r>
+              <a:rPr lang="ko-KR" altLang="en-US" dirty="0"/>
+              <a:t>버튼 선택 시 </a:t>
             </a:r>
             <a:endParaRPr lang="en-US" altLang="ko-KR" dirty="0"/>
           </a:p>
@@ -5134,25 +5106,6 @@
               <a:buFontTx/>
               <a:buChar char="-"/>
             </a:pPr>
-            <a:r>
-              <a:rPr lang="en-US" altLang="ko-KR" dirty="0"/>
-              <a:t>[home] &amp; [next] &amp; [</a:t>
-            </a:r>
-            <a:r>
-              <a:rPr lang="ko-KR" altLang="en-US" dirty="0"/>
-              <a:t>글쓰기</a:t>
-            </a:r>
-            <a:r>
-              <a:rPr lang="en-US" altLang="ko-KR" dirty="0"/>
-              <a:t>]</a:t>
-            </a:r>
-            <a:br>
-              <a:rPr lang="en-US" altLang="ko-KR" dirty="0"/>
-            </a:br>
-            <a:r>
-              <a:rPr lang="ko-KR" altLang="en-US" dirty="0"/>
-              <a:t>버튼으로 구성</a:t>
-            </a:r>
             <a:endParaRPr lang="en-US" altLang="ko-KR" dirty="0"/>
           </a:p>
           <a:p>
@@ -5183,7 +5136,7 @@
     </p:spTree>
     <p:extLst>
       <p:ext uri="{BB962C8B-B14F-4D97-AF65-F5344CB8AC3E}">
-        <p14:creationId xmlns:p14="http://schemas.microsoft.com/office/powerpoint/2010/main" val="3315081659"/>
+        <p14:creationId xmlns:p14="http://schemas.microsoft.com/office/powerpoint/2010/main" val="1541747289"/>
       </p:ext>
     </p:extLst>
   </p:cSld>
@@ -5267,7 +5220,7 @@
           <p:cNvPr id="3" name="TextBox 2">
             <a:extLst>
               <a:ext uri="{FF2B5EF4-FFF2-40B4-BE49-F238E27FC236}">
-                <a16:creationId xmlns:a16="http://schemas.microsoft.com/office/drawing/2014/main" id="{800EB24D-107A-4906-98DF-038AEC198F4C}"/>
+                <a16:creationId xmlns:a16="http://schemas.microsoft.com/office/drawing/2014/main" id="{1FA4BB70-ADD3-4952-9F17-4D08B42DCF38}"/>
               </a:ext>
             </a:extLst>
           </p:cNvPr>
@@ -5277,7 +5230,7 @@
         <p:spPr>
           <a:xfrm>
             <a:off x="8791632" y="2188769"/>
-            <a:ext cx="3001143" cy="2585323"/>
+            <a:ext cx="2919389" cy="3693319"/>
           </a:xfrm>
           <a:prstGeom prst="rect">
             <a:avLst/>
@@ -5322,7 +5275,7 @@
             </a:r>
             <a:r>
               <a:rPr lang="ko-KR" altLang="en-US" dirty="0"/>
-              <a:t>버튼 선택 시 </a:t>
+              <a:t>버튼 선택 시</a:t>
             </a:r>
             <a:endParaRPr lang="en-US" altLang="ko-KR" dirty="0"/>
           </a:p>
@@ -5338,6 +5291,10 @@
               <a:buFontTx/>
               <a:buChar char="-"/>
             </a:pPr>
+            <a:r>
+              <a:rPr lang="ko-KR" altLang="en-US" dirty="0"/>
+              <a:t> 다음 페이지로 전환</a:t>
+            </a:r>
             <a:endParaRPr lang="en-US" altLang="ko-KR" dirty="0"/>
           </a:p>
           <a:p>
@@ -5352,6 +5309,50 @@
               <a:buFontTx/>
               <a:buChar char="-"/>
             </a:pPr>
+            <a:r>
+              <a:rPr lang="en-US" altLang="ko-KR" dirty="0"/>
+              <a:t>[</a:t>
+            </a:r>
+            <a:r>
+              <a:rPr lang="ko-KR" altLang="en-US" dirty="0"/>
+              <a:t>글쓰기</a:t>
+            </a:r>
+            <a:r>
+              <a:rPr lang="en-US" altLang="ko-KR" dirty="0"/>
+              <a:t>] </a:t>
+            </a:r>
+            <a:r>
+              <a:rPr lang="ko-KR" altLang="en-US" dirty="0"/>
+              <a:t>선택</a:t>
+            </a:r>
+            <a:endParaRPr lang="en-US" altLang="ko-KR" dirty="0"/>
+          </a:p>
+          <a:p>
+            <a:pPr marL="285750" indent="-285750">
+              <a:buFontTx/>
+              <a:buChar char="-"/>
+            </a:pPr>
+            <a:endParaRPr lang="en-US" altLang="ko-KR" dirty="0"/>
+          </a:p>
+          <a:p>
+            <a:pPr marL="285750" indent="-285750">
+              <a:buFontTx/>
+              <a:buChar char="-"/>
+            </a:pPr>
+            <a:endParaRPr lang="en-US" altLang="ko-KR" dirty="0"/>
+          </a:p>
+          <a:p>
+            <a:pPr marL="285750" indent="-285750">
+              <a:buFontTx/>
+              <a:buChar char="-"/>
+            </a:pPr>
+            <a:endParaRPr lang="en-US" altLang="ko-KR" dirty="0"/>
+          </a:p>
+          <a:p>
+            <a:pPr marL="285750" indent="-285750">
+              <a:buFontTx/>
+              <a:buChar char="-"/>
+            </a:pPr>
             <a:endParaRPr lang="en-US" altLang="ko-KR" dirty="0"/>
           </a:p>
           <a:p>
@@ -5368,7 +5369,7 @@
     </p:spTree>
     <p:extLst>
       <p:ext uri="{BB962C8B-B14F-4D97-AF65-F5344CB8AC3E}">
-        <p14:creationId xmlns:p14="http://schemas.microsoft.com/office/powerpoint/2010/main" val="1541747289"/>
+        <p14:creationId xmlns:p14="http://schemas.microsoft.com/office/powerpoint/2010/main" val="1327049686"/>
       </p:ext>
     </p:extLst>
   </p:cSld>
@@ -5452,7 +5453,7 @@
           <p:cNvPr id="3" name="TextBox 2">
             <a:extLst>
               <a:ext uri="{FF2B5EF4-FFF2-40B4-BE49-F238E27FC236}">
-                <a16:creationId xmlns:a16="http://schemas.microsoft.com/office/drawing/2014/main" id="{1FA4BB70-ADD3-4952-9F17-4D08B42DCF38}"/>
+                <a16:creationId xmlns:a16="http://schemas.microsoft.com/office/drawing/2014/main" id="{A3F1BAE4-D90C-4677-A55F-5080F4DE24BA}"/>
               </a:ext>
             </a:extLst>
           </p:cNvPr>
@@ -5461,8 +5462,8 @@
         </p:nvSpPr>
         <p:spPr>
           <a:xfrm>
-            <a:off x="8791632" y="2188769"/>
-            <a:ext cx="2919389" cy="3693319"/>
+            <a:off x="9043559" y="1911770"/>
+            <a:ext cx="2714205" cy="3139321"/>
           </a:xfrm>
           <a:prstGeom prst="rect">
             <a:avLst/>
@@ -5481,7 +5482,7 @@
             </a:r>
             <a:r>
               <a:rPr lang="ko-KR" altLang="en-US" dirty="0"/>
-              <a:t>게시판 화면</a:t>
+              <a:t>글쓰기 화면</a:t>
             </a:r>
             <a:endParaRPr lang="en-US" altLang="ko-KR" dirty="0"/>
           </a:p>
@@ -5495,15 +5496,15 @@
             </a:pPr>
             <a:r>
               <a:rPr lang="en-US" altLang="ko-KR" dirty="0"/>
-              <a:t>[next </a:t>
-            </a:r>
-            <a:r>
-              <a:rPr lang="ko-KR" altLang="en-US" dirty="0"/>
-              <a:t>넘버</a:t>
-            </a:r>
-            <a:r>
-              <a:rPr lang="en-US" altLang="ko-KR" dirty="0"/>
-              <a:t>]</a:t>
+              <a:t>[</a:t>
+            </a:r>
+            <a:r>
+              <a:rPr lang="ko-KR" altLang="en-US" dirty="0"/>
+              <a:t>글쓰기</a:t>
+            </a:r>
+            <a:r>
+              <a:rPr lang="en-US" altLang="ko-KR" dirty="0"/>
+              <a:t>] </a:t>
             </a:r>
             <a:r>
               <a:rPr lang="ko-KR" altLang="en-US" dirty="0"/>
@@ -5525,8 +5526,11 @@
             </a:pPr>
             <a:r>
               <a:rPr lang="ko-KR" altLang="en-US" dirty="0"/>
-              <a:t> 다음 페이지로 전환</a:t>
-            </a:r>
+              <a:t>글쓰기 화면으로 전환</a:t>
+            </a:r>
+            <a:endParaRPr lang="en-US" altLang="ko-KR" dirty="0"/>
+          </a:p>
+          <a:p>
             <a:endParaRPr lang="en-US" altLang="ko-KR" dirty="0"/>
           </a:p>
           <a:p>
@@ -5541,22 +5545,6 @@
               <a:buFontTx/>
               <a:buChar char="-"/>
             </a:pPr>
-            <a:r>
-              <a:rPr lang="en-US" altLang="ko-KR" dirty="0"/>
-              <a:t>[</a:t>
-            </a:r>
-            <a:r>
-              <a:rPr lang="ko-KR" altLang="en-US" dirty="0"/>
-              <a:t>글쓰기</a:t>
-            </a:r>
-            <a:r>
-              <a:rPr lang="en-US" altLang="ko-KR" dirty="0"/>
-              <a:t>] </a:t>
-            </a:r>
-            <a:r>
-              <a:rPr lang="ko-KR" altLang="en-US" dirty="0"/>
-              <a:t>선택</a:t>
-            </a:r>
             <a:endParaRPr lang="en-US" altLang="ko-KR" dirty="0"/>
           </a:p>
           <a:p>
@@ -5567,27 +5555,6 @@
             <a:endParaRPr lang="en-US" altLang="ko-KR" dirty="0"/>
           </a:p>
           <a:p>
-            <a:pPr marL="285750" indent="-285750">
-              <a:buFontTx/>
-              <a:buChar char="-"/>
-            </a:pPr>
-            <a:endParaRPr lang="en-US" altLang="ko-KR" dirty="0"/>
-          </a:p>
-          <a:p>
-            <a:pPr marL="285750" indent="-285750">
-              <a:buFontTx/>
-              <a:buChar char="-"/>
-            </a:pPr>
-            <a:endParaRPr lang="en-US" altLang="ko-KR" dirty="0"/>
-          </a:p>
-          <a:p>
-            <a:pPr marL="285750" indent="-285750">
-              <a:buFontTx/>
-              <a:buChar char="-"/>
-            </a:pPr>
-            <a:endParaRPr lang="en-US" altLang="ko-KR" dirty="0"/>
-          </a:p>
-          <a:p>
             <a:r>
               <a:rPr lang="en-US" altLang="ko-KR" dirty="0"/>
               <a:t> </a:t>
@@ -5601,7 +5568,7 @@
     </p:spTree>
     <p:extLst>
       <p:ext uri="{BB962C8B-B14F-4D97-AF65-F5344CB8AC3E}">
-        <p14:creationId xmlns:p14="http://schemas.microsoft.com/office/powerpoint/2010/main" val="1327049686"/>
+        <p14:creationId xmlns:p14="http://schemas.microsoft.com/office/powerpoint/2010/main" val="3193171553"/>
       </p:ext>
     </p:extLst>
   </p:cSld>
@@ -5685,7 +5652,7 @@
           <p:cNvPr id="3" name="TextBox 2">
             <a:extLst>
               <a:ext uri="{FF2B5EF4-FFF2-40B4-BE49-F238E27FC236}">
-                <a16:creationId xmlns:a16="http://schemas.microsoft.com/office/drawing/2014/main" id="{A3F1BAE4-D90C-4677-A55F-5080F4DE24BA}"/>
+                <a16:creationId xmlns:a16="http://schemas.microsoft.com/office/drawing/2014/main" id="{CDBFCDC4-FBF2-47ED-B074-A88BD5F56657}"/>
               </a:ext>
             </a:extLst>
           </p:cNvPr>
@@ -5694,8 +5661,8 @@
         </p:nvSpPr>
         <p:spPr>
           <a:xfrm>
-            <a:off x="9043559" y="1911770"/>
-            <a:ext cx="2714205" cy="3139321"/>
+            <a:off x="8735649" y="1634771"/>
+            <a:ext cx="2714205" cy="4247317"/>
           </a:xfrm>
           <a:prstGeom prst="rect">
             <a:avLst/>
@@ -5727,20 +5694,72 @@
               <a:buChar char="-"/>
             </a:pPr>
             <a:r>
+              <a:rPr lang="ko-KR" altLang="en-US" dirty="0"/>
+              <a:t>글쓰기 화면으로 전환</a:t>
+            </a:r>
+            <a:endParaRPr lang="en-US" altLang="ko-KR" dirty="0"/>
+          </a:p>
+          <a:p>
+            <a:endParaRPr lang="en-US" altLang="ko-KR" dirty="0"/>
+          </a:p>
+          <a:p>
+            <a:pPr marL="285750" indent="-285750">
+              <a:buFont typeface="Arial" panose="020B0604020202020204" pitchFamily="34" charset="0"/>
+              <a:buChar char="•"/>
+            </a:pPr>
+            <a:r>
+              <a:rPr lang="ko-KR" altLang="en-US" dirty="0"/>
+              <a:t>글 제목</a:t>
+            </a:r>
+            <a:endParaRPr lang="en-US" altLang="ko-KR" dirty="0"/>
+          </a:p>
+          <a:p>
+            <a:pPr marL="285750" indent="-285750">
+              <a:buFont typeface="Arial" panose="020B0604020202020204" pitchFamily="34" charset="0"/>
+              <a:buChar char="•"/>
+            </a:pPr>
+            <a:r>
+              <a:rPr lang="ko-KR" altLang="en-US" dirty="0"/>
+              <a:t>글 내용</a:t>
+            </a:r>
+            <a:endParaRPr lang="en-US" altLang="ko-KR" dirty="0"/>
+          </a:p>
+          <a:p>
+            <a:pPr marL="285750" indent="-285750">
+              <a:buFont typeface="Arial" panose="020B0604020202020204" pitchFamily="34" charset="0"/>
+              <a:buChar char="•"/>
+            </a:pPr>
+            <a:r>
+              <a:rPr lang="ko-KR" altLang="en-US" dirty="0"/>
+              <a:t>파일첨부</a:t>
+            </a:r>
+            <a:endParaRPr lang="en-US" altLang="ko-KR" dirty="0"/>
+          </a:p>
+          <a:p>
+            <a:endParaRPr lang="en-US" altLang="ko-KR" dirty="0"/>
+          </a:p>
+          <a:p>
+            <a:r>
+              <a:rPr lang="ko-KR" altLang="en-US" dirty="0"/>
+              <a:t>내용 입력 후 </a:t>
+            </a:r>
+            <a:r>
               <a:rPr lang="en-US" altLang="ko-KR" dirty="0"/>
               <a:t>[</a:t>
             </a:r>
             <a:r>
               <a:rPr lang="ko-KR" altLang="en-US" dirty="0"/>
-              <a:t>글쓰기</a:t>
-            </a:r>
-            <a:r>
-              <a:rPr lang="en-US" altLang="ko-KR" dirty="0"/>
-              <a:t>] </a:t>
-            </a:r>
-            <a:r>
-              <a:rPr lang="ko-KR" altLang="en-US" dirty="0"/>
-              <a:t>버튼 선택 시</a:t>
+              <a:t>저장하기</a:t>
+            </a:r>
+            <a:r>
+              <a:rPr lang="en-US" altLang="ko-KR" dirty="0"/>
+              <a:t>]</a:t>
+            </a:r>
+          </a:p>
+          <a:p>
+            <a:r>
+              <a:rPr lang="ko-KR" altLang="en-US" dirty="0"/>
+              <a:t>선택 </a:t>
             </a:r>
             <a:endParaRPr lang="en-US" altLang="ko-KR" dirty="0"/>
           </a:p>
@@ -5756,13 +5775,6 @@
               <a:buFontTx/>
               <a:buChar char="-"/>
             </a:pPr>
-            <a:r>
-              <a:rPr lang="ko-KR" altLang="en-US" dirty="0"/>
-              <a:t>글쓰기 화면으로 전환</a:t>
-            </a:r>
-            <a:endParaRPr lang="en-US" altLang="ko-KR" dirty="0"/>
-          </a:p>
-          <a:p>
             <a:endParaRPr lang="en-US" altLang="ko-KR" dirty="0"/>
           </a:p>
           <a:p>
@@ -5773,20 +5785,6 @@
             <a:endParaRPr lang="en-US" altLang="ko-KR" dirty="0"/>
           </a:p>
           <a:p>
-            <a:pPr marL="285750" indent="-285750">
-              <a:buFontTx/>
-              <a:buChar char="-"/>
-            </a:pPr>
-            <a:endParaRPr lang="en-US" altLang="ko-KR" dirty="0"/>
-          </a:p>
-          <a:p>
-            <a:pPr marL="285750" indent="-285750">
-              <a:buFontTx/>
-              <a:buChar char="-"/>
-            </a:pPr>
-            <a:endParaRPr lang="en-US" altLang="ko-KR" dirty="0"/>
-          </a:p>
-          <a:p>
             <a:r>
               <a:rPr lang="en-US" altLang="ko-KR" dirty="0"/>
               <a:t> </a:t>
@@ -5800,7 +5798,7 @@
     </p:spTree>
     <p:extLst>
       <p:ext uri="{BB962C8B-B14F-4D97-AF65-F5344CB8AC3E}">
-        <p14:creationId xmlns:p14="http://schemas.microsoft.com/office/powerpoint/2010/main" val="3193171553"/>
+        <p14:creationId xmlns:p14="http://schemas.microsoft.com/office/powerpoint/2010/main" val="2691626326"/>
       </p:ext>
     </p:extLst>
   </p:cSld>
@@ -5829,10 +5827,10 @@
       </p:grpSpPr>
       <p:sp>
         <p:nvSpPr>
-          <p:cNvPr id="4" name="직사각형 3">
-            <a:extLst>
-              <a:ext uri="{FF2B5EF4-FFF2-40B4-BE49-F238E27FC236}">
-                <a16:creationId xmlns:a16="http://schemas.microsoft.com/office/drawing/2014/main" id="{441BB66C-3367-45FC-B8D4-DAC530078C4F}"/>
+          <p:cNvPr id="5" name="직사각형 4">
+            <a:extLst>
+              <a:ext uri="{FF2B5EF4-FFF2-40B4-BE49-F238E27FC236}">
+                <a16:creationId xmlns:a16="http://schemas.microsoft.com/office/drawing/2014/main" id="{17E19D0E-8108-4858-857B-9EE9AB408387}"/>
               </a:ext>
             </a:extLst>
           </p:cNvPr>
@@ -5881,10 +5879,10 @@
       </p:sp>
       <p:sp>
         <p:nvSpPr>
-          <p:cNvPr id="5" name="TextBox 4">
-            <a:extLst>
-              <a:ext uri="{FF2B5EF4-FFF2-40B4-BE49-F238E27FC236}">
-                <a16:creationId xmlns:a16="http://schemas.microsoft.com/office/drawing/2014/main" id="{2E79E851-D793-4A3A-BF64-C683963B1D6F}"/>
+          <p:cNvPr id="6" name="TextBox 5">
+            <a:extLst>
+              <a:ext uri="{FF2B5EF4-FFF2-40B4-BE49-F238E27FC236}">
+                <a16:creationId xmlns:a16="http://schemas.microsoft.com/office/drawing/2014/main" id="{80648725-0499-4438-9CA8-5E996EC8DD3D}"/>
               </a:ext>
             </a:extLst>
           </p:cNvPr>
@@ -5894,7 +5892,7 @@
         <p:spPr>
           <a:xfrm>
             <a:off x="8633012" y="2188769"/>
-            <a:ext cx="3558988" cy="2308324"/>
+            <a:ext cx="2973891" cy="2308324"/>
           </a:xfrm>
           <a:prstGeom prst="rect">
             <a:avLst/>
@@ -5927,61 +5925,33 @@
             </a:r>
             <a:r>
               <a:rPr lang="ko-KR" altLang="en-US" dirty="0"/>
-              <a:t>상단 </a:t>
-            </a:r>
-            <a:r>
-              <a:rPr lang="en-US" altLang="ko-KR" dirty="0"/>
-              <a:t>: </a:t>
-            </a:r>
-            <a:r>
-              <a:rPr lang="ko-KR" altLang="en-US" dirty="0"/>
-              <a:t>메인</a:t>
-            </a:r>
-            <a:r>
-              <a:rPr lang="en-US" altLang="ko-KR" dirty="0"/>
-              <a:t>/</a:t>
-            </a:r>
-            <a:r>
-              <a:rPr lang="ko-KR" altLang="en-US" dirty="0"/>
-              <a:t>게시판 </a:t>
-            </a:r>
-            <a:r>
-              <a:rPr lang="en-US" altLang="ko-KR" dirty="0"/>
-              <a:t>&amp; </a:t>
+              <a:t>우측상단 </a:t>
+            </a:r>
+            <a:r>
+              <a:rPr lang="en-US" altLang="ko-KR" dirty="0"/>
+              <a:t>[</a:t>
             </a:r>
             <a:r>
               <a:rPr lang="ko-KR" altLang="en-US" dirty="0"/>
               <a:t>접속하기</a:t>
             </a:r>
-            <a:endParaRPr lang="en-US" altLang="ko-KR" dirty="0"/>
-          </a:p>
-          <a:p>
-            <a:endParaRPr lang="en-US" altLang="ko-KR" dirty="0"/>
-          </a:p>
-          <a:p>
-            <a:r>
-              <a:rPr lang="en-US" altLang="ko-KR" dirty="0"/>
-              <a:t>- </a:t>
-            </a:r>
-            <a:r>
-              <a:rPr lang="ko-KR" altLang="en-US" dirty="0"/>
-              <a:t>메인 </a:t>
-            </a:r>
-            <a:r>
-              <a:rPr lang="en-US" altLang="ko-KR" dirty="0"/>
-              <a:t>: </a:t>
-            </a:r>
-            <a:r>
-              <a:rPr lang="ko-KR" altLang="en-US" dirty="0"/>
-              <a:t>현재화면</a:t>
-            </a:r>
-            <a:endParaRPr lang="en-US" altLang="ko-KR" dirty="0"/>
-          </a:p>
-          <a:p>
-            <a:pPr marL="285750" indent="-285750">
-              <a:buFontTx/>
-              <a:buChar char="-"/>
-            </a:pPr>
+            <a:r>
+              <a:rPr lang="en-US" altLang="ko-KR" dirty="0"/>
+              <a:t>]</a:t>
+            </a:r>
+            <a:r>
+              <a:rPr lang="ko-KR" altLang="en-US" dirty="0"/>
+              <a:t> 클릭</a:t>
+            </a:r>
+            <a:endParaRPr lang="en-US" altLang="ko-KR" dirty="0"/>
+          </a:p>
+          <a:p>
+            <a:endParaRPr lang="en-US" altLang="ko-KR" dirty="0"/>
+          </a:p>
+          <a:p>
+            <a:endParaRPr lang="en-US" altLang="ko-KR" dirty="0"/>
+          </a:p>
+          <a:p>
             <a:endParaRPr lang="en-US" altLang="ko-KR" dirty="0"/>
           </a:p>
           <a:p>
@@ -5998,7 +5968,7 @@
     </p:spTree>
     <p:extLst>
       <p:ext uri="{BB962C8B-B14F-4D97-AF65-F5344CB8AC3E}">
-        <p14:creationId xmlns:p14="http://schemas.microsoft.com/office/powerpoint/2010/main" val="1259358557"/>
+        <p14:creationId xmlns:p14="http://schemas.microsoft.com/office/powerpoint/2010/main" val="3137931594"/>
       </p:ext>
     </p:extLst>
   </p:cSld>
@@ -6082,7 +6052,7 @@
           <p:cNvPr id="3" name="TextBox 2">
             <a:extLst>
               <a:ext uri="{FF2B5EF4-FFF2-40B4-BE49-F238E27FC236}">
-                <a16:creationId xmlns:a16="http://schemas.microsoft.com/office/drawing/2014/main" id="{CDBFCDC4-FBF2-47ED-B074-A88BD5F56657}"/>
+                <a16:creationId xmlns:a16="http://schemas.microsoft.com/office/drawing/2014/main" id="{717A3023-295D-44E0-B882-694526E7609C}"/>
               </a:ext>
             </a:extLst>
           </p:cNvPr>
@@ -6092,7 +6062,7 @@
         <p:spPr>
           <a:xfrm>
             <a:off x="8735649" y="1634771"/>
-            <a:ext cx="2714205" cy="4247317"/>
+            <a:ext cx="3063659" cy="2862322"/>
           </a:xfrm>
           <a:prstGeom prst="rect">
             <a:avLst/>
@@ -6111,7 +6081,7 @@
             </a:r>
             <a:r>
               <a:rPr lang="ko-KR" altLang="en-US" dirty="0"/>
-              <a:t>글쓰기 화면</a:t>
+              <a:t>게시판 화면</a:t>
             </a:r>
             <a:endParaRPr lang="en-US" altLang="ko-KR" dirty="0"/>
           </a:p>
@@ -6124,56 +6094,6 @@
               <a:buChar char="-"/>
             </a:pPr>
             <a:r>
-              <a:rPr lang="ko-KR" altLang="en-US" dirty="0"/>
-              <a:t>글쓰기 화면으로 전환</a:t>
-            </a:r>
-            <a:endParaRPr lang="en-US" altLang="ko-KR" dirty="0"/>
-          </a:p>
-          <a:p>
-            <a:endParaRPr lang="en-US" altLang="ko-KR" dirty="0"/>
-          </a:p>
-          <a:p>
-            <a:pPr marL="285750" indent="-285750">
-              <a:buFont typeface="Arial" panose="020B0604020202020204" pitchFamily="34" charset="0"/>
-              <a:buChar char="•"/>
-            </a:pPr>
-            <a:r>
-              <a:rPr lang="ko-KR" altLang="en-US" dirty="0"/>
-              <a:t>글 제목</a:t>
-            </a:r>
-            <a:endParaRPr lang="en-US" altLang="ko-KR" dirty="0"/>
-          </a:p>
-          <a:p>
-            <a:pPr marL="285750" indent="-285750">
-              <a:buFont typeface="Arial" panose="020B0604020202020204" pitchFamily="34" charset="0"/>
-              <a:buChar char="•"/>
-            </a:pPr>
-            <a:r>
-              <a:rPr lang="ko-KR" altLang="en-US" dirty="0"/>
-              <a:t>글 내용</a:t>
-            </a:r>
-            <a:endParaRPr lang="en-US" altLang="ko-KR" dirty="0"/>
-          </a:p>
-          <a:p>
-            <a:pPr marL="285750" indent="-285750">
-              <a:buFont typeface="Arial" panose="020B0604020202020204" pitchFamily="34" charset="0"/>
-              <a:buChar char="•"/>
-            </a:pPr>
-            <a:r>
-              <a:rPr lang="ko-KR" altLang="en-US" dirty="0"/>
-              <a:t>파일첨부</a:t>
-            </a:r>
-            <a:endParaRPr lang="en-US" altLang="ko-KR" dirty="0"/>
-          </a:p>
-          <a:p>
-            <a:endParaRPr lang="en-US" altLang="ko-KR" dirty="0"/>
-          </a:p>
-          <a:p>
-            <a:r>
-              <a:rPr lang="ko-KR" altLang="en-US" dirty="0"/>
-              <a:t>내용 입력 후 </a:t>
-            </a:r>
-            <a:r>
               <a:rPr lang="en-US" altLang="ko-KR" dirty="0"/>
               <a:t>[</a:t>
             </a:r>
@@ -6183,13 +6103,11 @@
             </a:r>
             <a:r>
               <a:rPr lang="en-US" altLang="ko-KR" dirty="0"/>
-              <a:t>]</a:t>
-            </a:r>
-          </a:p>
-          <a:p>
-            <a:r>
-              <a:rPr lang="ko-KR" altLang="en-US" dirty="0"/>
-              <a:t>선택 </a:t>
+              <a:t>] </a:t>
+            </a:r>
+            <a:r>
+              <a:rPr lang="ko-KR" altLang="en-US" dirty="0"/>
+              <a:t>선택 시</a:t>
             </a:r>
             <a:endParaRPr lang="en-US" altLang="ko-KR" dirty="0"/>
           </a:p>
@@ -6205,6 +6123,10 @@
               <a:buFontTx/>
               <a:buChar char="-"/>
             </a:pPr>
+            <a:r>
+              <a:rPr lang="ko-KR" altLang="en-US" dirty="0"/>
+              <a:t>게시판 목록 화면으로 전환</a:t>
+            </a:r>
             <a:endParaRPr lang="en-US" altLang="ko-KR" dirty="0"/>
           </a:p>
           <a:p>
@@ -6215,6 +6137,20 @@
             <a:endParaRPr lang="en-US" altLang="ko-KR" dirty="0"/>
           </a:p>
           <a:p>
+            <a:pPr marL="285750" indent="-285750">
+              <a:buFontTx/>
+              <a:buChar char="-"/>
+            </a:pPr>
+            <a:endParaRPr lang="en-US" altLang="ko-KR" dirty="0"/>
+          </a:p>
+          <a:p>
+            <a:pPr marL="285750" indent="-285750">
+              <a:buFontTx/>
+              <a:buChar char="-"/>
+            </a:pPr>
+            <a:endParaRPr lang="en-US" altLang="ko-KR" dirty="0"/>
+          </a:p>
+          <a:p>
             <a:r>
               <a:rPr lang="en-US" altLang="ko-KR" dirty="0"/>
               <a:t> </a:t>
@@ -6228,7 +6164,7 @@
     </p:spTree>
     <p:extLst>
       <p:ext uri="{BB962C8B-B14F-4D97-AF65-F5344CB8AC3E}">
-        <p14:creationId xmlns:p14="http://schemas.microsoft.com/office/powerpoint/2010/main" val="2691626326"/>
+        <p14:creationId xmlns:p14="http://schemas.microsoft.com/office/powerpoint/2010/main" val="4206537430"/>
       </p:ext>
     </p:extLst>
   </p:cSld>
@@ -6312,7 +6248,7 @@
           <p:cNvPr id="3" name="TextBox 2">
             <a:extLst>
               <a:ext uri="{FF2B5EF4-FFF2-40B4-BE49-F238E27FC236}">
-                <a16:creationId xmlns:a16="http://schemas.microsoft.com/office/drawing/2014/main" id="{717A3023-295D-44E0-B882-694526E7609C}"/>
+                <a16:creationId xmlns:a16="http://schemas.microsoft.com/office/drawing/2014/main" id="{A6AB841F-BBD0-4608-8C81-46C4FB30E42D}"/>
               </a:ext>
             </a:extLst>
           </p:cNvPr>
@@ -6322,7 +6258,7 @@
         <p:spPr>
           <a:xfrm>
             <a:off x="8735649" y="1634771"/>
-            <a:ext cx="3063659" cy="2862322"/>
+            <a:ext cx="2401619" cy="2862322"/>
           </a:xfrm>
           <a:prstGeom prst="rect">
             <a:avLst/>
@@ -6355,15 +6291,7 @@
             </a:pPr>
             <a:r>
               <a:rPr lang="en-US" altLang="ko-KR" dirty="0"/>
-              <a:t>[</a:t>
-            </a:r>
-            <a:r>
-              <a:rPr lang="ko-KR" altLang="en-US" dirty="0"/>
-              <a:t>저장하기</a:t>
-            </a:r>
-            <a:r>
-              <a:rPr lang="en-US" altLang="ko-KR" dirty="0"/>
-              <a:t>] </a:t>
+              <a:t>[home] </a:t>
             </a:r>
             <a:r>
               <a:rPr lang="ko-KR" altLang="en-US" dirty="0"/>
@@ -6384,8 +6312,12 @@
               <a:buChar char="-"/>
             </a:pPr>
             <a:r>
-              <a:rPr lang="ko-KR" altLang="en-US" dirty="0"/>
-              <a:t>게시판 목록 화면으로 전환</a:t>
+              <a:rPr lang="ko-KR" altLang="en-US" dirty="0" err="1"/>
+              <a:t>메인화면으로</a:t>
+            </a:r>
+            <a:r>
+              <a:rPr lang="ko-KR" altLang="en-US" dirty="0"/>
+              <a:t> 전환</a:t>
             </a:r>
             <a:endParaRPr lang="en-US" altLang="ko-KR" dirty="0"/>
           </a:p>
@@ -6424,7 +6356,7 @@
     </p:spTree>
     <p:extLst>
       <p:ext uri="{BB962C8B-B14F-4D97-AF65-F5344CB8AC3E}">
-        <p14:creationId xmlns:p14="http://schemas.microsoft.com/office/powerpoint/2010/main" val="4206537430"/>
+        <p14:creationId xmlns:p14="http://schemas.microsoft.com/office/powerpoint/2010/main" val="2491624029"/>
       </p:ext>
     </p:extLst>
   </p:cSld>
@@ -6508,7 +6440,7 @@
           <p:cNvPr id="3" name="TextBox 2">
             <a:extLst>
               <a:ext uri="{FF2B5EF4-FFF2-40B4-BE49-F238E27FC236}">
-                <a16:creationId xmlns:a16="http://schemas.microsoft.com/office/drawing/2014/main" id="{A6AB841F-BBD0-4608-8C81-46C4FB30E42D}"/>
+                <a16:creationId xmlns:a16="http://schemas.microsoft.com/office/drawing/2014/main" id="{238476CB-5245-48C1-AB01-461F484D4E25}"/>
               </a:ext>
             </a:extLst>
           </p:cNvPr>
@@ -6517,8 +6449,8 @@
         </p:nvSpPr>
         <p:spPr>
           <a:xfrm>
-            <a:off x="8735649" y="1634771"/>
-            <a:ext cx="2401619" cy="2862322"/>
+            <a:off x="9836661" y="2362559"/>
+            <a:ext cx="1415772" cy="2677656"/>
           </a:xfrm>
           <a:prstGeom prst="rect">
             <a:avLst/>
@@ -6532,31 +6464,16 @@
           <a:lstStyle/>
           <a:p>
             <a:r>
-              <a:rPr lang="en-US" altLang="ko-KR" dirty="0"/>
-              <a:t>* </a:t>
-            </a:r>
-            <a:r>
-              <a:rPr lang="ko-KR" altLang="en-US" dirty="0"/>
-              <a:t>게시판 화면</a:t>
-            </a:r>
-            <a:endParaRPr lang="en-US" altLang="ko-KR" dirty="0"/>
-          </a:p>
-          <a:p>
-            <a:endParaRPr lang="en-US" altLang="ko-KR" dirty="0"/>
+              <a:rPr lang="ko-KR" altLang="en-US" sz="9600" dirty="0"/>
+              <a:t>끝</a:t>
+            </a:r>
+            <a:endParaRPr lang="en-US" altLang="ko-KR" sz="9600" dirty="0"/>
           </a:p>
           <a:p>
             <a:pPr marL="285750" indent="-285750">
               <a:buFontTx/>
               <a:buChar char="-"/>
             </a:pPr>
-            <a:r>
-              <a:rPr lang="en-US" altLang="ko-KR" dirty="0"/>
-              <a:t>[home] </a:t>
-            </a:r>
-            <a:r>
-              <a:rPr lang="ko-KR" altLang="en-US" dirty="0"/>
-              <a:t>선택 시</a:t>
-            </a:r>
             <a:endParaRPr lang="en-US" altLang="ko-KR" dirty="0"/>
           </a:p>
           <a:p>
@@ -6567,42 +6484,6 @@
             <a:endParaRPr lang="en-US" altLang="ko-KR" dirty="0"/>
           </a:p>
           <a:p>
-            <a:pPr marL="285750" indent="-285750">
-              <a:buFontTx/>
-              <a:buChar char="-"/>
-            </a:pPr>
-            <a:r>
-              <a:rPr lang="ko-KR" altLang="en-US" dirty="0" err="1"/>
-              <a:t>메인화면으로</a:t>
-            </a:r>
-            <a:r>
-              <a:rPr lang="ko-KR" altLang="en-US" dirty="0"/>
-              <a:t> 전환</a:t>
-            </a:r>
-            <a:endParaRPr lang="en-US" altLang="ko-KR" dirty="0"/>
-          </a:p>
-          <a:p>
-            <a:pPr marL="285750" indent="-285750">
-              <a:buFontTx/>
-              <a:buChar char="-"/>
-            </a:pPr>
-            <a:endParaRPr lang="en-US" altLang="ko-KR" dirty="0"/>
-          </a:p>
-          <a:p>
-            <a:pPr marL="285750" indent="-285750">
-              <a:buFontTx/>
-              <a:buChar char="-"/>
-            </a:pPr>
-            <a:endParaRPr lang="en-US" altLang="ko-KR" dirty="0"/>
-          </a:p>
-          <a:p>
-            <a:pPr marL="285750" indent="-285750">
-              <a:buFontTx/>
-              <a:buChar char="-"/>
-            </a:pPr>
-            <a:endParaRPr lang="en-US" altLang="ko-KR" dirty="0"/>
-          </a:p>
-          <a:p>
             <a:r>
               <a:rPr lang="en-US" altLang="ko-KR" dirty="0"/>
               <a:t> </a:t>
@@ -6616,7 +6497,7 @@
     </p:spTree>
     <p:extLst>
       <p:ext uri="{BB962C8B-B14F-4D97-AF65-F5344CB8AC3E}">
-        <p14:creationId xmlns:p14="http://schemas.microsoft.com/office/powerpoint/2010/main" val="2491624029"/>
+        <p14:creationId xmlns:p14="http://schemas.microsoft.com/office/powerpoint/2010/main" val="507028529"/>
       </p:ext>
     </p:extLst>
   </p:cSld>
@@ -6626,7 +6507,7 @@
 </p:sld>
 </file>
 
-<file path=ppt/slides/slide23.xml><?xml version="1.0" encoding="utf-8"?>
+<file path=ppt/slides/slide3.xml><?xml version="1.0" encoding="utf-8"?>
 <p:sld xmlns:a="http://schemas.openxmlformats.org/drawingml/2006/main" xmlns:r="http://schemas.openxmlformats.org/officeDocument/2006/relationships" xmlns:p="http://schemas.openxmlformats.org/presentationml/2006/main">
   <p:cSld>
     <p:spTree>
@@ -6700,7 +6581,7 @@
           <p:cNvPr id="3" name="TextBox 2">
             <a:extLst>
               <a:ext uri="{FF2B5EF4-FFF2-40B4-BE49-F238E27FC236}">
-                <a16:creationId xmlns:a16="http://schemas.microsoft.com/office/drawing/2014/main" id="{238476CB-5245-48C1-AB01-461F484D4E25}"/>
+                <a16:creationId xmlns:a16="http://schemas.microsoft.com/office/drawing/2014/main" id="{EC6E443B-D9F4-449A-B805-D39C383915EF}"/>
               </a:ext>
             </a:extLst>
           </p:cNvPr>
@@ -6709,8 +6590,8 @@
         </p:nvSpPr>
         <p:spPr>
           <a:xfrm>
-            <a:off x="9836661" y="2362559"/>
-            <a:ext cx="1415772" cy="2677656"/>
+            <a:off x="8633012" y="2188769"/>
+            <a:ext cx="3446777" cy="3970318"/>
           </a:xfrm>
           <a:prstGeom prst="rect">
             <a:avLst/>
@@ -6724,16 +6605,43 @@
           <a:lstStyle/>
           <a:p>
             <a:r>
-              <a:rPr lang="ko-KR" altLang="en-US" sz="9600" dirty="0"/>
-              <a:t>끝</a:t>
-            </a:r>
-            <a:endParaRPr lang="en-US" altLang="ko-KR" sz="9600" dirty="0"/>
+              <a:rPr lang="en-US" altLang="ko-KR" dirty="0"/>
+              <a:t>* </a:t>
+            </a:r>
+            <a:r>
+              <a:rPr lang="ko-KR" altLang="en-US" dirty="0" err="1"/>
+              <a:t>메인화면</a:t>
+            </a:r>
+            <a:endParaRPr lang="en-US" altLang="ko-KR" dirty="0"/>
+          </a:p>
+          <a:p>
+            <a:endParaRPr lang="en-US" altLang="ko-KR" dirty="0"/>
           </a:p>
           <a:p>
             <a:pPr marL="285750" indent="-285750">
               <a:buFontTx/>
               <a:buChar char="-"/>
             </a:pPr>
+            <a:r>
+              <a:rPr lang="ko-KR" altLang="en-US" dirty="0"/>
+              <a:t>우측상단 </a:t>
+            </a:r>
+            <a:r>
+              <a:rPr lang="en-US" altLang="ko-KR" dirty="0"/>
+              <a:t>[</a:t>
+            </a:r>
+            <a:r>
+              <a:rPr lang="ko-KR" altLang="en-US" dirty="0"/>
+              <a:t>접속하기</a:t>
+            </a:r>
+            <a:r>
+              <a:rPr lang="en-US" altLang="ko-KR" dirty="0"/>
+              <a:t>]</a:t>
+            </a:r>
+            <a:r>
+              <a:rPr lang="ko-KR" altLang="en-US" dirty="0"/>
+              <a:t> 클릭</a:t>
+            </a:r>
             <a:endParaRPr lang="en-US" altLang="ko-KR" dirty="0"/>
           </a:p>
           <a:p>
@@ -6746,6 +6654,62 @@
           <a:p>
             <a:r>
               <a:rPr lang="en-US" altLang="ko-KR" dirty="0"/>
+              <a:t>* </a:t>
+            </a:r>
+            <a:r>
+              <a:rPr lang="ko-KR" altLang="en-US" dirty="0"/>
+              <a:t>접속하기</a:t>
+            </a:r>
+            <a:endParaRPr lang="en-US" altLang="ko-KR" dirty="0"/>
+          </a:p>
+          <a:p>
+            <a:endParaRPr lang="en-US" altLang="ko-KR" dirty="0"/>
+          </a:p>
+          <a:p>
+            <a:pPr marL="285750" indent="-285750">
+              <a:buFontTx/>
+              <a:buChar char="-"/>
+            </a:pPr>
+            <a:r>
+              <a:rPr lang="ko-KR" altLang="en-US" dirty="0"/>
+              <a:t>로그인 </a:t>
+            </a:r>
+            <a:r>
+              <a:rPr lang="en-US" altLang="ko-KR" dirty="0"/>
+              <a:t>&amp; </a:t>
+            </a:r>
+            <a:r>
+              <a:rPr lang="ko-KR" altLang="en-US" dirty="0"/>
+              <a:t>회원가입 버튼생성</a:t>
+            </a:r>
+            <a:endParaRPr lang="en-US" altLang="ko-KR" dirty="0"/>
+          </a:p>
+          <a:p>
+            <a:pPr marL="285750" indent="-285750">
+              <a:buFontTx/>
+              <a:buChar char="-"/>
+            </a:pPr>
+            <a:endParaRPr lang="en-US" altLang="ko-KR" dirty="0"/>
+          </a:p>
+          <a:p>
+            <a:pPr marL="285750" indent="-285750">
+              <a:buFontTx/>
+              <a:buChar char="-"/>
+            </a:pPr>
+            <a:endParaRPr lang="en-US" altLang="ko-KR" dirty="0"/>
+          </a:p>
+          <a:p>
+            <a:endParaRPr lang="en-US" altLang="ko-KR" dirty="0"/>
+          </a:p>
+          <a:p>
+            <a:endParaRPr lang="en-US" altLang="ko-KR" dirty="0"/>
+          </a:p>
+          <a:p>
+            <a:endParaRPr lang="en-US" altLang="ko-KR" dirty="0"/>
+          </a:p>
+          <a:p>
+            <a:r>
+              <a:rPr lang="en-US" altLang="ko-KR" dirty="0"/>
               <a:t> </a:t>
             </a:r>
           </a:p>
@@ -6757,7 +6721,7 @@
     </p:spTree>
     <p:extLst>
       <p:ext uri="{BB962C8B-B14F-4D97-AF65-F5344CB8AC3E}">
-        <p14:creationId xmlns:p14="http://schemas.microsoft.com/office/powerpoint/2010/main" val="507028529"/>
+        <p14:creationId xmlns:p14="http://schemas.microsoft.com/office/powerpoint/2010/main" val="3382408489"/>
       </p:ext>
     </p:extLst>
   </p:cSld>
@@ -6767,7 +6731,7 @@
 </p:sld>
 </file>
 
-<file path=ppt/slides/slide3.xml><?xml version="1.0" encoding="utf-8"?>
+<file path=ppt/slides/slide4.xml><?xml version="1.0" encoding="utf-8"?>
 <p:sld xmlns:a="http://schemas.openxmlformats.org/drawingml/2006/main" xmlns:r="http://schemas.openxmlformats.org/officeDocument/2006/relationships" xmlns:p="http://schemas.openxmlformats.org/presentationml/2006/main">
   <p:cSld>
     <p:spTree>
@@ -6838,10 +6802,10 @@
       </p:sp>
       <p:sp>
         <p:nvSpPr>
-          <p:cNvPr id="6" name="TextBox 5">
-            <a:extLst>
-              <a:ext uri="{FF2B5EF4-FFF2-40B4-BE49-F238E27FC236}">
-                <a16:creationId xmlns:a16="http://schemas.microsoft.com/office/drawing/2014/main" id="{80648725-0499-4438-9CA8-5E996EC8DD3D}"/>
+          <p:cNvPr id="3" name="TextBox 2">
+            <a:extLst>
+              <a:ext uri="{FF2B5EF4-FFF2-40B4-BE49-F238E27FC236}">
+                <a16:creationId xmlns:a16="http://schemas.microsoft.com/office/drawing/2014/main" id="{A251BF6D-97B6-4755-A24F-C49C2CB245D1}"/>
               </a:ext>
             </a:extLst>
           </p:cNvPr>
@@ -6850,8 +6814,8 @@
         </p:nvSpPr>
         <p:spPr>
           <a:xfrm>
-            <a:off x="8633012" y="2188769"/>
-            <a:ext cx="2973891" cy="2308324"/>
+            <a:off x="8745223" y="2300737"/>
+            <a:ext cx="2281394" cy="2585323"/>
           </a:xfrm>
           <a:prstGeom prst="rect">
             <a:avLst/>
@@ -6864,35 +6828,34 @@
           </a:bodyPr>
           <a:lstStyle/>
           <a:p>
+            <a:pPr marL="285750" indent="-285750">
+              <a:buFontTx/>
+              <a:buChar char="-"/>
+            </a:pPr>
+            <a:endParaRPr lang="en-US" altLang="ko-KR" dirty="0"/>
+          </a:p>
+          <a:p>
             <a:r>
               <a:rPr lang="en-US" altLang="ko-KR" dirty="0"/>
               <a:t>* </a:t>
             </a:r>
             <a:r>
-              <a:rPr lang="ko-KR" altLang="en-US" dirty="0" err="1"/>
-              <a:t>메인화면</a:t>
-            </a:r>
-            <a:endParaRPr lang="en-US" altLang="ko-KR" dirty="0"/>
-          </a:p>
-          <a:p>
-            <a:endParaRPr lang="en-US" altLang="ko-KR" dirty="0"/>
-          </a:p>
-          <a:p>
-            <a:r>
-              <a:rPr lang="en-US" altLang="ko-KR" dirty="0"/>
-              <a:t>- </a:t>
-            </a:r>
-            <a:r>
-              <a:rPr lang="ko-KR" altLang="en-US" dirty="0"/>
-              <a:t>우측상단 </a:t>
-            </a:r>
-            <a:r>
-              <a:rPr lang="en-US" altLang="ko-KR" dirty="0"/>
-              <a:t>[</a:t>
-            </a:r>
-            <a:r>
-              <a:rPr lang="ko-KR" altLang="en-US" dirty="0"/>
-              <a:t>접속하기</a:t>
+              <a:rPr lang="ko-KR" altLang="en-US" dirty="0"/>
+              <a:t>로그인</a:t>
+            </a:r>
+            <a:endParaRPr lang="en-US" altLang="ko-KR" dirty="0"/>
+          </a:p>
+          <a:p>
+            <a:endParaRPr lang="en-US" altLang="ko-KR" dirty="0"/>
+          </a:p>
+          <a:p>
+            <a:r>
+              <a:rPr lang="en-US" altLang="ko-KR" dirty="0"/>
+              <a:t>- [</a:t>
+            </a:r>
+            <a:r>
+              <a:rPr lang="ko-KR" altLang="en-US" dirty="0"/>
+              <a:t>로그인</a:t>
             </a:r>
             <a:r>
               <a:rPr lang="en-US" altLang="ko-KR" dirty="0"/>
@@ -6900,7 +6863,7 @@
             </a:r>
             <a:r>
               <a:rPr lang="ko-KR" altLang="en-US" dirty="0"/>
-              <a:t> 클릭</a:t>
+              <a:t> 버튼 클릭</a:t>
             </a:r>
             <a:endParaRPr lang="en-US" altLang="ko-KR" dirty="0"/>
           </a:p>
@@ -6927,7 +6890,7 @@
     </p:spTree>
     <p:extLst>
       <p:ext uri="{BB962C8B-B14F-4D97-AF65-F5344CB8AC3E}">
-        <p14:creationId xmlns:p14="http://schemas.microsoft.com/office/powerpoint/2010/main" val="3137931594"/>
+        <p14:creationId xmlns:p14="http://schemas.microsoft.com/office/powerpoint/2010/main" val="3318018836"/>
       </p:ext>
     </p:extLst>
   </p:cSld>
@@ -6937,7 +6900,7 @@
 </p:sld>
 </file>
 
-<file path=ppt/slides/slide4.xml><?xml version="1.0" encoding="utf-8"?>
+<file path=ppt/slides/slide5.xml><?xml version="1.0" encoding="utf-8"?>
 <p:sld xmlns:a="http://schemas.openxmlformats.org/drawingml/2006/main" xmlns:r="http://schemas.openxmlformats.org/officeDocument/2006/relationships" xmlns:p="http://schemas.openxmlformats.org/presentationml/2006/main">
   <p:cSld>
     <p:spTree>
@@ -7011,7 +6974,7 @@
           <p:cNvPr id="3" name="TextBox 2">
             <a:extLst>
               <a:ext uri="{FF2B5EF4-FFF2-40B4-BE49-F238E27FC236}">
-                <a16:creationId xmlns:a16="http://schemas.microsoft.com/office/drawing/2014/main" id="{EC6E443B-D9F4-449A-B805-D39C383915EF}"/>
+                <a16:creationId xmlns:a16="http://schemas.microsoft.com/office/drawing/2014/main" id="{D2164285-DD5E-4C32-B579-83780B60B8B1}"/>
               </a:ext>
             </a:extLst>
           </p:cNvPr>
@@ -7020,8 +6983,8 @@
         </p:nvSpPr>
         <p:spPr>
           <a:xfrm>
-            <a:off x="8633012" y="2188769"/>
-            <a:ext cx="3446777" cy="3970318"/>
+            <a:off x="8717402" y="1997839"/>
+            <a:ext cx="2605200" cy="2862322"/>
           </a:xfrm>
           <a:prstGeom prst="rect">
             <a:avLst/>
@@ -7034,101 +6997,57 @@
           </a:bodyPr>
           <a:lstStyle/>
           <a:p>
-            <a:r>
-              <a:rPr lang="en-US" altLang="ko-KR" dirty="0"/>
-              <a:t>* </a:t>
-            </a:r>
-            <a:r>
-              <a:rPr lang="ko-KR" altLang="en-US" dirty="0" err="1"/>
-              <a:t>메인화면</a:t>
-            </a:r>
-            <a:endParaRPr lang="en-US" altLang="ko-KR" dirty="0"/>
-          </a:p>
-          <a:p>
-            <a:endParaRPr lang="en-US" altLang="ko-KR" dirty="0"/>
-          </a:p>
-          <a:p>
             <a:pPr marL="285750" indent="-285750">
               <a:buFontTx/>
               <a:buChar char="-"/>
             </a:pPr>
-            <a:r>
-              <a:rPr lang="ko-KR" altLang="en-US" dirty="0"/>
-              <a:t>우측상단 </a:t>
-            </a:r>
-            <a:r>
-              <a:rPr lang="en-US" altLang="ko-KR" dirty="0"/>
-              <a:t>[</a:t>
-            </a:r>
-            <a:r>
-              <a:rPr lang="ko-KR" altLang="en-US" dirty="0"/>
-              <a:t>접속하기</a:t>
-            </a:r>
-            <a:r>
-              <a:rPr lang="en-US" altLang="ko-KR" dirty="0"/>
-              <a:t>]</a:t>
-            </a:r>
-            <a:r>
-              <a:rPr lang="ko-KR" altLang="en-US" dirty="0"/>
-              <a:t> 클릭</a:t>
-            </a:r>
+            <a:endParaRPr lang="en-US" altLang="ko-KR" dirty="0"/>
+          </a:p>
+          <a:p>
+            <a:r>
+              <a:rPr lang="en-US" altLang="ko-KR" dirty="0"/>
+              <a:t>* </a:t>
+            </a:r>
+            <a:r>
+              <a:rPr lang="ko-KR" altLang="en-US" dirty="0"/>
+              <a:t>로그인 화면으로 전환</a:t>
+            </a:r>
+            <a:endParaRPr lang="en-US" altLang="ko-KR" dirty="0"/>
+          </a:p>
+          <a:p>
             <a:endParaRPr lang="en-US" altLang="ko-KR" dirty="0"/>
           </a:p>
           <a:p>
             <a:pPr marL="285750" indent="-285750">
-              <a:buFontTx/>
-              <a:buChar char="-"/>
+              <a:buFont typeface="Arial" panose="020B0604020202020204" pitchFamily="34" charset="0"/>
+              <a:buChar char="•"/>
             </a:pPr>
-            <a:endParaRPr lang="en-US" altLang="ko-KR" dirty="0"/>
-          </a:p>
-          <a:p>
-            <a:r>
-              <a:rPr lang="en-US" altLang="ko-KR" dirty="0"/>
-              <a:t>* </a:t>
-            </a:r>
-            <a:r>
-              <a:rPr lang="ko-KR" altLang="en-US" dirty="0"/>
-              <a:t>접속하기</a:t>
-            </a:r>
-            <a:endParaRPr lang="en-US" altLang="ko-KR" dirty="0"/>
-          </a:p>
-          <a:p>
+            <a:r>
+              <a:rPr lang="ko-KR" altLang="en-US" dirty="0"/>
+              <a:t>아이디</a:t>
+            </a:r>
             <a:endParaRPr lang="en-US" altLang="ko-KR" dirty="0"/>
           </a:p>
           <a:p>
             <a:pPr marL="285750" indent="-285750">
-              <a:buFontTx/>
-              <a:buChar char="-"/>
+              <a:buFont typeface="Arial" panose="020B0604020202020204" pitchFamily="34" charset="0"/>
+              <a:buChar char="•"/>
             </a:pPr>
             <a:r>
               <a:rPr lang="ko-KR" altLang="en-US" dirty="0"/>
-              <a:t>로그인 </a:t>
-            </a:r>
-            <a:r>
-              <a:rPr lang="en-US" altLang="ko-KR" dirty="0"/>
-              <a:t>&amp; </a:t>
-            </a:r>
-            <a:r>
-              <a:rPr lang="ko-KR" altLang="en-US" dirty="0"/>
-              <a:t>회원가입 버튼생성</a:t>
+              <a:t>패스워드 </a:t>
             </a:r>
             <a:endParaRPr lang="en-US" altLang="ko-KR" dirty="0"/>
           </a:p>
           <a:p>
             <a:pPr marL="285750" indent="-285750">
-              <a:buFontTx/>
-              <a:buChar char="-"/>
+              <a:buFont typeface="Arial" panose="020B0604020202020204" pitchFamily="34" charset="0"/>
+              <a:buChar char="•"/>
             </a:pPr>
-            <a:endParaRPr lang="en-US" altLang="ko-KR" dirty="0"/>
-          </a:p>
-          <a:p>
-            <a:pPr marL="285750" indent="-285750">
-              <a:buFontTx/>
-              <a:buChar char="-"/>
-            </a:pPr>
-            <a:endParaRPr lang="en-US" altLang="ko-KR" dirty="0"/>
-          </a:p>
-          <a:p>
+            <a:r>
+              <a:rPr lang="ko-KR" altLang="en-US" dirty="0"/>
+              <a:t>로그인 버튼 생성</a:t>
+            </a:r>
             <a:endParaRPr lang="en-US" altLang="ko-KR" dirty="0"/>
           </a:p>
           <a:p>
@@ -7151,7 +7070,7 @@
     </p:spTree>
     <p:extLst>
       <p:ext uri="{BB962C8B-B14F-4D97-AF65-F5344CB8AC3E}">
-        <p14:creationId xmlns:p14="http://schemas.microsoft.com/office/powerpoint/2010/main" val="3382408489"/>
+        <p14:creationId xmlns:p14="http://schemas.microsoft.com/office/powerpoint/2010/main" val="4166464130"/>
       </p:ext>
     </p:extLst>
   </p:cSld>
@@ -7161,7 +7080,7 @@
 </p:sld>
 </file>
 
-<file path=ppt/slides/slide5.xml><?xml version="1.0" encoding="utf-8"?>
+<file path=ppt/slides/slide6.xml><?xml version="1.0" encoding="utf-8"?>
 <p:sld xmlns:a="http://schemas.openxmlformats.org/drawingml/2006/main" xmlns:r="http://schemas.openxmlformats.org/officeDocument/2006/relationships" xmlns:p="http://schemas.openxmlformats.org/presentationml/2006/main">
   <p:cSld>
     <p:spTree>
@@ -7235,7 +7154,7 @@
           <p:cNvPr id="3" name="TextBox 2">
             <a:extLst>
               <a:ext uri="{FF2B5EF4-FFF2-40B4-BE49-F238E27FC236}">
-                <a16:creationId xmlns:a16="http://schemas.microsoft.com/office/drawing/2014/main" id="{A251BF6D-97B6-4755-A24F-C49C2CB245D1}"/>
+                <a16:creationId xmlns:a16="http://schemas.microsoft.com/office/drawing/2014/main" id="{F0A4BC52-1C62-404B-AFA7-CA6A691B6B47}"/>
               </a:ext>
             </a:extLst>
           </p:cNvPr>
@@ -7244,8 +7163,8 @@
         </p:nvSpPr>
         <p:spPr>
           <a:xfrm>
-            <a:off x="8745223" y="2300737"/>
-            <a:ext cx="2281394" cy="2585323"/>
+            <a:off x="8829370" y="1496272"/>
+            <a:ext cx="2605200" cy="3970318"/>
           </a:xfrm>
           <a:prstGeom prst="rect">
             <a:avLst/>
@@ -7271,33 +7190,80 @@
             </a:r>
             <a:r>
               <a:rPr lang="ko-KR" altLang="en-US" dirty="0"/>
+              <a:t>로그인 화면으로 전환</a:t>
+            </a:r>
+            <a:endParaRPr lang="en-US" altLang="ko-KR" dirty="0"/>
+          </a:p>
+          <a:p>
+            <a:endParaRPr lang="en-US" altLang="ko-KR" dirty="0"/>
+          </a:p>
+          <a:p>
+            <a:pPr marL="285750" indent="-285750">
+              <a:buFont typeface="Arial" panose="020B0604020202020204" pitchFamily="34" charset="0"/>
+              <a:buChar char="•"/>
+            </a:pPr>
+            <a:r>
+              <a:rPr lang="ko-KR" altLang="en-US" dirty="0"/>
+              <a:t>아이디</a:t>
+            </a:r>
+            <a:endParaRPr lang="en-US" altLang="ko-KR" dirty="0"/>
+          </a:p>
+          <a:p>
+            <a:pPr marL="285750" indent="-285750">
+              <a:buFont typeface="Arial" panose="020B0604020202020204" pitchFamily="34" charset="0"/>
+              <a:buChar char="•"/>
+            </a:pPr>
+            <a:r>
+              <a:rPr lang="ko-KR" altLang="en-US" dirty="0"/>
+              <a:t>패스워드 </a:t>
+            </a:r>
+            <a:endParaRPr lang="en-US" altLang="ko-KR" dirty="0"/>
+          </a:p>
+          <a:p>
+            <a:pPr marL="285750" indent="-285750">
+              <a:buFont typeface="Arial" panose="020B0604020202020204" pitchFamily="34" charset="0"/>
+              <a:buChar char="•"/>
+            </a:pPr>
+            <a:r>
+              <a:rPr lang="ko-KR" altLang="en-US" dirty="0"/>
+              <a:t>로그인   </a:t>
+            </a:r>
+            <a:endParaRPr lang="en-US" altLang="ko-KR" dirty="0"/>
+          </a:p>
+          <a:p>
+            <a:pPr marL="285750" indent="-285750">
+              <a:buFont typeface="Arial" panose="020B0604020202020204" pitchFamily="34" charset="0"/>
+              <a:buChar char="•"/>
+            </a:pPr>
+            <a:endParaRPr lang="en-US" altLang="ko-KR" dirty="0"/>
+          </a:p>
+          <a:p>
+            <a:r>
+              <a:rPr lang="ko-KR" altLang="en-US" dirty="0"/>
+              <a:t>위 세가지 모두 입력 후</a:t>
+            </a:r>
+            <a:endParaRPr lang="en-US" altLang="ko-KR" dirty="0"/>
+          </a:p>
+          <a:p>
+            <a:endParaRPr lang="en-US" altLang="ko-KR" dirty="0"/>
+          </a:p>
+          <a:p>
+            <a:r>
+              <a:rPr lang="en-US" altLang="ko-KR" dirty="0"/>
+              <a:t>[</a:t>
+            </a:r>
+            <a:r>
+              <a:rPr lang="ko-KR" altLang="en-US" dirty="0"/>
               <a:t>로그인</a:t>
             </a:r>
-            <a:endParaRPr lang="en-US" altLang="ko-KR" dirty="0"/>
-          </a:p>
-          <a:p>
-            <a:endParaRPr lang="en-US" altLang="ko-KR" dirty="0"/>
-          </a:p>
-          <a:p>
-            <a:r>
-              <a:rPr lang="en-US" altLang="ko-KR" dirty="0"/>
-              <a:t>- [</a:t>
-            </a:r>
-            <a:r>
-              <a:rPr lang="ko-KR" altLang="en-US" dirty="0"/>
-              <a:t>로그인</a:t>
-            </a:r>
-            <a:r>
-              <a:rPr lang="en-US" altLang="ko-KR" dirty="0"/>
-              <a:t>]</a:t>
-            </a:r>
-            <a:r>
-              <a:rPr lang="ko-KR" altLang="en-US" dirty="0"/>
-              <a:t> 버튼 클릭</a:t>
-            </a:r>
-            <a:endParaRPr lang="en-US" altLang="ko-KR" dirty="0"/>
-          </a:p>
-          <a:p>
+            <a:r>
+              <a:rPr lang="en-US" altLang="ko-KR" dirty="0"/>
+              <a:t>] </a:t>
+            </a:r>
+            <a:r>
+              <a:rPr lang="ko-KR" altLang="en-US" dirty="0"/>
+              <a:t>버튼 클릭</a:t>
+            </a:r>
             <a:endParaRPr lang="en-US" altLang="ko-KR" dirty="0"/>
           </a:p>
           <a:p>
@@ -7320,7 +7286,7 @@
     </p:spTree>
     <p:extLst>
       <p:ext uri="{BB962C8B-B14F-4D97-AF65-F5344CB8AC3E}">
-        <p14:creationId xmlns:p14="http://schemas.microsoft.com/office/powerpoint/2010/main" val="3318018836"/>
+        <p14:creationId xmlns:p14="http://schemas.microsoft.com/office/powerpoint/2010/main" val="207191561"/>
       </p:ext>
     </p:extLst>
   </p:cSld>
@@ -7330,7 +7296,7 @@
 </p:sld>
 </file>
 
-<file path=ppt/slides/slide6.xml><?xml version="1.0" encoding="utf-8"?>
+<file path=ppt/slides/slide7.xml><?xml version="1.0" encoding="utf-8"?>
 <p:sld xmlns:a="http://schemas.openxmlformats.org/drawingml/2006/main" xmlns:r="http://schemas.openxmlformats.org/officeDocument/2006/relationships" xmlns:p="http://schemas.openxmlformats.org/presentationml/2006/main">
   <p:cSld>
     <p:spTree>
@@ -7404,7 +7370,7 @@
           <p:cNvPr id="3" name="TextBox 2">
             <a:extLst>
               <a:ext uri="{FF2B5EF4-FFF2-40B4-BE49-F238E27FC236}">
-                <a16:creationId xmlns:a16="http://schemas.microsoft.com/office/drawing/2014/main" id="{D2164285-DD5E-4C32-B579-83780B60B8B1}"/>
+                <a16:creationId xmlns:a16="http://schemas.microsoft.com/office/drawing/2014/main" id="{79209346-212C-408F-9FB0-B66ADF3A1D2A}"/>
               </a:ext>
             </a:extLst>
           </p:cNvPr>
@@ -7413,8 +7379,8 @@
         </p:nvSpPr>
         <p:spPr>
           <a:xfrm>
-            <a:off x="8717402" y="1997839"/>
-            <a:ext cx="2605200" cy="2862322"/>
+            <a:off x="8754725" y="2274838"/>
+            <a:ext cx="3199915" cy="2308324"/>
           </a:xfrm>
           <a:prstGeom prst="rect">
             <a:avLst/>
@@ -7439,44 +7405,26 @@
               <a:t>* </a:t>
             </a:r>
             <a:r>
-              <a:rPr lang="ko-KR" altLang="en-US" dirty="0"/>
-              <a:t>로그인 화면으로 전환</a:t>
-            </a:r>
-            <a:endParaRPr lang="en-US" altLang="ko-KR" dirty="0"/>
-          </a:p>
-          <a:p>
-            <a:endParaRPr lang="en-US" altLang="ko-KR" dirty="0"/>
-          </a:p>
-          <a:p>
-            <a:pPr marL="285750" indent="-285750">
-              <a:buFont typeface="Arial" panose="020B0604020202020204" pitchFamily="34" charset="0"/>
-              <a:buChar char="•"/>
-            </a:pPr>
-            <a:r>
-              <a:rPr lang="ko-KR" altLang="en-US" dirty="0"/>
-              <a:t>아이디</a:t>
-            </a:r>
-            <a:endParaRPr lang="en-US" altLang="ko-KR" dirty="0"/>
-          </a:p>
-          <a:p>
-            <a:pPr marL="285750" indent="-285750">
-              <a:buFont typeface="Arial" panose="020B0604020202020204" pitchFamily="34" charset="0"/>
-              <a:buChar char="•"/>
-            </a:pPr>
-            <a:r>
-              <a:rPr lang="ko-KR" altLang="en-US" dirty="0"/>
-              <a:t>패스워드 </a:t>
-            </a:r>
-            <a:endParaRPr lang="en-US" altLang="ko-KR" dirty="0"/>
-          </a:p>
-          <a:p>
-            <a:pPr marL="285750" indent="-285750">
-              <a:buFont typeface="Arial" panose="020B0604020202020204" pitchFamily="34" charset="0"/>
-              <a:buChar char="•"/>
-            </a:pPr>
-            <a:r>
-              <a:rPr lang="ko-KR" altLang="en-US" dirty="0"/>
-              <a:t>로그인 버튼 생성</a:t>
+              <a:rPr lang="ko-KR" altLang="en-US" dirty="0" err="1"/>
+              <a:t>메인화면</a:t>
+            </a:r>
+            <a:endParaRPr lang="en-US" altLang="ko-KR" dirty="0"/>
+          </a:p>
+          <a:p>
+            <a:endParaRPr lang="en-US" altLang="ko-KR" dirty="0"/>
+          </a:p>
+          <a:p>
+            <a:r>
+              <a:rPr lang="ko-KR" altLang="en-US" dirty="0"/>
+              <a:t>로그인 시 </a:t>
+            </a:r>
+            <a:r>
+              <a:rPr lang="ko-KR" altLang="en-US" dirty="0" err="1"/>
+              <a:t>메인화면으로</a:t>
+            </a:r>
+            <a:r>
+              <a:rPr lang="ko-KR" altLang="en-US" dirty="0"/>
+              <a:t> 전환</a:t>
             </a:r>
             <a:endParaRPr lang="en-US" altLang="ko-KR" dirty="0"/>
           </a:p>
@@ -7500,7 +7448,7 @@
     </p:spTree>
     <p:extLst>
       <p:ext uri="{BB962C8B-B14F-4D97-AF65-F5344CB8AC3E}">
-        <p14:creationId xmlns:p14="http://schemas.microsoft.com/office/powerpoint/2010/main" val="4166464130"/>
+        <p14:creationId xmlns:p14="http://schemas.microsoft.com/office/powerpoint/2010/main" val="129202563"/>
       </p:ext>
     </p:extLst>
   </p:cSld>
@@ -7510,7 +7458,7 @@
 </p:sld>
 </file>
 
-<file path=ppt/slides/slide7.xml><?xml version="1.0" encoding="utf-8"?>
+<file path=ppt/slides/slide8.xml><?xml version="1.0" encoding="utf-8"?>
 <p:sld xmlns:a="http://schemas.openxmlformats.org/drawingml/2006/main" xmlns:r="http://schemas.openxmlformats.org/officeDocument/2006/relationships" xmlns:p="http://schemas.openxmlformats.org/presentationml/2006/main">
   <p:cSld>
     <p:spTree>
@@ -7581,10 +7529,10 @@
       </p:sp>
       <p:sp>
         <p:nvSpPr>
-          <p:cNvPr id="3" name="TextBox 2">
-            <a:extLst>
-              <a:ext uri="{FF2B5EF4-FFF2-40B4-BE49-F238E27FC236}">
-                <a16:creationId xmlns:a16="http://schemas.microsoft.com/office/drawing/2014/main" id="{F0A4BC52-1C62-404B-AFA7-CA6A691B6B47}"/>
+          <p:cNvPr id="4" name="TextBox 3">
+            <a:extLst>
+              <a:ext uri="{FF2B5EF4-FFF2-40B4-BE49-F238E27FC236}">
+                <a16:creationId xmlns:a16="http://schemas.microsoft.com/office/drawing/2014/main" id="{61415CF9-2635-49C6-B775-6D322D8996AD}"/>
               </a:ext>
             </a:extLst>
           </p:cNvPr>
@@ -7593,8 +7541,8 @@
         </p:nvSpPr>
         <p:spPr>
           <a:xfrm>
-            <a:off x="8829370" y="1496272"/>
-            <a:ext cx="2605200" cy="3970318"/>
+            <a:off x="8633012" y="2188769"/>
+            <a:ext cx="2106667" cy="2585323"/>
           </a:xfrm>
           <a:prstGeom prst="rect">
             <a:avLst/>
@@ -7607,99 +7555,80 @@
           </a:bodyPr>
           <a:lstStyle/>
           <a:p>
+            <a:r>
+              <a:rPr lang="en-US" altLang="ko-KR" dirty="0"/>
+              <a:t>* </a:t>
+            </a:r>
+            <a:r>
+              <a:rPr lang="ko-KR" altLang="en-US" dirty="0" err="1"/>
+              <a:t>메인화면</a:t>
+            </a:r>
+            <a:endParaRPr lang="en-US" altLang="ko-KR" dirty="0"/>
+          </a:p>
+          <a:p>
+            <a:endParaRPr lang="en-US" altLang="ko-KR" dirty="0"/>
+          </a:p>
+          <a:p>
+            <a:r>
+              <a:rPr lang="en-US" altLang="ko-KR" dirty="0"/>
+              <a:t>- </a:t>
+            </a:r>
+            <a:r>
+              <a:rPr lang="ko-KR" altLang="en-US" dirty="0"/>
+              <a:t>상단 </a:t>
+            </a:r>
+            <a:endParaRPr lang="en-US" altLang="ko-KR" dirty="0"/>
+          </a:p>
+          <a:p>
+            <a:r>
+              <a:rPr lang="ko-KR" altLang="en-US" dirty="0"/>
+              <a:t>좌측 </a:t>
+            </a:r>
+            <a:r>
+              <a:rPr lang="en-US" altLang="ko-KR" dirty="0"/>
+              <a:t>: </a:t>
+            </a:r>
+            <a:r>
+              <a:rPr lang="ko-KR" altLang="en-US" dirty="0"/>
+              <a:t>메인</a:t>
+            </a:r>
+            <a:r>
+              <a:rPr lang="en-US" altLang="ko-KR" dirty="0"/>
+              <a:t>/</a:t>
+            </a:r>
+            <a:r>
+              <a:rPr lang="ko-KR" altLang="en-US" dirty="0"/>
+              <a:t>게시판</a:t>
+            </a:r>
+            <a:endParaRPr lang="en-US" altLang="ko-KR" dirty="0"/>
+          </a:p>
+          <a:p>
+            <a:r>
+              <a:rPr lang="ko-KR" altLang="en-US" dirty="0"/>
+              <a:t>우측 </a:t>
+            </a:r>
+            <a:r>
+              <a:rPr lang="en-US" altLang="ko-KR" dirty="0"/>
+              <a:t>: </a:t>
+            </a:r>
+            <a:r>
+              <a:rPr lang="ko-KR" altLang="en-US" dirty="0"/>
+              <a:t>접속하기</a:t>
+            </a:r>
+            <a:endParaRPr lang="en-US" altLang="ko-KR" dirty="0"/>
+          </a:p>
+          <a:p>
+            <a:endParaRPr lang="en-US" altLang="ko-KR" dirty="0"/>
+          </a:p>
+          <a:p>
             <a:pPr marL="285750" indent="-285750">
               <a:buFontTx/>
               <a:buChar char="-"/>
             </a:pPr>
-            <a:endParaRPr lang="en-US" altLang="ko-KR" dirty="0"/>
-          </a:p>
-          <a:p>
-            <a:r>
-              <a:rPr lang="en-US" altLang="ko-KR" dirty="0"/>
-              <a:t>* </a:t>
-            </a:r>
-            <a:r>
-              <a:rPr lang="ko-KR" altLang="en-US" dirty="0"/>
-              <a:t>로그인 화면으로 전환</a:t>
-            </a:r>
-            <a:endParaRPr lang="en-US" altLang="ko-KR" dirty="0"/>
-          </a:p>
-          <a:p>
-            <a:endParaRPr lang="en-US" altLang="ko-KR" dirty="0"/>
-          </a:p>
-          <a:p>
-            <a:pPr marL="285750" indent="-285750">
-              <a:buFont typeface="Arial" panose="020B0604020202020204" pitchFamily="34" charset="0"/>
-              <a:buChar char="•"/>
-            </a:pPr>
-            <a:r>
-              <a:rPr lang="ko-KR" altLang="en-US" dirty="0"/>
-              <a:t>아이디</a:t>
-            </a:r>
-            <a:endParaRPr lang="en-US" altLang="ko-KR" dirty="0"/>
-          </a:p>
-          <a:p>
-            <a:pPr marL="285750" indent="-285750">
-              <a:buFont typeface="Arial" panose="020B0604020202020204" pitchFamily="34" charset="0"/>
-              <a:buChar char="•"/>
-            </a:pPr>
-            <a:r>
-              <a:rPr lang="ko-KR" altLang="en-US" dirty="0"/>
-              <a:t>패스워드 </a:t>
-            </a:r>
-            <a:endParaRPr lang="en-US" altLang="ko-KR" dirty="0"/>
-          </a:p>
-          <a:p>
-            <a:pPr marL="285750" indent="-285750">
-              <a:buFont typeface="Arial" panose="020B0604020202020204" pitchFamily="34" charset="0"/>
-              <a:buChar char="•"/>
-            </a:pPr>
-            <a:r>
-              <a:rPr lang="ko-KR" altLang="en-US" dirty="0"/>
-              <a:t>로그인   </a:t>
-            </a:r>
-            <a:endParaRPr lang="en-US" altLang="ko-KR" dirty="0"/>
-          </a:p>
-          <a:p>
-            <a:pPr marL="285750" indent="-285750">
-              <a:buFont typeface="Arial" panose="020B0604020202020204" pitchFamily="34" charset="0"/>
-              <a:buChar char="•"/>
-            </a:pPr>
-            <a:endParaRPr lang="en-US" altLang="ko-KR" dirty="0"/>
-          </a:p>
-          <a:p>
-            <a:r>
-              <a:rPr lang="ko-KR" altLang="en-US" dirty="0"/>
-              <a:t>위 세가지 모두 입력 후</a:t>
-            </a:r>
-            <a:endParaRPr lang="en-US" altLang="ko-KR" dirty="0"/>
-          </a:p>
-          <a:p>
-            <a:endParaRPr lang="en-US" altLang="ko-KR" dirty="0"/>
-          </a:p>
-          <a:p>
-            <a:r>
-              <a:rPr lang="en-US" altLang="ko-KR" dirty="0"/>
-              <a:t>[</a:t>
-            </a:r>
-            <a:r>
-              <a:rPr lang="ko-KR" altLang="en-US" dirty="0"/>
-              <a:t>로그인</a:t>
-            </a:r>
-            <a:r>
-              <a:rPr lang="en-US" altLang="ko-KR" dirty="0"/>
-              <a:t>] </a:t>
-            </a:r>
-            <a:r>
-              <a:rPr lang="ko-KR" altLang="en-US" dirty="0"/>
-              <a:t>버튼 클릭</a:t>
-            </a:r>
-            <a:endParaRPr lang="en-US" altLang="ko-KR" dirty="0"/>
-          </a:p>
-          <a:p>
-            <a:endParaRPr lang="en-US" altLang="ko-KR" dirty="0"/>
-          </a:p>
-          <a:p>
+            <a:r>
+              <a:rPr lang="ko-KR" altLang="en-US" dirty="0"/>
+              <a:t>접속하기 선택</a:t>
+            </a:r>
             <a:endParaRPr lang="en-US" altLang="ko-KR" dirty="0"/>
           </a:p>
           <a:p>
@@ -7716,7 +7645,7 @@
     </p:spTree>
     <p:extLst>
       <p:ext uri="{BB962C8B-B14F-4D97-AF65-F5344CB8AC3E}">
-        <p14:creationId xmlns:p14="http://schemas.microsoft.com/office/powerpoint/2010/main" val="207191561"/>
+        <p14:creationId xmlns:p14="http://schemas.microsoft.com/office/powerpoint/2010/main" val="1686348296"/>
       </p:ext>
     </p:extLst>
   </p:cSld>
@@ -7726,7 +7655,7 @@
 </p:sld>
 </file>
 
-<file path=ppt/slides/slide8.xml><?xml version="1.0" encoding="utf-8"?>
+<file path=ppt/slides/slide9.xml><?xml version="1.0" encoding="utf-8"?>
 <p:sld xmlns:a="http://schemas.openxmlformats.org/drawingml/2006/main" xmlns:r="http://schemas.openxmlformats.org/officeDocument/2006/relationships" xmlns:p="http://schemas.openxmlformats.org/presentationml/2006/main">
   <p:cSld>
     <p:spTree>
@@ -7800,7 +7729,7 @@
           <p:cNvPr id="3" name="TextBox 2">
             <a:extLst>
               <a:ext uri="{FF2B5EF4-FFF2-40B4-BE49-F238E27FC236}">
-                <a16:creationId xmlns:a16="http://schemas.microsoft.com/office/drawing/2014/main" id="{79209346-212C-408F-9FB0-B66ADF3A1D2A}"/>
+                <a16:creationId xmlns:a16="http://schemas.microsoft.com/office/drawing/2014/main" id="{EABE7436-3450-4023-99E2-37B6EE411AEB}"/>
               </a:ext>
             </a:extLst>
           </p:cNvPr>
@@ -7809,8 +7738,8 @@
         </p:nvSpPr>
         <p:spPr>
           <a:xfrm>
-            <a:off x="8754725" y="2274838"/>
-            <a:ext cx="3199915" cy="2308324"/>
+            <a:off x="8577443" y="1911770"/>
+            <a:ext cx="3446777" cy="3139321"/>
           </a:xfrm>
           <a:prstGeom prst="rect">
             <a:avLst/>
@@ -7823,231 +7752,107 @@
           </a:bodyPr>
           <a:lstStyle/>
           <a:p>
+            <a:r>
+              <a:rPr lang="en-US" altLang="ko-KR" dirty="0"/>
+              <a:t>* </a:t>
+            </a:r>
+            <a:r>
+              <a:rPr lang="ko-KR" altLang="en-US" dirty="0" err="1"/>
+              <a:t>메인화면</a:t>
+            </a:r>
+            <a:endParaRPr lang="en-US" altLang="ko-KR" dirty="0"/>
+          </a:p>
+          <a:p>
+            <a:endParaRPr lang="en-US" altLang="ko-KR" dirty="0"/>
+          </a:p>
+          <a:p>
+            <a:r>
+              <a:rPr lang="en-US" altLang="ko-KR" dirty="0"/>
+              <a:t>- </a:t>
+            </a:r>
+            <a:r>
+              <a:rPr lang="ko-KR" altLang="en-US" dirty="0"/>
+              <a:t>상단 </a:t>
+            </a:r>
+            <a:endParaRPr lang="en-US" altLang="ko-KR" dirty="0"/>
+          </a:p>
+          <a:p>
+            <a:r>
+              <a:rPr lang="ko-KR" altLang="en-US" dirty="0"/>
+              <a:t>좌측 </a:t>
+            </a:r>
+            <a:r>
+              <a:rPr lang="en-US" altLang="ko-KR" dirty="0"/>
+              <a:t>: </a:t>
+            </a:r>
+            <a:r>
+              <a:rPr lang="ko-KR" altLang="en-US" dirty="0"/>
+              <a:t>메인</a:t>
+            </a:r>
+            <a:r>
+              <a:rPr lang="en-US" altLang="ko-KR" dirty="0"/>
+              <a:t>/</a:t>
+            </a:r>
+            <a:r>
+              <a:rPr lang="ko-KR" altLang="en-US" dirty="0"/>
+              <a:t>게시판</a:t>
+            </a:r>
+            <a:endParaRPr lang="en-US" altLang="ko-KR" dirty="0"/>
+          </a:p>
+          <a:p>
+            <a:r>
+              <a:rPr lang="ko-KR" altLang="en-US" dirty="0"/>
+              <a:t>우측 </a:t>
+            </a:r>
+            <a:r>
+              <a:rPr lang="en-US" altLang="ko-KR" dirty="0"/>
+              <a:t>: </a:t>
+            </a:r>
+            <a:r>
+              <a:rPr lang="ko-KR" altLang="en-US" dirty="0"/>
+              <a:t>접속하기</a:t>
+            </a:r>
+            <a:endParaRPr lang="en-US" altLang="ko-KR" dirty="0"/>
+          </a:p>
+          <a:p>
+            <a:endParaRPr lang="en-US" altLang="ko-KR" dirty="0"/>
+          </a:p>
+          <a:p>
+            <a:r>
+              <a:rPr lang="en-US" altLang="ko-KR" dirty="0"/>
+              <a:t>* [</a:t>
+            </a:r>
+            <a:r>
+              <a:rPr lang="ko-KR" altLang="en-US" dirty="0"/>
+              <a:t>접속하기</a:t>
+            </a:r>
+            <a:r>
+              <a:rPr lang="en-US" altLang="ko-KR" dirty="0"/>
+              <a:t>]</a:t>
+            </a:r>
+            <a:r>
+              <a:rPr lang="ko-KR" altLang="en-US" dirty="0"/>
+              <a:t> 선택</a:t>
+            </a:r>
+            <a:endParaRPr lang="en-US" altLang="ko-KR" dirty="0"/>
+          </a:p>
+          <a:p>
             <a:pPr marL="285750" indent="-285750">
               <a:buFontTx/>
               <a:buChar char="-"/>
             </a:pPr>
-            <a:endParaRPr lang="en-US" altLang="ko-KR" dirty="0"/>
-          </a:p>
-          <a:p>
-            <a:r>
-              <a:rPr lang="en-US" altLang="ko-KR" dirty="0"/>
-              <a:t>* </a:t>
-            </a:r>
-            <a:r>
-              <a:rPr lang="ko-KR" altLang="en-US" dirty="0" err="1"/>
-              <a:t>메인화면</a:t>
-            </a:r>
-            <a:endParaRPr lang="en-US" altLang="ko-KR" dirty="0"/>
-          </a:p>
-          <a:p>
-            <a:endParaRPr lang="en-US" altLang="ko-KR" dirty="0"/>
-          </a:p>
-          <a:p>
-            <a:r>
-              <a:rPr lang="ko-KR" altLang="en-US" dirty="0"/>
-              <a:t>로그인 시 </a:t>
-            </a:r>
-            <a:r>
-              <a:rPr lang="ko-KR" altLang="en-US" dirty="0" err="1"/>
-              <a:t>메인화면으로</a:t>
-            </a:r>
-            <a:r>
-              <a:rPr lang="ko-KR" altLang="en-US" dirty="0"/>
-              <a:t> 전환</a:t>
-            </a:r>
-            <a:endParaRPr lang="en-US" altLang="ko-KR" dirty="0"/>
-          </a:p>
-          <a:p>
-            <a:endParaRPr lang="en-US" altLang="ko-KR" dirty="0"/>
-          </a:p>
-          <a:p>
-            <a:endParaRPr lang="en-US" altLang="ko-KR" dirty="0"/>
-          </a:p>
-          <a:p>
-            <a:r>
-              <a:rPr lang="en-US" altLang="ko-KR" dirty="0"/>
-              <a:t> </a:t>
-            </a:r>
-          </a:p>
-          <a:p>
-            <a:endParaRPr lang="ko-KR" altLang="en-US" dirty="0"/>
-          </a:p>
-        </p:txBody>
-      </p:sp>
-    </p:spTree>
-    <p:extLst>
-      <p:ext uri="{BB962C8B-B14F-4D97-AF65-F5344CB8AC3E}">
-        <p14:creationId xmlns:p14="http://schemas.microsoft.com/office/powerpoint/2010/main" val="129202563"/>
-      </p:ext>
-    </p:extLst>
-  </p:cSld>
-  <p:clrMapOvr>
-    <a:masterClrMapping/>
-  </p:clrMapOvr>
-</p:sld>
-</file>
-
-<file path=ppt/slides/slide9.xml><?xml version="1.0" encoding="utf-8"?>
-<p:sld xmlns:a="http://schemas.openxmlformats.org/drawingml/2006/main" xmlns:r="http://schemas.openxmlformats.org/officeDocument/2006/relationships" xmlns:p="http://schemas.openxmlformats.org/presentationml/2006/main">
-  <p:cSld>
-    <p:spTree>
-      <p:nvGrpSpPr>
-        <p:cNvPr id="1" name=""/>
-        <p:cNvGrpSpPr/>
-        <p:nvPr/>
-      </p:nvGrpSpPr>
-      <p:grpSpPr>
-        <a:xfrm>
-          <a:off x="0" y="0"/>
-          <a:ext cx="0" cy="0"/>
-          <a:chOff x="0" y="0"/>
-          <a:chExt cx="0" cy="0"/>
-        </a:xfrm>
-      </p:grpSpPr>
-      <p:sp>
-        <p:nvSpPr>
-          <p:cNvPr id="5" name="직사각형 4">
-            <a:extLst>
-              <a:ext uri="{FF2B5EF4-FFF2-40B4-BE49-F238E27FC236}">
-                <a16:creationId xmlns:a16="http://schemas.microsoft.com/office/drawing/2014/main" id="{17E19D0E-8108-4858-857B-9EE9AB408387}"/>
-              </a:ext>
-            </a:extLst>
-          </p:cNvPr>
-          <p:cNvSpPr/>
-          <p:nvPr/>
-        </p:nvSpPr>
-        <p:spPr>
-          <a:xfrm>
-            <a:off x="167780" y="218114"/>
-            <a:ext cx="8341738" cy="6526635"/>
-          </a:xfrm>
-          <a:prstGeom prst="rect">
-            <a:avLst/>
-          </a:prstGeom>
-          <a:blipFill>
-            <a:blip r:embed="rId2"/>
-            <a:stretch>
-              <a:fillRect/>
-            </a:stretch>
-          </a:blipFill>
-        </p:spPr>
-        <p:style>
-          <a:lnRef idx="2">
-            <a:schemeClr val="accent1">
-              <a:shade val="50000"/>
-            </a:schemeClr>
-          </a:lnRef>
-          <a:fillRef idx="1">
-            <a:schemeClr val="accent1"/>
-          </a:fillRef>
-          <a:effectRef idx="0">
-            <a:schemeClr val="accent1"/>
-          </a:effectRef>
-          <a:fontRef idx="minor">
-            <a:schemeClr val="lt1"/>
-          </a:fontRef>
-        </p:style>
-        <p:txBody>
-          <a:bodyPr rtlCol="0" anchor="ctr"/>
-          <a:lstStyle/>
-          <a:p>
-            <a:pPr algn="ctr"/>
-            <a:endParaRPr lang="ko-KR" altLang="en-US"/>
-          </a:p>
-        </p:txBody>
-      </p:sp>
-      <p:sp>
-        <p:nvSpPr>
-          <p:cNvPr id="4" name="TextBox 3">
-            <a:extLst>
-              <a:ext uri="{FF2B5EF4-FFF2-40B4-BE49-F238E27FC236}">
-                <a16:creationId xmlns:a16="http://schemas.microsoft.com/office/drawing/2014/main" id="{61415CF9-2635-49C6-B775-6D322D8996AD}"/>
-              </a:ext>
-            </a:extLst>
-          </p:cNvPr>
-          <p:cNvSpPr txBox="1"/>
-          <p:nvPr/>
-        </p:nvSpPr>
-        <p:spPr>
-          <a:xfrm>
-            <a:off x="8633012" y="2188769"/>
-            <a:ext cx="2106667" cy="2585323"/>
-          </a:xfrm>
-          <a:prstGeom prst="rect">
-            <a:avLst/>
-          </a:prstGeom>
-          <a:noFill/>
-        </p:spPr>
-        <p:txBody>
-          <a:bodyPr wrap="none" rtlCol="0">
-            <a:spAutoFit/>
-          </a:bodyPr>
-          <a:lstStyle/>
-          <a:p>
-            <a:r>
-              <a:rPr lang="en-US" altLang="ko-KR" dirty="0"/>
-              <a:t>* </a:t>
-            </a:r>
-            <a:r>
-              <a:rPr lang="ko-KR" altLang="en-US" dirty="0" err="1"/>
-              <a:t>메인화면</a:t>
-            </a:r>
-            <a:endParaRPr lang="en-US" altLang="ko-KR" dirty="0"/>
-          </a:p>
-          <a:p>
-            <a:endParaRPr lang="en-US" altLang="ko-KR" dirty="0"/>
-          </a:p>
-          <a:p>
-            <a:r>
-              <a:rPr lang="en-US" altLang="ko-KR" dirty="0"/>
-              <a:t>- </a:t>
-            </a:r>
-            <a:r>
-              <a:rPr lang="ko-KR" altLang="en-US" dirty="0"/>
-              <a:t>상단 </a:t>
-            </a:r>
-            <a:endParaRPr lang="en-US" altLang="ko-KR" dirty="0"/>
-          </a:p>
-          <a:p>
-            <a:r>
-              <a:rPr lang="ko-KR" altLang="en-US" dirty="0"/>
-              <a:t>좌측 </a:t>
-            </a:r>
-            <a:r>
-              <a:rPr lang="en-US" altLang="ko-KR" dirty="0"/>
-              <a:t>: </a:t>
-            </a:r>
-            <a:r>
-              <a:rPr lang="ko-KR" altLang="en-US" dirty="0"/>
-              <a:t>메인</a:t>
-            </a:r>
-            <a:r>
-              <a:rPr lang="en-US" altLang="ko-KR" dirty="0"/>
-              <a:t>/</a:t>
-            </a:r>
-            <a:r>
-              <a:rPr lang="ko-KR" altLang="en-US" dirty="0"/>
-              <a:t>게시판</a:t>
-            </a:r>
-            <a:endParaRPr lang="en-US" altLang="ko-KR" dirty="0"/>
-          </a:p>
-          <a:p>
-            <a:r>
-              <a:rPr lang="ko-KR" altLang="en-US" dirty="0"/>
-              <a:t>우측 </a:t>
-            </a:r>
-            <a:r>
-              <a:rPr lang="en-US" altLang="ko-KR" dirty="0"/>
-              <a:t>: </a:t>
-            </a:r>
-            <a:r>
-              <a:rPr lang="ko-KR" altLang="en-US" dirty="0"/>
-              <a:t>접속하기</a:t>
-            </a:r>
-            <a:endParaRPr lang="en-US" altLang="ko-KR" dirty="0"/>
-          </a:p>
-          <a:p>
+            <a:r>
+              <a:rPr lang="ko-KR" altLang="en-US" dirty="0"/>
+              <a:t>로그인 </a:t>
+            </a:r>
+            <a:r>
+              <a:rPr lang="en-US" altLang="ko-KR" dirty="0"/>
+              <a:t>&amp; </a:t>
+            </a:r>
+            <a:r>
+              <a:rPr lang="ko-KR" altLang="en-US" dirty="0"/>
+              <a:t>회원가입 버튼생성</a:t>
+            </a:r>
             <a:endParaRPr lang="en-US" altLang="ko-KR" dirty="0"/>
           </a:p>
           <a:p>
@@ -8055,10 +7860,6 @@
               <a:buFontTx/>
               <a:buChar char="-"/>
             </a:pPr>
-            <a:r>
-              <a:rPr lang="ko-KR" altLang="en-US" dirty="0"/>
-              <a:t>접속하기 선택</a:t>
-            </a:r>
             <a:endParaRPr lang="en-US" altLang="ko-KR" dirty="0"/>
           </a:p>
           <a:p>
@@ -8075,7 +7876,7 @@
     </p:spTree>
     <p:extLst>
       <p:ext uri="{BB962C8B-B14F-4D97-AF65-F5344CB8AC3E}">
-        <p14:creationId xmlns:p14="http://schemas.microsoft.com/office/powerpoint/2010/main" val="1686348296"/>
+        <p14:creationId xmlns:p14="http://schemas.microsoft.com/office/powerpoint/2010/main" val="864951808"/>
       </p:ext>
     </p:extLst>
   </p:cSld>
